--- a/2017-sigmod-china.pptx
+++ b/2017-sigmod-china.pptx
@@ -13,20 +13,20 @@
   <p:sldIdLst>
     <p:sldId id="259" r:id="rId2"/>
   </p:sldIdLst>
-  <p:sldSz cx="38404800" cy="36576000"/>
+  <p:sldSz cx="20162838" cy="50406300"/>
   <p:notesSz cx="7315200" cy="9601200"/>
   <p:defaultTextStyle>
     <a:defPPr>
       <a:defRPr lang="en-US"/>
     </a:defPPr>
-    <a:lvl1pPr algn="l" defTabSz="2193745" rtl="0" fontAlgn="base">
+    <a:lvl1pPr algn="l" defTabSz="2193300" rtl="0" fontAlgn="base">
       <a:spcBef>
         <a:spcPct val="0"/>
       </a:spcBef>
       <a:spcAft>
         <a:spcPct val="0"/>
       </a:spcAft>
-      <a:defRPr sz="8600" kern="1200">
+      <a:defRPr sz="8598" kern="1200">
         <a:solidFill>
           <a:schemeClr val="tx1"/>
         </a:solidFill>
@@ -35,14 +35,14 @@
         <a:cs typeface="ＭＳ Ｐゴシック" pitchFamily="-107" charset="-128"/>
       </a:defRPr>
     </a:lvl1pPr>
-    <a:lvl2pPr marL="2193745" indent="-1736580" algn="l" defTabSz="2193745" rtl="0" fontAlgn="base">
+    <a:lvl2pPr marL="2193300" indent="-1736227" algn="l" defTabSz="2193300" rtl="0" fontAlgn="base">
       <a:spcBef>
         <a:spcPct val="0"/>
       </a:spcBef>
       <a:spcAft>
         <a:spcPct val="0"/>
       </a:spcAft>
-      <a:defRPr sz="8600" kern="1200">
+      <a:defRPr sz="8598" kern="1200">
         <a:solidFill>
           <a:schemeClr val="tx1"/>
         </a:solidFill>
@@ -51,14 +51,14 @@
         <a:cs typeface="ＭＳ Ｐゴシック" pitchFamily="-107" charset="-128"/>
       </a:defRPr>
     </a:lvl2pPr>
-    <a:lvl3pPr marL="4387487" indent="-3473164" algn="l" defTabSz="2193745" rtl="0" fontAlgn="base">
+    <a:lvl3pPr marL="4386596" indent="-3472458" algn="l" defTabSz="2193300" rtl="0" fontAlgn="base">
       <a:spcBef>
         <a:spcPct val="0"/>
       </a:spcBef>
       <a:spcAft>
         <a:spcPct val="0"/>
       </a:spcAft>
-      <a:defRPr sz="8600" kern="1200">
+      <a:defRPr sz="8598" kern="1200">
         <a:solidFill>
           <a:schemeClr val="tx1"/>
         </a:solidFill>
@@ -67,14 +67,14 @@
         <a:cs typeface="ＭＳ Ｐゴシック" pitchFamily="-107" charset="-128"/>
       </a:defRPr>
     </a:lvl3pPr>
-    <a:lvl4pPr marL="6582821" indent="-5211333" algn="l" defTabSz="2193745" rtl="0" fontAlgn="base">
+    <a:lvl4pPr marL="6581483" indent="-5210275" algn="l" defTabSz="2193300" rtl="0" fontAlgn="base">
       <a:spcBef>
         <a:spcPct val="0"/>
       </a:spcBef>
       <a:spcAft>
         <a:spcPct val="0"/>
       </a:spcAft>
-      <a:defRPr sz="8600" kern="1200">
+      <a:defRPr sz="8598" kern="1200">
         <a:solidFill>
           <a:schemeClr val="tx1"/>
         </a:solidFill>
@@ -83,14 +83,14 @@
         <a:cs typeface="ＭＳ Ｐゴシック" pitchFamily="-107" charset="-128"/>
       </a:defRPr>
     </a:lvl4pPr>
-    <a:lvl5pPr marL="8776563" indent="-6947917" algn="l" defTabSz="2193745" rtl="0" fontAlgn="base">
+    <a:lvl5pPr marL="8774779" indent="-6946504" algn="l" defTabSz="2193300" rtl="0" fontAlgn="base">
       <a:spcBef>
         <a:spcPct val="0"/>
       </a:spcBef>
       <a:spcAft>
         <a:spcPct val="0"/>
       </a:spcAft>
-      <a:defRPr sz="8600" kern="1200">
+      <a:defRPr sz="8598" kern="1200">
         <a:solidFill>
           <a:schemeClr val="tx1"/>
         </a:solidFill>
@@ -99,8 +99,8 @@
         <a:cs typeface="ＭＳ Ｐゴシック" pitchFamily="-107" charset="-128"/>
       </a:defRPr>
     </a:lvl5pPr>
-    <a:lvl6pPr marL="2285812" algn="l" defTabSz="457163" rtl="0" eaLnBrk="1" latinLnBrk="0" hangingPunct="1">
-      <a:defRPr sz="8600" kern="1200">
+    <a:lvl6pPr marL="2285348" algn="l" defTabSz="457071" rtl="0" eaLnBrk="1" latinLnBrk="0" hangingPunct="1">
+      <a:defRPr sz="8598" kern="1200">
         <a:solidFill>
           <a:schemeClr val="tx1"/>
         </a:solidFill>
@@ -109,8 +109,8 @@
         <a:cs typeface="ＭＳ Ｐゴシック" pitchFamily="-107" charset="-128"/>
       </a:defRPr>
     </a:lvl6pPr>
-    <a:lvl7pPr marL="2742974" algn="l" defTabSz="457163" rtl="0" eaLnBrk="1" latinLnBrk="0" hangingPunct="1">
-      <a:defRPr sz="8600" kern="1200">
+    <a:lvl7pPr marL="2742417" algn="l" defTabSz="457071" rtl="0" eaLnBrk="1" latinLnBrk="0" hangingPunct="1">
+      <a:defRPr sz="8598" kern="1200">
         <a:solidFill>
           <a:schemeClr val="tx1"/>
         </a:solidFill>
@@ -119,8 +119,8 @@
         <a:cs typeface="ＭＳ Ｐゴシック" pitchFamily="-107" charset="-128"/>
       </a:defRPr>
     </a:lvl7pPr>
-    <a:lvl8pPr marL="3200137" algn="l" defTabSz="457163" rtl="0" eaLnBrk="1" latinLnBrk="0" hangingPunct="1">
-      <a:defRPr sz="8600" kern="1200">
+    <a:lvl8pPr marL="3199486" algn="l" defTabSz="457071" rtl="0" eaLnBrk="1" latinLnBrk="0" hangingPunct="1">
+      <a:defRPr sz="8598" kern="1200">
         <a:solidFill>
           <a:schemeClr val="tx1"/>
         </a:solidFill>
@@ -129,8 +129,8 @@
         <a:cs typeface="ＭＳ Ｐゴシック" pitchFamily="-107" charset="-128"/>
       </a:defRPr>
     </a:lvl8pPr>
-    <a:lvl9pPr marL="3657297" algn="l" defTabSz="457163" rtl="0" eaLnBrk="1" latinLnBrk="0" hangingPunct="1">
-      <a:defRPr sz="8600" kern="1200">
+    <a:lvl9pPr marL="3656553" algn="l" defTabSz="457071" rtl="0" eaLnBrk="1" latinLnBrk="0" hangingPunct="1">
+      <a:defRPr sz="8598" kern="1200">
         <a:solidFill>
           <a:schemeClr val="tx1"/>
         </a:solidFill>
@@ -143,12 +143,12 @@
   <p:extLst>
     <p:ext uri="{EFAFB233-063F-42B5-8137-9DF3F51BA10A}">
       <p15:sldGuideLst xmlns:p15="http://schemas.microsoft.com/office/powerpoint/2012/main">
-        <p15:guide id="1" orient="horz" pos="11520" userDrawn="1">
+        <p15:guide id="1" orient="horz" pos="15876" userDrawn="1">
           <p15:clr>
             <a:srgbClr val="A4A3A4"/>
           </p15:clr>
         </p15:guide>
-        <p15:guide id="2" pos="12096" userDrawn="1">
+        <p15:guide id="2" pos="6353" userDrawn="1">
           <p15:clr>
             <a:srgbClr val="A4A3A4"/>
           </p15:clr>
@@ -246,7 +246,7 @@
             <a:fld id="{6EA91F10-F105-F240-BB11-F3B689646099}" type="datetimeFigureOut">
               <a:rPr lang="en-US" smtClean="0"/>
               <a:pPr/>
-              <a:t>5/2/2017</a:t>
+              <a:t>5/3/2017</a:t>
             </a:fld>
             <a:endParaRPr lang="en-US"/>
           </a:p>
@@ -441,7 +441,7 @@
               <a:pPr>
                 <a:defRPr/>
               </a:pPr>
-              <a:t>5/2/2017</a:t>
+              <a:t>5/3/2017</a:t>
             </a:fld>
             <a:endParaRPr lang="en-US"/>
           </a:p>
@@ -459,8 +459,8 @@
         </p:nvSpPr>
         <p:spPr>
           <a:xfrm>
-            <a:off x="1768475" y="720725"/>
-            <a:ext cx="3778250" cy="3600450"/>
+            <a:off x="2936875" y="720725"/>
+            <a:ext cx="1441450" cy="3600450"/>
           </a:xfrm>
           <a:prstGeom prst="rect">
             <a:avLst/>
@@ -646,14 +646,14 @@
   </p:cSld>
   <p:clrMap bg1="lt1" tx1="dk1" bg2="lt2" tx2="dk2" accent1="accent1" accent2="accent2" accent3="accent3" accent4="accent4" accent5="accent5" accent6="accent6" hlink="hlink" folHlink="folHlink"/>
   <p:notesStyle>
-    <a:lvl1pPr algn="l" defTabSz="457163" rtl="0" eaLnBrk="0" fontAlgn="base" hangingPunct="0">
+    <a:lvl1pPr algn="l" defTabSz="457071" rtl="0" eaLnBrk="0" fontAlgn="base" hangingPunct="0">
       <a:spcBef>
         <a:spcPct val="30000"/>
       </a:spcBef>
       <a:spcAft>
         <a:spcPct val="0"/>
       </a:spcAft>
-      <a:defRPr sz="1201" kern="1200">
+      <a:defRPr sz="1202" kern="1200">
         <a:solidFill>
           <a:schemeClr val="tx1"/>
         </a:solidFill>
@@ -662,14 +662,14 @@
         <a:cs typeface="ＭＳ Ｐゴシック" pitchFamily="-108" charset="-128"/>
       </a:defRPr>
     </a:lvl1pPr>
-    <a:lvl2pPr marL="457163" algn="l" defTabSz="457163" rtl="0" eaLnBrk="0" fontAlgn="base" hangingPunct="0">
+    <a:lvl2pPr marL="457071" algn="l" defTabSz="457071" rtl="0" eaLnBrk="0" fontAlgn="base" hangingPunct="0">
       <a:spcBef>
         <a:spcPct val="30000"/>
       </a:spcBef>
       <a:spcAft>
         <a:spcPct val="0"/>
       </a:spcAft>
-      <a:defRPr sz="1201" kern="1200">
+      <a:defRPr sz="1202" kern="1200">
         <a:solidFill>
           <a:schemeClr val="tx1"/>
         </a:solidFill>
@@ -678,14 +678,14 @@
         <a:cs typeface="+mn-cs"/>
       </a:defRPr>
     </a:lvl2pPr>
-    <a:lvl3pPr marL="914326" algn="l" defTabSz="457163" rtl="0" eaLnBrk="0" fontAlgn="base" hangingPunct="0">
+    <a:lvl3pPr marL="914140" algn="l" defTabSz="457071" rtl="0" eaLnBrk="0" fontAlgn="base" hangingPunct="0">
       <a:spcBef>
         <a:spcPct val="30000"/>
       </a:spcBef>
       <a:spcAft>
         <a:spcPct val="0"/>
       </a:spcAft>
-      <a:defRPr sz="1201" kern="1200">
+      <a:defRPr sz="1202" kern="1200">
         <a:solidFill>
           <a:schemeClr val="tx1"/>
         </a:solidFill>
@@ -694,14 +694,14 @@
         <a:cs typeface="+mn-cs"/>
       </a:defRPr>
     </a:lvl3pPr>
-    <a:lvl4pPr marL="1371488" algn="l" defTabSz="457163" rtl="0" eaLnBrk="0" fontAlgn="base" hangingPunct="0">
+    <a:lvl4pPr marL="1371209" algn="l" defTabSz="457071" rtl="0" eaLnBrk="0" fontAlgn="base" hangingPunct="0">
       <a:spcBef>
         <a:spcPct val="30000"/>
       </a:spcBef>
       <a:spcAft>
         <a:spcPct val="0"/>
       </a:spcAft>
-      <a:defRPr sz="1201" kern="1200">
+      <a:defRPr sz="1202" kern="1200">
         <a:solidFill>
           <a:schemeClr val="tx1"/>
         </a:solidFill>
@@ -710,14 +710,14 @@
         <a:cs typeface="+mn-cs"/>
       </a:defRPr>
     </a:lvl4pPr>
-    <a:lvl5pPr marL="1828649" algn="l" defTabSz="457163" rtl="0" eaLnBrk="0" fontAlgn="base" hangingPunct="0">
+    <a:lvl5pPr marL="1828277" algn="l" defTabSz="457071" rtl="0" eaLnBrk="0" fontAlgn="base" hangingPunct="0">
       <a:spcBef>
         <a:spcPct val="30000"/>
       </a:spcBef>
       <a:spcAft>
         <a:spcPct val="0"/>
       </a:spcAft>
-      <a:defRPr sz="1201" kern="1200">
+      <a:defRPr sz="1202" kern="1200">
         <a:solidFill>
           <a:schemeClr val="tx1"/>
         </a:solidFill>
@@ -726,8 +726,8 @@
         <a:cs typeface="+mn-cs"/>
       </a:defRPr>
     </a:lvl5pPr>
-    <a:lvl6pPr marL="2285812" algn="l" defTabSz="457163" rtl="0" eaLnBrk="1" latinLnBrk="0" hangingPunct="1">
-      <a:defRPr sz="1201" kern="1200">
+    <a:lvl6pPr marL="2285348" algn="l" defTabSz="457071" rtl="0" eaLnBrk="1" latinLnBrk="0" hangingPunct="1">
+      <a:defRPr sz="1202" kern="1200">
         <a:solidFill>
           <a:schemeClr val="tx1"/>
         </a:solidFill>
@@ -736,8 +736,8 @@
         <a:cs typeface="+mn-cs"/>
       </a:defRPr>
     </a:lvl6pPr>
-    <a:lvl7pPr marL="2742974" algn="l" defTabSz="457163" rtl="0" eaLnBrk="1" latinLnBrk="0" hangingPunct="1">
-      <a:defRPr sz="1201" kern="1200">
+    <a:lvl7pPr marL="2742417" algn="l" defTabSz="457071" rtl="0" eaLnBrk="1" latinLnBrk="0" hangingPunct="1">
+      <a:defRPr sz="1202" kern="1200">
         <a:solidFill>
           <a:schemeClr val="tx1"/>
         </a:solidFill>
@@ -746,8 +746,8 @@
         <a:cs typeface="+mn-cs"/>
       </a:defRPr>
     </a:lvl7pPr>
-    <a:lvl8pPr marL="3200137" algn="l" defTabSz="457163" rtl="0" eaLnBrk="1" latinLnBrk="0" hangingPunct="1">
-      <a:defRPr sz="1201" kern="1200">
+    <a:lvl8pPr marL="3199486" algn="l" defTabSz="457071" rtl="0" eaLnBrk="1" latinLnBrk="0" hangingPunct="1">
+      <a:defRPr sz="1202" kern="1200">
         <a:solidFill>
           <a:schemeClr val="tx1"/>
         </a:solidFill>
@@ -756,8 +756,8 @@
         <a:cs typeface="+mn-cs"/>
       </a:defRPr>
     </a:lvl8pPr>
-    <a:lvl9pPr marL="3657297" algn="l" defTabSz="457163" rtl="0" eaLnBrk="1" latinLnBrk="0" hangingPunct="1">
-      <a:defRPr sz="1201" kern="1200">
+    <a:lvl9pPr marL="3656553" algn="l" defTabSz="457071" rtl="0" eaLnBrk="1" latinLnBrk="0" hangingPunct="1">
+      <a:defRPr sz="1202" kern="1200">
         <a:solidFill>
           <a:schemeClr val="tx1"/>
         </a:solidFill>
@@ -799,8 +799,8 @@
         </p:nvSpPr>
         <p:spPr bwMode="auto">
           <a:xfrm>
-            <a:off x="1768475" y="720725"/>
-            <a:ext cx="3778250" cy="3600450"/>
+            <a:off x="2936875" y="720725"/>
+            <a:ext cx="1441450" cy="3600450"/>
           </a:xfrm>
           <a:noFill/>
           <a:ln>
@@ -945,8 +945,8 @@
         </p:nvSpPr>
         <p:spPr>
           <a:xfrm>
-            <a:off x="2880360" y="11362277"/>
-            <a:ext cx="32644080" cy="7840132"/>
+            <a:off x="1512214" y="15658647"/>
+            <a:ext cx="17138414" cy="10804681"/>
           </a:xfrm>
         </p:spPr>
         <p:txBody>
@@ -972,8 +972,8 @@
         </p:nvSpPr>
         <p:spPr>
           <a:xfrm>
-            <a:off x="5760720" y="20726400"/>
-            <a:ext cx="26883360" cy="9347200"/>
+            <a:off x="3024428" y="28563570"/>
+            <a:ext cx="14113986" cy="12881610"/>
           </a:xfrm>
         </p:spPr>
         <p:txBody>
@@ -989,7 +989,7 @@
                 </a:solidFill>
               </a:defRPr>
             </a:lvl1pPr>
-            <a:lvl2pPr marL="1599760" indent="0" algn="ctr">
+            <a:lvl2pPr marL="839720" indent="0" algn="ctr">
               <a:buNone/>
               <a:defRPr>
                 <a:solidFill>
@@ -999,7 +999,7 @@
                 </a:solidFill>
               </a:defRPr>
             </a:lvl2pPr>
-            <a:lvl3pPr marL="3199520" indent="0" algn="ctr">
+            <a:lvl3pPr marL="1679437" indent="0" algn="ctr">
               <a:buNone/>
               <a:defRPr>
                 <a:solidFill>
@@ -1009,7 +1009,7 @@
                 </a:solidFill>
               </a:defRPr>
             </a:lvl3pPr>
-            <a:lvl4pPr marL="4799281" indent="0" algn="ctr">
+            <a:lvl4pPr marL="2519157" indent="0" algn="ctr">
               <a:buNone/>
               <a:defRPr>
                 <a:solidFill>
@@ -1019,7 +1019,7 @@
                 </a:solidFill>
               </a:defRPr>
             </a:lvl4pPr>
-            <a:lvl5pPr marL="6399042" indent="0" algn="ctr">
+            <a:lvl5pPr marL="3358892" indent="0" algn="ctr">
               <a:buNone/>
               <a:defRPr>
                 <a:solidFill>
@@ -1029,7 +1029,7 @@
                 </a:solidFill>
               </a:defRPr>
             </a:lvl5pPr>
-            <a:lvl6pPr marL="7998802" indent="0" algn="ctr">
+            <a:lvl6pPr marL="4198609" indent="0" algn="ctr">
               <a:buNone/>
               <a:defRPr>
                 <a:solidFill>
@@ -1039,7 +1039,7 @@
                 </a:solidFill>
               </a:defRPr>
             </a:lvl6pPr>
-            <a:lvl7pPr marL="9598562" indent="0" algn="ctr">
+            <a:lvl7pPr marL="5038329" indent="0" algn="ctr">
               <a:buNone/>
               <a:defRPr>
                 <a:solidFill>
@@ -1049,7 +1049,7 @@
                 </a:solidFill>
               </a:defRPr>
             </a:lvl7pPr>
-            <a:lvl8pPr marL="11198322" indent="0" algn="ctr">
+            <a:lvl8pPr marL="5878050" indent="0" algn="ctr">
               <a:buNone/>
               <a:defRPr>
                 <a:solidFill>
@@ -1059,7 +1059,7 @@
                 </a:solidFill>
               </a:defRPr>
             </a:lvl8pPr>
-            <a:lvl9pPr marL="12798082" indent="0" algn="ctr">
+            <a:lvl9pPr marL="6717767" indent="0" algn="ctr">
               <a:buNone/>
               <a:defRPr>
                 <a:solidFill>
@@ -1105,7 +1105,7 @@
               <a:pPr>
                 <a:defRPr/>
               </a:pPr>
-              <a:t>5/2/2017</a:t>
+              <a:t>5/3/2017</a:t>
             </a:fld>
             <a:endParaRPr lang="en-US"/>
           </a:p>
@@ -1295,7 +1295,7 @@
               <a:pPr>
                 <a:defRPr/>
               </a:pPr>
-              <a:t>5/2/2017</a:t>
+              <a:t>5/3/2017</a:t>
             </a:fld>
             <a:endParaRPr lang="en-US"/>
           </a:p>
@@ -1397,8 +1397,8 @@
         </p:nvSpPr>
         <p:spPr>
           <a:xfrm>
-            <a:off x="133650045" y="7027334"/>
-            <a:ext cx="41478516" cy="149800738"/>
+            <a:off x="70167382" y="9684562"/>
+            <a:ext cx="21776566" cy="206444141"/>
           </a:xfrm>
         </p:spPr>
         <p:txBody>
@@ -1424,8 +1424,8 @@
         </p:nvSpPr>
         <p:spPr>
           <a:xfrm>
-            <a:off x="9214488" y="7027334"/>
-            <a:ext cx="123795474" cy="149800738"/>
+            <a:off x="4837682" y="9684562"/>
+            <a:ext cx="64993649" cy="206444141"/>
           </a:xfrm>
         </p:spPr>
         <p:txBody>
@@ -1495,7 +1495,7 @@
               <a:pPr>
                 <a:defRPr/>
               </a:pPr>
-              <a:t>5/2/2017</a:t>
+              <a:t>5/3/2017</a:t>
             </a:fld>
             <a:endParaRPr lang="en-US"/>
           </a:p>
@@ -1685,7 +1685,7 @@
               <a:pPr>
                 <a:defRPr/>
               </a:pPr>
-              <a:t>5/2/2017</a:t>
+              <a:t>5/3/2017</a:t>
             </a:fld>
             <a:endParaRPr lang="en-US"/>
           </a:p>
@@ -1787,15 +1787,15 @@
         </p:nvSpPr>
         <p:spPr>
           <a:xfrm>
-            <a:off x="3033714" y="23503468"/>
-            <a:ext cx="32644080" cy="7264400"/>
+            <a:off x="1592725" y="32390718"/>
+            <a:ext cx="17138414" cy="10011251"/>
           </a:xfrm>
         </p:spPr>
         <p:txBody>
           <a:bodyPr anchor="t"/>
           <a:lstStyle>
             <a:lvl1pPr algn="l">
-              <a:defRPr sz="13994" b="1" cap="all"/>
+              <a:defRPr sz="7341" b="1" cap="all"/>
             </a:lvl1pPr>
           </a:lstStyle>
           <a:p>
@@ -1818,8 +1818,8 @@
         </p:nvSpPr>
         <p:spPr>
           <a:xfrm>
-            <a:off x="3033714" y="15502483"/>
-            <a:ext cx="32644080" cy="8001000"/>
+            <a:off x="1592725" y="21364368"/>
+            <a:ext cx="17138414" cy="11026378"/>
           </a:xfrm>
         </p:spPr>
         <p:txBody>
@@ -1827,7 +1827,7 @@
           <a:lstStyle>
             <a:lvl1pPr marL="0" indent="0">
               <a:buNone/>
-              <a:defRPr sz="7000">
+              <a:defRPr sz="3678">
                 <a:solidFill>
                   <a:schemeClr val="tx1">
                     <a:tint val="75000"/>
@@ -1835,9 +1835,9 @@
                 </a:solidFill>
               </a:defRPr>
             </a:lvl1pPr>
-            <a:lvl2pPr marL="1599760" indent="0">
+            <a:lvl2pPr marL="839720" indent="0">
               <a:buNone/>
-              <a:defRPr sz="6268">
+              <a:defRPr sz="3294">
                 <a:solidFill>
                   <a:schemeClr val="tx1">
                     <a:tint val="75000"/>
@@ -1845,9 +1845,9 @@
                 </a:solidFill>
               </a:defRPr>
             </a:lvl2pPr>
-            <a:lvl3pPr marL="3199520" indent="0">
+            <a:lvl3pPr marL="1679437" indent="0">
               <a:buNone/>
-              <a:defRPr sz="5611">
+              <a:defRPr sz="2940">
                 <a:solidFill>
                   <a:schemeClr val="tx1">
                     <a:tint val="75000"/>
@@ -1855,9 +1855,9 @@
                 </a:solidFill>
               </a:defRPr>
             </a:lvl3pPr>
-            <a:lvl4pPr marL="4799281" indent="0">
+            <a:lvl4pPr marL="2519157" indent="0">
               <a:buNone/>
-              <a:defRPr sz="4886">
+              <a:defRPr sz="2571">
                 <a:solidFill>
                   <a:schemeClr val="tx1">
                     <a:tint val="75000"/>
@@ -1865,9 +1865,9 @@
                 </a:solidFill>
               </a:defRPr>
             </a:lvl4pPr>
-            <a:lvl5pPr marL="6399042" indent="0">
+            <a:lvl5pPr marL="3358892" indent="0">
               <a:buNone/>
-              <a:defRPr sz="4886">
+              <a:defRPr sz="2571">
                 <a:solidFill>
                   <a:schemeClr val="tx1">
                     <a:tint val="75000"/>
@@ -1875,9 +1875,9 @@
                 </a:solidFill>
               </a:defRPr>
             </a:lvl5pPr>
-            <a:lvl6pPr marL="7998802" indent="0">
+            <a:lvl6pPr marL="4198609" indent="0">
               <a:buNone/>
-              <a:defRPr sz="4886">
+              <a:defRPr sz="2571">
                 <a:solidFill>
                   <a:schemeClr val="tx1">
                     <a:tint val="75000"/>
@@ -1885,9 +1885,9 @@
                 </a:solidFill>
               </a:defRPr>
             </a:lvl6pPr>
-            <a:lvl7pPr marL="9598562" indent="0">
+            <a:lvl7pPr marL="5038329" indent="0">
               <a:buNone/>
-              <a:defRPr sz="4886">
+              <a:defRPr sz="2571">
                 <a:solidFill>
                   <a:schemeClr val="tx1">
                     <a:tint val="75000"/>
@@ -1895,9 +1895,9 @@
                 </a:solidFill>
               </a:defRPr>
             </a:lvl7pPr>
-            <a:lvl8pPr marL="11198322" indent="0">
+            <a:lvl8pPr marL="5878050" indent="0">
               <a:buNone/>
-              <a:defRPr sz="4886">
+              <a:defRPr sz="2571">
                 <a:solidFill>
                   <a:schemeClr val="tx1">
                     <a:tint val="75000"/>
@@ -1905,9 +1905,9 @@
                 </a:solidFill>
               </a:defRPr>
             </a:lvl8pPr>
-            <a:lvl9pPr marL="12798082" indent="0">
+            <a:lvl9pPr marL="6717767" indent="0">
               <a:buNone/>
-              <a:defRPr sz="4886">
+              <a:defRPr sz="2571">
                 <a:solidFill>
                   <a:schemeClr val="tx1">
                     <a:tint val="75000"/>
@@ -1952,7 +1952,7 @@
               <a:pPr>
                 <a:defRPr/>
               </a:pPr>
-              <a:t>5/2/2017</a:t>
+              <a:t>5/3/2017</a:t>
             </a:fld>
             <a:endParaRPr lang="en-US"/>
           </a:p>
@@ -2076,39 +2076,39 @@
         </p:nvSpPr>
         <p:spPr>
           <a:xfrm>
-            <a:off x="9214489" y="40961734"/>
-            <a:ext cx="82636996" cy="115866338"/>
+            <a:off x="4837683" y="56450407"/>
+            <a:ext cx="43385105" cy="159678296"/>
           </a:xfrm>
         </p:spPr>
         <p:txBody>
           <a:bodyPr/>
           <a:lstStyle>
             <a:lvl1pPr>
-              <a:defRPr sz="9771"/>
+              <a:defRPr sz="5124"/>
             </a:lvl1pPr>
             <a:lvl2pPr>
-              <a:defRPr sz="8382"/>
+              <a:defRPr sz="4401"/>
             </a:lvl2pPr>
             <a:lvl3pPr>
-              <a:defRPr sz="7000"/>
+              <a:defRPr sz="3678"/>
             </a:lvl3pPr>
             <a:lvl4pPr>
-              <a:defRPr sz="6268"/>
+              <a:defRPr sz="3294"/>
             </a:lvl4pPr>
             <a:lvl5pPr>
-              <a:defRPr sz="6268"/>
+              <a:defRPr sz="3294"/>
             </a:lvl5pPr>
             <a:lvl6pPr>
-              <a:defRPr sz="6268"/>
+              <a:defRPr sz="3294"/>
             </a:lvl6pPr>
             <a:lvl7pPr>
-              <a:defRPr sz="6268"/>
+              <a:defRPr sz="3294"/>
             </a:lvl7pPr>
             <a:lvl8pPr>
-              <a:defRPr sz="6268"/>
+              <a:defRPr sz="3294"/>
             </a:lvl8pPr>
             <a:lvl9pPr>
-              <a:defRPr sz="6268"/>
+              <a:defRPr sz="3294"/>
             </a:lvl9pPr>
           </a:lstStyle>
           <a:p>
@@ -2160,39 +2160,39 @@
         </p:nvSpPr>
         <p:spPr>
           <a:xfrm>
-            <a:off x="92491565" y="40961734"/>
-            <a:ext cx="82636996" cy="115866338"/>
+            <a:off x="48558838" y="56450407"/>
+            <a:ext cx="43385105" cy="159678296"/>
           </a:xfrm>
         </p:spPr>
         <p:txBody>
           <a:bodyPr/>
           <a:lstStyle>
             <a:lvl1pPr>
-              <a:defRPr sz="9771"/>
+              <a:defRPr sz="5124"/>
             </a:lvl1pPr>
             <a:lvl2pPr>
-              <a:defRPr sz="8382"/>
+              <a:defRPr sz="4401"/>
             </a:lvl2pPr>
             <a:lvl3pPr>
-              <a:defRPr sz="7000"/>
+              <a:defRPr sz="3678"/>
             </a:lvl3pPr>
             <a:lvl4pPr>
-              <a:defRPr sz="6268"/>
+              <a:defRPr sz="3294"/>
             </a:lvl4pPr>
             <a:lvl5pPr>
-              <a:defRPr sz="6268"/>
+              <a:defRPr sz="3294"/>
             </a:lvl5pPr>
             <a:lvl6pPr>
-              <a:defRPr sz="6268"/>
+              <a:defRPr sz="3294"/>
             </a:lvl6pPr>
             <a:lvl7pPr>
-              <a:defRPr sz="6268"/>
+              <a:defRPr sz="3294"/>
             </a:lvl7pPr>
             <a:lvl8pPr>
-              <a:defRPr sz="6268"/>
+              <a:defRPr sz="3294"/>
             </a:lvl8pPr>
             <a:lvl9pPr>
-              <a:defRPr sz="6268"/>
+              <a:defRPr sz="3294"/>
             </a:lvl9pPr>
           </a:lstStyle>
           <a:p>
@@ -2259,7 +2259,7 @@
               <a:pPr>
                 <a:defRPr/>
               </a:pPr>
-              <a:t>5/2/2017</a:t>
+              <a:t>5/3/2017</a:t>
             </a:fld>
             <a:endParaRPr lang="en-US"/>
           </a:p>
@@ -2361,8 +2361,8 @@
         </p:nvSpPr>
         <p:spPr>
           <a:xfrm>
-            <a:off x="1920240" y="1464738"/>
-            <a:ext cx="34564320" cy="6096000"/>
+            <a:off x="1008144" y="2018591"/>
+            <a:ext cx="18146555" cy="8401050"/>
           </a:xfrm>
         </p:spPr>
         <p:txBody>
@@ -2392,8 +2392,8 @@
         </p:nvSpPr>
         <p:spPr>
           <a:xfrm>
-            <a:off x="1920242" y="8187272"/>
-            <a:ext cx="16968789" cy="3412063"/>
+            <a:off x="1008147" y="11283092"/>
+            <a:ext cx="8908755" cy="4702249"/>
           </a:xfrm>
         </p:spPr>
         <p:txBody>
@@ -2401,39 +2401,39 @@
           <a:lstStyle>
             <a:lvl1pPr marL="0" indent="0">
               <a:buNone/>
-              <a:defRPr sz="8382" b="1"/>
+              <a:defRPr sz="4401" b="1"/>
             </a:lvl1pPr>
-            <a:lvl2pPr marL="1599760" indent="0">
+            <a:lvl2pPr marL="839720" indent="0">
               <a:buNone/>
-              <a:defRPr sz="7000" b="1"/>
+              <a:defRPr sz="3678" b="1"/>
             </a:lvl2pPr>
-            <a:lvl3pPr marL="3199520" indent="0">
+            <a:lvl3pPr marL="1679437" indent="0">
               <a:buNone/>
-              <a:defRPr sz="6268" b="1"/>
+              <a:defRPr sz="3294" b="1"/>
             </a:lvl3pPr>
-            <a:lvl4pPr marL="4799281" indent="0">
+            <a:lvl4pPr marL="2519157" indent="0">
               <a:buNone/>
-              <a:defRPr sz="5611" b="1"/>
+              <a:defRPr sz="2940" b="1"/>
             </a:lvl4pPr>
-            <a:lvl5pPr marL="6399042" indent="0">
+            <a:lvl5pPr marL="3358892" indent="0">
               <a:buNone/>
-              <a:defRPr sz="5611" b="1"/>
+              <a:defRPr sz="2940" b="1"/>
             </a:lvl5pPr>
-            <a:lvl6pPr marL="7998802" indent="0">
+            <a:lvl6pPr marL="4198609" indent="0">
               <a:buNone/>
-              <a:defRPr sz="5611" b="1"/>
+              <a:defRPr sz="2940" b="1"/>
             </a:lvl6pPr>
-            <a:lvl7pPr marL="9598562" indent="0">
+            <a:lvl7pPr marL="5038329" indent="0">
               <a:buNone/>
-              <a:defRPr sz="5611" b="1"/>
+              <a:defRPr sz="2940" b="1"/>
             </a:lvl7pPr>
-            <a:lvl8pPr marL="11198322" indent="0">
+            <a:lvl8pPr marL="5878050" indent="0">
               <a:buNone/>
-              <a:defRPr sz="5611" b="1"/>
+              <a:defRPr sz="2940" b="1"/>
             </a:lvl8pPr>
-            <a:lvl9pPr marL="12798082" indent="0">
+            <a:lvl9pPr marL="6717767" indent="0">
               <a:buNone/>
-              <a:defRPr sz="5611" b="1"/>
+              <a:defRPr sz="2940" b="1"/>
             </a:lvl9pPr>
           </a:lstStyle>
           <a:p>
@@ -2457,39 +2457,39 @@
         </p:nvSpPr>
         <p:spPr>
           <a:xfrm>
-            <a:off x="1920242" y="11599334"/>
-            <a:ext cx="16968789" cy="21073538"/>
+            <a:off x="1008147" y="15985341"/>
+            <a:ext cx="8908755" cy="29041968"/>
           </a:xfrm>
         </p:spPr>
         <p:txBody>
           <a:bodyPr/>
           <a:lstStyle>
             <a:lvl1pPr>
-              <a:defRPr sz="8382"/>
+              <a:defRPr sz="4401"/>
             </a:lvl1pPr>
             <a:lvl2pPr>
-              <a:defRPr sz="7000"/>
+              <a:defRPr sz="3678"/>
             </a:lvl2pPr>
             <a:lvl3pPr>
-              <a:defRPr sz="6268"/>
+              <a:defRPr sz="3294"/>
             </a:lvl3pPr>
             <a:lvl4pPr>
-              <a:defRPr sz="5611"/>
+              <a:defRPr sz="2940"/>
             </a:lvl4pPr>
             <a:lvl5pPr>
-              <a:defRPr sz="5611"/>
+              <a:defRPr sz="2940"/>
             </a:lvl5pPr>
             <a:lvl6pPr>
-              <a:defRPr sz="5611"/>
+              <a:defRPr sz="2940"/>
             </a:lvl6pPr>
             <a:lvl7pPr>
-              <a:defRPr sz="5611"/>
+              <a:defRPr sz="2940"/>
             </a:lvl7pPr>
             <a:lvl8pPr>
-              <a:defRPr sz="5611"/>
+              <a:defRPr sz="2940"/>
             </a:lvl8pPr>
             <a:lvl9pPr>
-              <a:defRPr sz="5611"/>
+              <a:defRPr sz="2940"/>
             </a:lvl9pPr>
           </a:lstStyle>
           <a:p>
@@ -2541,8 +2541,8 @@
         </p:nvSpPr>
         <p:spPr>
           <a:xfrm>
-            <a:off x="19509109" y="8187272"/>
-            <a:ext cx="16975456" cy="3412063"/>
+            <a:off x="10242443" y="11283092"/>
+            <a:ext cx="8912254" cy="4702249"/>
           </a:xfrm>
         </p:spPr>
         <p:txBody>
@@ -2550,39 +2550,39 @@
           <a:lstStyle>
             <a:lvl1pPr marL="0" indent="0">
               <a:buNone/>
-              <a:defRPr sz="8382" b="1"/>
+              <a:defRPr sz="4401" b="1"/>
             </a:lvl1pPr>
-            <a:lvl2pPr marL="1599760" indent="0">
+            <a:lvl2pPr marL="839720" indent="0">
               <a:buNone/>
-              <a:defRPr sz="7000" b="1"/>
+              <a:defRPr sz="3678" b="1"/>
             </a:lvl2pPr>
-            <a:lvl3pPr marL="3199520" indent="0">
+            <a:lvl3pPr marL="1679437" indent="0">
               <a:buNone/>
-              <a:defRPr sz="6268" b="1"/>
+              <a:defRPr sz="3294" b="1"/>
             </a:lvl3pPr>
-            <a:lvl4pPr marL="4799281" indent="0">
+            <a:lvl4pPr marL="2519157" indent="0">
               <a:buNone/>
-              <a:defRPr sz="5611" b="1"/>
+              <a:defRPr sz="2940" b="1"/>
             </a:lvl4pPr>
-            <a:lvl5pPr marL="6399042" indent="0">
+            <a:lvl5pPr marL="3358892" indent="0">
               <a:buNone/>
-              <a:defRPr sz="5611" b="1"/>
+              <a:defRPr sz="2940" b="1"/>
             </a:lvl5pPr>
-            <a:lvl6pPr marL="7998802" indent="0">
+            <a:lvl6pPr marL="4198609" indent="0">
               <a:buNone/>
-              <a:defRPr sz="5611" b="1"/>
+              <a:defRPr sz="2940" b="1"/>
             </a:lvl6pPr>
-            <a:lvl7pPr marL="9598562" indent="0">
+            <a:lvl7pPr marL="5038329" indent="0">
               <a:buNone/>
-              <a:defRPr sz="5611" b="1"/>
+              <a:defRPr sz="2940" b="1"/>
             </a:lvl7pPr>
-            <a:lvl8pPr marL="11198322" indent="0">
+            <a:lvl8pPr marL="5878050" indent="0">
               <a:buNone/>
-              <a:defRPr sz="5611" b="1"/>
+              <a:defRPr sz="2940" b="1"/>
             </a:lvl8pPr>
-            <a:lvl9pPr marL="12798082" indent="0">
+            <a:lvl9pPr marL="6717767" indent="0">
               <a:buNone/>
-              <a:defRPr sz="5611" b="1"/>
+              <a:defRPr sz="2940" b="1"/>
             </a:lvl9pPr>
           </a:lstStyle>
           <a:p>
@@ -2606,39 +2606,39 @@
         </p:nvSpPr>
         <p:spPr>
           <a:xfrm>
-            <a:off x="19509109" y="11599334"/>
-            <a:ext cx="16975456" cy="21073538"/>
+            <a:off x="10242443" y="15985341"/>
+            <a:ext cx="8912254" cy="29041968"/>
           </a:xfrm>
         </p:spPr>
         <p:txBody>
           <a:bodyPr/>
           <a:lstStyle>
             <a:lvl1pPr>
-              <a:defRPr sz="8382"/>
+              <a:defRPr sz="4401"/>
             </a:lvl1pPr>
             <a:lvl2pPr>
-              <a:defRPr sz="7000"/>
+              <a:defRPr sz="3678"/>
             </a:lvl2pPr>
             <a:lvl3pPr>
-              <a:defRPr sz="6268"/>
+              <a:defRPr sz="3294"/>
             </a:lvl3pPr>
             <a:lvl4pPr>
-              <a:defRPr sz="5611"/>
+              <a:defRPr sz="2940"/>
             </a:lvl4pPr>
             <a:lvl5pPr>
-              <a:defRPr sz="5611"/>
+              <a:defRPr sz="2940"/>
             </a:lvl5pPr>
             <a:lvl6pPr>
-              <a:defRPr sz="5611"/>
+              <a:defRPr sz="2940"/>
             </a:lvl6pPr>
             <a:lvl7pPr>
-              <a:defRPr sz="5611"/>
+              <a:defRPr sz="2940"/>
             </a:lvl7pPr>
             <a:lvl8pPr>
-              <a:defRPr sz="5611"/>
+              <a:defRPr sz="2940"/>
             </a:lvl8pPr>
             <a:lvl9pPr>
-              <a:defRPr sz="5611"/>
+              <a:defRPr sz="2940"/>
             </a:lvl9pPr>
           </a:lstStyle>
           <a:p>
@@ -2705,7 +2705,7 @@
               <a:pPr>
                 <a:defRPr/>
               </a:pPr>
-              <a:t>5/2/2017</a:t>
+              <a:t>5/3/2017</a:t>
             </a:fld>
             <a:endParaRPr lang="en-US"/>
           </a:p>
@@ -2844,7 +2844,7 @@
               <a:pPr>
                 <a:defRPr/>
               </a:pPr>
-              <a:t>5/2/2017</a:t>
+              <a:t>5/3/2017</a:t>
             </a:fld>
             <a:endParaRPr lang="en-US"/>
           </a:p>
@@ -2961,7 +2961,7 @@
               <a:pPr>
                 <a:defRPr/>
               </a:pPr>
-              <a:t>5/2/2017</a:t>
+              <a:t>5/3/2017</a:t>
             </a:fld>
             <a:endParaRPr lang="en-US"/>
           </a:p>
@@ -3063,15 +3063,15 @@
         </p:nvSpPr>
         <p:spPr>
           <a:xfrm>
-            <a:off x="1920243" y="1456268"/>
-            <a:ext cx="12634914" cy="6197600"/>
+            <a:off x="1008143" y="2006927"/>
+            <a:ext cx="6633436" cy="8541068"/>
           </a:xfrm>
         </p:spPr>
         <p:txBody>
           <a:bodyPr anchor="b"/>
           <a:lstStyle>
             <a:lvl1pPr algn="l">
-              <a:defRPr sz="7000" b="1"/>
+              <a:defRPr sz="3678" b="1"/>
             </a:lvl1pPr>
           </a:lstStyle>
           <a:p>
@@ -3094,39 +3094,39 @@
         </p:nvSpPr>
         <p:spPr>
           <a:xfrm>
-            <a:off x="15015212" y="1456283"/>
-            <a:ext cx="21469350" cy="31216600"/>
+            <a:off x="7883109" y="2006955"/>
+            <a:ext cx="11271588" cy="43020377"/>
           </a:xfrm>
         </p:spPr>
         <p:txBody>
           <a:bodyPr/>
           <a:lstStyle>
             <a:lvl1pPr>
-              <a:defRPr sz="11228"/>
+              <a:defRPr sz="5895"/>
             </a:lvl1pPr>
             <a:lvl2pPr>
-              <a:defRPr sz="9771"/>
+              <a:defRPr sz="5124"/>
             </a:lvl2pPr>
             <a:lvl3pPr>
-              <a:defRPr sz="8382"/>
+              <a:defRPr sz="4401"/>
             </a:lvl3pPr>
             <a:lvl4pPr>
-              <a:defRPr sz="7000"/>
+              <a:defRPr sz="3678"/>
             </a:lvl4pPr>
             <a:lvl5pPr>
-              <a:defRPr sz="7000"/>
+              <a:defRPr sz="3678"/>
             </a:lvl5pPr>
             <a:lvl6pPr>
-              <a:defRPr sz="7000"/>
+              <a:defRPr sz="3678"/>
             </a:lvl6pPr>
             <a:lvl7pPr>
-              <a:defRPr sz="7000"/>
+              <a:defRPr sz="3678"/>
             </a:lvl7pPr>
             <a:lvl8pPr>
-              <a:defRPr sz="7000"/>
+              <a:defRPr sz="3678"/>
             </a:lvl8pPr>
             <a:lvl9pPr>
-              <a:defRPr sz="7000"/>
+              <a:defRPr sz="3678"/>
             </a:lvl9pPr>
           </a:lstStyle>
           <a:p>
@@ -3178,8 +3178,8 @@
         </p:nvSpPr>
         <p:spPr>
           <a:xfrm>
-            <a:off x="1920243" y="7653883"/>
-            <a:ext cx="12634914" cy="25019000"/>
+            <a:off x="1008143" y="10548016"/>
+            <a:ext cx="6633436" cy="34479309"/>
           </a:xfrm>
         </p:spPr>
         <p:txBody>
@@ -3187,39 +3187,39 @@
           <a:lstStyle>
             <a:lvl1pPr marL="0" indent="0">
               <a:buNone/>
-              <a:defRPr sz="4886"/>
+              <a:defRPr sz="2571"/>
             </a:lvl1pPr>
-            <a:lvl2pPr marL="1599760" indent="0">
+            <a:lvl2pPr marL="839720" indent="0">
               <a:buNone/>
-              <a:defRPr sz="4228"/>
+              <a:defRPr sz="2217"/>
             </a:lvl2pPr>
-            <a:lvl3pPr marL="3199520" indent="0">
+            <a:lvl3pPr marL="1679437" indent="0">
               <a:buNone/>
-              <a:defRPr sz="3497"/>
+              <a:defRPr sz="1830"/>
             </a:lvl3pPr>
-            <a:lvl4pPr marL="4799281" indent="0">
+            <a:lvl4pPr marL="2519157" indent="0">
               <a:buNone/>
-              <a:defRPr sz="3137"/>
+              <a:defRPr sz="1638"/>
             </a:lvl4pPr>
-            <a:lvl5pPr marL="6399042" indent="0">
+            <a:lvl5pPr marL="3358892" indent="0">
               <a:buNone/>
-              <a:defRPr sz="3137"/>
+              <a:defRPr sz="1638"/>
             </a:lvl5pPr>
-            <a:lvl6pPr marL="7998802" indent="0">
+            <a:lvl6pPr marL="4198609" indent="0">
               <a:buNone/>
-              <a:defRPr sz="3137"/>
+              <a:defRPr sz="1638"/>
             </a:lvl6pPr>
-            <a:lvl7pPr marL="9598562" indent="0">
+            <a:lvl7pPr marL="5038329" indent="0">
               <a:buNone/>
-              <a:defRPr sz="3137"/>
+              <a:defRPr sz="1638"/>
             </a:lvl7pPr>
-            <a:lvl8pPr marL="11198322" indent="0">
+            <a:lvl8pPr marL="5878050" indent="0">
               <a:buNone/>
-              <a:defRPr sz="3137"/>
+              <a:defRPr sz="1638"/>
             </a:lvl8pPr>
-            <a:lvl9pPr marL="12798082" indent="0">
+            <a:lvl9pPr marL="6717767" indent="0">
               <a:buNone/>
-              <a:defRPr sz="3137"/>
+              <a:defRPr sz="1638"/>
             </a:lvl9pPr>
           </a:lstStyle>
           <a:p>
@@ -3258,7 +3258,7 @@
               <a:pPr>
                 <a:defRPr/>
               </a:pPr>
-              <a:t>5/2/2017</a:t>
+              <a:t>5/3/2017</a:t>
             </a:fld>
             <a:endParaRPr lang="en-US"/>
           </a:p>
@@ -3360,15 +3360,15 @@
         </p:nvSpPr>
         <p:spPr>
           <a:xfrm>
-            <a:off x="7527609" y="25603208"/>
-            <a:ext cx="23042880" cy="3022600"/>
+            <a:off x="3952059" y="35284429"/>
+            <a:ext cx="12097703" cy="4165521"/>
           </a:xfrm>
         </p:spPr>
         <p:txBody>
           <a:bodyPr anchor="b"/>
           <a:lstStyle>
             <a:lvl1pPr algn="l">
-              <a:defRPr sz="7000" b="1"/>
+              <a:defRPr sz="3678" b="1"/>
             </a:lvl1pPr>
           </a:lstStyle>
           <a:p>
@@ -3391,8 +3391,8 @@
         </p:nvSpPr>
         <p:spPr>
           <a:xfrm>
-            <a:off x="7527609" y="3268132"/>
-            <a:ext cx="23042880" cy="21945600"/>
+            <a:off x="3952059" y="4503893"/>
+            <a:ext cx="12097703" cy="30243780"/>
           </a:xfrm>
         </p:spPr>
         <p:txBody>
@@ -3402,39 +3402,39 @@
           <a:lstStyle>
             <a:lvl1pPr marL="0" indent="0">
               <a:buNone/>
-              <a:defRPr sz="11228"/>
+              <a:defRPr sz="5895"/>
             </a:lvl1pPr>
-            <a:lvl2pPr marL="1599760" indent="0">
+            <a:lvl2pPr marL="839720" indent="0">
               <a:buNone/>
-              <a:defRPr sz="9771"/>
+              <a:defRPr sz="5124"/>
             </a:lvl2pPr>
-            <a:lvl3pPr marL="3199520" indent="0">
+            <a:lvl3pPr marL="1679437" indent="0">
               <a:buNone/>
-              <a:defRPr sz="8382"/>
+              <a:defRPr sz="4401"/>
             </a:lvl3pPr>
-            <a:lvl4pPr marL="4799281" indent="0">
+            <a:lvl4pPr marL="2519157" indent="0">
               <a:buNone/>
-              <a:defRPr sz="7000"/>
+              <a:defRPr sz="3678"/>
             </a:lvl4pPr>
-            <a:lvl5pPr marL="6399042" indent="0">
+            <a:lvl5pPr marL="3358892" indent="0">
               <a:buNone/>
-              <a:defRPr sz="7000"/>
+              <a:defRPr sz="3678"/>
             </a:lvl5pPr>
-            <a:lvl6pPr marL="7998802" indent="0">
+            <a:lvl6pPr marL="4198609" indent="0">
               <a:buNone/>
-              <a:defRPr sz="7000"/>
+              <a:defRPr sz="3678"/>
             </a:lvl6pPr>
-            <a:lvl7pPr marL="9598562" indent="0">
+            <a:lvl7pPr marL="5038329" indent="0">
               <a:buNone/>
-              <a:defRPr sz="7000"/>
+              <a:defRPr sz="3678"/>
             </a:lvl7pPr>
-            <a:lvl8pPr marL="11198322" indent="0">
+            <a:lvl8pPr marL="5878050" indent="0">
               <a:buNone/>
-              <a:defRPr sz="7000"/>
+              <a:defRPr sz="3678"/>
             </a:lvl8pPr>
-            <a:lvl9pPr marL="12798082" indent="0">
+            <a:lvl9pPr marL="6717767" indent="0">
               <a:buNone/>
-              <a:defRPr sz="7000"/>
+              <a:defRPr sz="3678"/>
             </a:lvl9pPr>
           </a:lstStyle>
           <a:p>
@@ -3458,8 +3458,8 @@
         </p:nvSpPr>
         <p:spPr>
           <a:xfrm>
-            <a:off x="7527609" y="28625808"/>
-            <a:ext cx="23042880" cy="4292600"/>
+            <a:off x="3952059" y="39449950"/>
+            <a:ext cx="12097703" cy="5915739"/>
           </a:xfrm>
         </p:spPr>
         <p:txBody>
@@ -3467,39 +3467,39 @@
           <a:lstStyle>
             <a:lvl1pPr marL="0" indent="0">
               <a:buNone/>
-              <a:defRPr sz="4886"/>
+              <a:defRPr sz="2571"/>
             </a:lvl1pPr>
-            <a:lvl2pPr marL="1599760" indent="0">
+            <a:lvl2pPr marL="839720" indent="0">
               <a:buNone/>
-              <a:defRPr sz="4228"/>
+              <a:defRPr sz="2217"/>
             </a:lvl2pPr>
-            <a:lvl3pPr marL="3199520" indent="0">
+            <a:lvl3pPr marL="1679437" indent="0">
               <a:buNone/>
-              <a:defRPr sz="3497"/>
+              <a:defRPr sz="1830"/>
             </a:lvl3pPr>
-            <a:lvl4pPr marL="4799281" indent="0">
+            <a:lvl4pPr marL="2519157" indent="0">
               <a:buNone/>
-              <a:defRPr sz="3137"/>
+              <a:defRPr sz="1638"/>
             </a:lvl4pPr>
-            <a:lvl5pPr marL="6399042" indent="0">
+            <a:lvl5pPr marL="3358892" indent="0">
               <a:buNone/>
-              <a:defRPr sz="3137"/>
+              <a:defRPr sz="1638"/>
             </a:lvl5pPr>
-            <a:lvl6pPr marL="7998802" indent="0">
+            <a:lvl6pPr marL="4198609" indent="0">
               <a:buNone/>
-              <a:defRPr sz="3137"/>
+              <a:defRPr sz="1638"/>
             </a:lvl6pPr>
-            <a:lvl7pPr marL="9598562" indent="0">
+            <a:lvl7pPr marL="5038329" indent="0">
               <a:buNone/>
-              <a:defRPr sz="3137"/>
+              <a:defRPr sz="1638"/>
             </a:lvl7pPr>
-            <a:lvl8pPr marL="11198322" indent="0">
+            <a:lvl8pPr marL="5878050" indent="0">
               <a:buNone/>
-              <a:defRPr sz="3137"/>
+              <a:defRPr sz="1638"/>
             </a:lvl8pPr>
-            <a:lvl9pPr marL="12798082" indent="0">
+            <a:lvl9pPr marL="6717767" indent="0">
               <a:buNone/>
-              <a:defRPr sz="3137"/>
+              <a:defRPr sz="1638"/>
             </a:lvl9pPr>
           </a:lstStyle>
           <a:p>
@@ -3538,7 +3538,7 @@
               <a:pPr>
                 <a:defRPr/>
               </a:pPr>
-              <a:t>5/2/2017</a:t>
+              <a:t>5/3/2017</a:t>
             </a:fld>
             <a:endParaRPr lang="en-US"/>
           </a:p>
@@ -3645,8 +3645,8 @@
         </p:nvSpPr>
         <p:spPr bwMode="auto">
           <a:xfrm>
-            <a:off x="1919687" y="1464028"/>
-            <a:ext cx="34565431" cy="6096000"/>
+            <a:off x="1007854" y="2017615"/>
+            <a:ext cx="18147136" cy="8401050"/>
           </a:xfrm>
           <a:prstGeom prst="rect">
             <a:avLst/>
@@ -3687,8 +3687,8 @@
         </p:nvSpPr>
         <p:spPr bwMode="auto">
           <a:xfrm>
-            <a:off x="1919687" y="8533692"/>
-            <a:ext cx="34565431" cy="24138823"/>
+            <a:off x="1007854" y="11760502"/>
+            <a:ext cx="18147136" cy="33266315"/>
           </a:xfrm>
           <a:prstGeom prst="rect">
             <a:avLst/>
@@ -3757,8 +3757,8 @@
         </p:nvSpPr>
         <p:spPr>
           <a:xfrm>
-            <a:off x="1919687" y="33900192"/>
-            <a:ext cx="8962231" cy="1947332"/>
+            <a:off x="1007855" y="46718709"/>
+            <a:ext cx="4705246" cy="2683666"/>
           </a:xfrm>
           <a:prstGeom prst="rect">
             <a:avLst/>
@@ -3767,14 +3767,14 @@
         <p:txBody>
           <a:bodyPr vert="horz" lIns="438912" tIns="219456" rIns="438912" bIns="219456" rtlCol="0" anchor="ctr"/>
           <a:lstStyle>
-            <a:lvl1pPr algn="l" defTabSz="1599760" fontAlgn="auto">
+            <a:lvl1pPr algn="l" defTabSz="839720" fontAlgn="auto">
               <a:spcBef>
                 <a:spcPts val="0"/>
               </a:spcBef>
               <a:spcAft>
                 <a:spcPts val="0"/>
               </a:spcAft>
-              <a:defRPr sz="4228">
+              <a:defRPr sz="2217">
                 <a:solidFill>
                   <a:schemeClr val="tx1">
                     <a:tint val="75000"/>
@@ -3795,7 +3795,7 @@
               <a:pPr>
                 <a:defRPr/>
               </a:pPr>
-              <a:t>5/2/2017</a:t>
+              <a:t>5/3/2017</a:t>
             </a:fld>
             <a:endParaRPr lang="en-US"/>
           </a:p>
@@ -3813,8 +3813,8 @@
         </p:nvSpPr>
         <p:spPr>
           <a:xfrm>
-            <a:off x="13121087" y="33900192"/>
-            <a:ext cx="12162631" cy="1947332"/>
+            <a:off x="6888680" y="46718709"/>
+            <a:ext cx="6385483" cy="2683666"/>
           </a:xfrm>
           <a:prstGeom prst="rect">
             <a:avLst/>
@@ -3823,14 +3823,14 @@
         <p:txBody>
           <a:bodyPr vert="horz" lIns="438912" tIns="219456" rIns="438912" bIns="219456" rtlCol="0" anchor="ctr"/>
           <a:lstStyle>
-            <a:lvl1pPr algn="ctr" defTabSz="1599760" fontAlgn="auto">
+            <a:lvl1pPr algn="ctr" defTabSz="839720" fontAlgn="auto">
               <a:spcBef>
                 <a:spcPts val="0"/>
               </a:spcBef>
               <a:spcAft>
                 <a:spcPts val="0"/>
               </a:spcAft>
-              <a:defRPr sz="4228">
+              <a:defRPr sz="2217">
                 <a:solidFill>
                   <a:schemeClr val="tx1">
                     <a:tint val="75000"/>
@@ -3862,8 +3862,8 @@
         </p:nvSpPr>
         <p:spPr>
           <a:xfrm>
-            <a:off x="27522887" y="33900192"/>
-            <a:ext cx="8962231" cy="1947332"/>
+            <a:off x="14449745" y="46718709"/>
+            <a:ext cx="4705246" cy="2683666"/>
           </a:xfrm>
           <a:prstGeom prst="rect">
             <a:avLst/>
@@ -3872,14 +3872,14 @@
         <p:txBody>
           <a:bodyPr vert="horz" lIns="438912" tIns="219456" rIns="438912" bIns="219456" rtlCol="0" anchor="ctr"/>
           <a:lstStyle>
-            <a:lvl1pPr algn="r" defTabSz="1599760" fontAlgn="auto">
+            <a:lvl1pPr algn="r" defTabSz="839720" fontAlgn="auto">
               <a:spcBef>
                 <a:spcPts val="0"/>
               </a:spcBef>
               <a:spcAft>
                 <a:spcPts val="0"/>
               </a:spcAft>
-              <a:defRPr sz="4228">
+              <a:defRPr sz="2217">
                 <a:solidFill>
                   <a:schemeClr val="tx1">
                     <a:tint val="75000"/>
@@ -3924,14 +3924,14 @@
   </p:sldLayoutIdLst>
   <p:txStyles>
     <p:titleStyle>
-      <a:lvl1pPr algn="ctr" defTabSz="1599298" rtl="0" eaLnBrk="1" fontAlgn="base" hangingPunct="1">
+      <a:lvl1pPr algn="ctr" defTabSz="839477" rtl="0" eaLnBrk="1" fontAlgn="base" hangingPunct="1">
         <a:spcBef>
           <a:spcPct val="0"/>
         </a:spcBef>
         <a:spcAft>
           <a:spcPct val="0"/>
         </a:spcAft>
-        <a:defRPr sz="15382" kern="1200">
+        <a:defRPr sz="8082" kern="1200">
           <a:solidFill>
             <a:schemeClr val="tx1"/>
           </a:solidFill>
@@ -3940,14 +3940,14 @@
           <a:cs typeface="ＭＳ Ｐゴシック" pitchFamily="-108" charset="-128"/>
         </a:defRPr>
       </a:lvl1pPr>
-      <a:lvl2pPr algn="ctr" defTabSz="1599298" rtl="0" eaLnBrk="1" fontAlgn="base" hangingPunct="1">
+      <a:lvl2pPr algn="ctr" defTabSz="839477" rtl="0" eaLnBrk="1" fontAlgn="base" hangingPunct="1">
         <a:spcBef>
           <a:spcPct val="0"/>
         </a:spcBef>
         <a:spcAft>
           <a:spcPct val="0"/>
         </a:spcAft>
-        <a:defRPr sz="15382">
+        <a:defRPr sz="8082">
           <a:solidFill>
             <a:schemeClr val="tx1"/>
           </a:solidFill>
@@ -3956,14 +3956,14 @@
           <a:cs typeface="ＭＳ Ｐゴシック" pitchFamily="-108" charset="-128"/>
         </a:defRPr>
       </a:lvl2pPr>
-      <a:lvl3pPr algn="ctr" defTabSz="1599298" rtl="0" eaLnBrk="1" fontAlgn="base" hangingPunct="1">
+      <a:lvl3pPr algn="ctr" defTabSz="839477" rtl="0" eaLnBrk="1" fontAlgn="base" hangingPunct="1">
         <a:spcBef>
           <a:spcPct val="0"/>
         </a:spcBef>
         <a:spcAft>
           <a:spcPct val="0"/>
         </a:spcAft>
-        <a:defRPr sz="15382">
+        <a:defRPr sz="8082">
           <a:solidFill>
             <a:schemeClr val="tx1"/>
           </a:solidFill>
@@ -3972,14 +3972,14 @@
           <a:cs typeface="ＭＳ Ｐゴシック" pitchFamily="-108" charset="-128"/>
         </a:defRPr>
       </a:lvl3pPr>
-      <a:lvl4pPr algn="ctr" defTabSz="1599298" rtl="0" eaLnBrk="1" fontAlgn="base" hangingPunct="1">
+      <a:lvl4pPr algn="ctr" defTabSz="839477" rtl="0" eaLnBrk="1" fontAlgn="base" hangingPunct="1">
         <a:spcBef>
           <a:spcPct val="0"/>
         </a:spcBef>
         <a:spcAft>
           <a:spcPct val="0"/>
         </a:spcAft>
-        <a:defRPr sz="15382">
+        <a:defRPr sz="8082">
           <a:solidFill>
             <a:schemeClr val="tx1"/>
           </a:solidFill>
@@ -3988,14 +3988,14 @@
           <a:cs typeface="ＭＳ Ｐゴシック" pitchFamily="-108" charset="-128"/>
         </a:defRPr>
       </a:lvl4pPr>
-      <a:lvl5pPr algn="ctr" defTabSz="1599298" rtl="0" eaLnBrk="1" fontAlgn="base" hangingPunct="1">
+      <a:lvl5pPr algn="ctr" defTabSz="839477" rtl="0" eaLnBrk="1" fontAlgn="base" hangingPunct="1">
         <a:spcBef>
           <a:spcPct val="0"/>
         </a:spcBef>
         <a:spcAft>
           <a:spcPct val="0"/>
         </a:spcAft>
-        <a:defRPr sz="15382">
+        <a:defRPr sz="8082">
           <a:solidFill>
             <a:schemeClr val="tx1"/>
           </a:solidFill>
@@ -4004,14 +4004,14 @@
           <a:cs typeface="ＭＳ Ｐゴシック" pitchFamily="-108" charset="-128"/>
         </a:defRPr>
       </a:lvl5pPr>
-      <a:lvl6pPr marL="333282" algn="ctr" defTabSz="1599298" rtl="0" eaLnBrk="1" fontAlgn="base" hangingPunct="1">
+      <a:lvl6pPr marL="174939" algn="ctr" defTabSz="839477" rtl="0" eaLnBrk="1" fontAlgn="base" hangingPunct="1">
         <a:spcBef>
           <a:spcPct val="0"/>
         </a:spcBef>
         <a:spcAft>
           <a:spcPct val="0"/>
         </a:spcAft>
-        <a:defRPr sz="15382">
+        <a:defRPr sz="8082">
           <a:solidFill>
             <a:schemeClr val="tx1"/>
           </a:solidFill>
@@ -4020,14 +4020,14 @@
           <a:cs typeface="ＭＳ Ｐゴシック" pitchFamily="-108" charset="-128"/>
         </a:defRPr>
       </a:lvl6pPr>
-      <a:lvl7pPr marL="666569" algn="ctr" defTabSz="1599298" rtl="0" eaLnBrk="1" fontAlgn="base" hangingPunct="1">
+      <a:lvl7pPr marL="349894" algn="ctr" defTabSz="839477" rtl="0" eaLnBrk="1" fontAlgn="base" hangingPunct="1">
         <a:spcBef>
           <a:spcPct val="0"/>
         </a:spcBef>
         <a:spcAft>
           <a:spcPct val="0"/>
         </a:spcAft>
-        <a:defRPr sz="15382">
+        <a:defRPr sz="8082">
           <a:solidFill>
             <a:schemeClr val="tx1"/>
           </a:solidFill>
@@ -4036,14 +4036,14 @@
           <a:cs typeface="ＭＳ Ｐゴシック" pitchFamily="-108" charset="-128"/>
         </a:defRPr>
       </a:lvl7pPr>
-      <a:lvl8pPr marL="999851" algn="ctr" defTabSz="1599298" rtl="0" eaLnBrk="1" fontAlgn="base" hangingPunct="1">
+      <a:lvl8pPr marL="524833" algn="ctr" defTabSz="839477" rtl="0" eaLnBrk="1" fontAlgn="base" hangingPunct="1">
         <a:spcBef>
           <a:spcPct val="0"/>
         </a:spcBef>
         <a:spcAft>
           <a:spcPct val="0"/>
         </a:spcAft>
-        <a:defRPr sz="15382">
+        <a:defRPr sz="8082">
           <a:solidFill>
             <a:schemeClr val="tx1"/>
           </a:solidFill>
@@ -4052,14 +4052,14 @@
           <a:cs typeface="ＭＳ Ｐゴシック" pitchFamily="-108" charset="-128"/>
         </a:defRPr>
       </a:lvl8pPr>
-      <a:lvl9pPr marL="1333133" algn="ctr" defTabSz="1599298" rtl="0" eaLnBrk="1" fontAlgn="base" hangingPunct="1">
+      <a:lvl9pPr marL="699770" algn="ctr" defTabSz="839477" rtl="0" eaLnBrk="1" fontAlgn="base" hangingPunct="1">
         <a:spcBef>
           <a:spcPct val="0"/>
         </a:spcBef>
         <a:spcAft>
           <a:spcPct val="0"/>
         </a:spcAft>
-        <a:defRPr sz="15382">
+        <a:defRPr sz="8082">
           <a:solidFill>
             <a:schemeClr val="tx1"/>
           </a:solidFill>
@@ -4070,7 +4070,7 @@
       </a:lvl9pPr>
     </p:titleStyle>
     <p:bodyStyle>
-      <a:lvl1pPr marL="1198893" indent="-1198893" algn="l" defTabSz="1599298" rtl="0" eaLnBrk="1" fontAlgn="base" hangingPunct="1">
+      <a:lvl1pPr marL="629309" indent="-629309" algn="l" defTabSz="839477" rtl="0" eaLnBrk="1" fontAlgn="base" hangingPunct="1">
         <a:spcBef>
           <a:spcPct val="20000"/>
         </a:spcBef>
@@ -4079,7 +4079,7 @@
         </a:spcAft>
         <a:buFont typeface="Arial" pitchFamily="-107" charset="0"/>
         <a:buChar char="•"/>
-        <a:defRPr sz="11228" kern="1200">
+        <a:defRPr sz="5895" kern="1200">
           <a:solidFill>
             <a:schemeClr val="tx1"/>
           </a:solidFill>
@@ -4088,7 +4088,7 @@
           <a:cs typeface="ＭＳ Ｐゴシック" pitchFamily="-108" charset="-128"/>
         </a:defRPr>
       </a:lvl1pPr>
-      <a:lvl2pPr marL="2599149" indent="-999851" algn="l" defTabSz="1599298" rtl="0" eaLnBrk="1" fontAlgn="base" hangingPunct="1">
+      <a:lvl2pPr marL="1364310" indent="-524833" algn="l" defTabSz="839477" rtl="0" eaLnBrk="1" fontAlgn="base" hangingPunct="1">
         <a:spcBef>
           <a:spcPct val="20000"/>
         </a:spcBef>
@@ -4097,7 +4097,7 @@
         </a:spcAft>
         <a:buFont typeface="Arial" pitchFamily="-107" charset="0"/>
         <a:buChar char="–"/>
-        <a:defRPr sz="9771" kern="1200">
+        <a:defRPr sz="5124" kern="1200">
           <a:solidFill>
             <a:schemeClr val="tx1"/>
           </a:solidFill>
@@ -4106,7 +4106,7 @@
           <a:cs typeface="+mn-cs"/>
         </a:defRPr>
       </a:lvl2pPr>
-      <a:lvl3pPr marL="3999398" indent="-799649" algn="l" defTabSz="1599298" rtl="0" eaLnBrk="1" fontAlgn="base" hangingPunct="1">
+      <a:lvl3pPr marL="2099297" indent="-419746" algn="l" defTabSz="839477" rtl="0" eaLnBrk="1" fontAlgn="base" hangingPunct="1">
         <a:spcBef>
           <a:spcPct val="20000"/>
         </a:spcBef>
@@ -4115,7 +4115,7 @@
         </a:spcAft>
         <a:buFont typeface="Arial" pitchFamily="-107" charset="0"/>
         <a:buChar char="•"/>
-        <a:defRPr sz="8382" kern="1200">
+        <a:defRPr sz="4401" kern="1200">
           <a:solidFill>
             <a:schemeClr val="tx1"/>
           </a:solidFill>
@@ -4124,7 +4124,7 @@
           <a:cs typeface="+mn-cs"/>
         </a:defRPr>
       </a:lvl3pPr>
-      <a:lvl4pPr marL="5598695" indent="-799649" algn="l" defTabSz="1599298" rtl="0" eaLnBrk="1" fontAlgn="base" hangingPunct="1">
+      <a:lvl4pPr marL="2938774" indent="-419746" algn="l" defTabSz="839477" rtl="0" eaLnBrk="1" fontAlgn="base" hangingPunct="1">
         <a:spcBef>
           <a:spcPct val="20000"/>
         </a:spcBef>
@@ -4133,7 +4133,7 @@
         </a:spcAft>
         <a:buFont typeface="Arial" pitchFamily="-107" charset="0"/>
         <a:buChar char="–"/>
-        <a:defRPr sz="7000" kern="1200">
+        <a:defRPr sz="3678" kern="1200">
           <a:solidFill>
             <a:schemeClr val="tx1"/>
           </a:solidFill>
@@ -4142,7 +4142,7 @@
           <a:cs typeface="+mn-cs"/>
         </a:defRPr>
       </a:lvl4pPr>
-      <a:lvl5pPr marL="7197993" indent="-799649" algn="l" defTabSz="1599298" rtl="0" eaLnBrk="1" fontAlgn="base" hangingPunct="1">
+      <a:lvl5pPr marL="3778254" indent="-419746" algn="l" defTabSz="839477" rtl="0" eaLnBrk="1" fontAlgn="base" hangingPunct="1">
         <a:spcBef>
           <a:spcPct val="20000"/>
         </a:spcBef>
@@ -4151,7 +4151,7 @@
         </a:spcAft>
         <a:buFont typeface="Arial" pitchFamily="-107" charset="0"/>
         <a:buChar char="»"/>
-        <a:defRPr sz="7000" kern="1200">
+        <a:defRPr sz="3678" kern="1200">
           <a:solidFill>
             <a:schemeClr val="tx1"/>
           </a:solidFill>
@@ -4160,13 +4160,13 @@
           <a:cs typeface="+mn-cs"/>
         </a:defRPr>
       </a:lvl5pPr>
-      <a:lvl6pPr marL="8798679" indent="-799877" algn="l" defTabSz="1599760" rtl="0" eaLnBrk="1" latinLnBrk="0" hangingPunct="1">
+      <a:lvl6pPr marL="4618470" indent="-419860" algn="l" defTabSz="839720" rtl="0" eaLnBrk="1" latinLnBrk="0" hangingPunct="1">
         <a:spcBef>
           <a:spcPct val="20000"/>
         </a:spcBef>
         <a:buFont typeface="Arial"/>
         <a:buChar char="•"/>
-        <a:defRPr sz="7000" kern="1200">
+        <a:defRPr sz="3678" kern="1200">
           <a:solidFill>
             <a:schemeClr val="tx1"/>
           </a:solidFill>
@@ -4175,13 +4175,13 @@
           <a:cs typeface="+mn-cs"/>
         </a:defRPr>
       </a:lvl6pPr>
-      <a:lvl7pPr marL="10398439" indent="-799877" algn="l" defTabSz="1599760" rtl="0" eaLnBrk="1" latinLnBrk="0" hangingPunct="1">
+      <a:lvl7pPr marL="5458190" indent="-419860" algn="l" defTabSz="839720" rtl="0" eaLnBrk="1" latinLnBrk="0" hangingPunct="1">
         <a:spcBef>
           <a:spcPct val="20000"/>
         </a:spcBef>
         <a:buFont typeface="Arial"/>
         <a:buChar char="•"/>
-        <a:defRPr sz="7000" kern="1200">
+        <a:defRPr sz="3678" kern="1200">
           <a:solidFill>
             <a:schemeClr val="tx1"/>
           </a:solidFill>
@@ -4190,13 +4190,13 @@
           <a:cs typeface="+mn-cs"/>
         </a:defRPr>
       </a:lvl7pPr>
-      <a:lvl8pPr marL="11998199" indent="-799877" algn="l" defTabSz="1599760" rtl="0" eaLnBrk="1" latinLnBrk="0" hangingPunct="1">
+      <a:lvl8pPr marL="6297907" indent="-419860" algn="l" defTabSz="839720" rtl="0" eaLnBrk="1" latinLnBrk="0" hangingPunct="1">
         <a:spcBef>
           <a:spcPct val="20000"/>
         </a:spcBef>
         <a:buFont typeface="Arial"/>
         <a:buChar char="•"/>
-        <a:defRPr sz="7000" kern="1200">
+        <a:defRPr sz="3678" kern="1200">
           <a:solidFill>
             <a:schemeClr val="tx1"/>
           </a:solidFill>
@@ -4205,13 +4205,13 @@
           <a:cs typeface="+mn-cs"/>
         </a:defRPr>
       </a:lvl8pPr>
-      <a:lvl9pPr marL="13597959" indent="-799877" algn="l" defTabSz="1599760" rtl="0" eaLnBrk="1" latinLnBrk="0" hangingPunct="1">
+      <a:lvl9pPr marL="7137627" indent="-419860" algn="l" defTabSz="839720" rtl="0" eaLnBrk="1" latinLnBrk="0" hangingPunct="1">
         <a:spcBef>
           <a:spcPct val="20000"/>
         </a:spcBef>
         <a:buFont typeface="Arial"/>
         <a:buChar char="•"/>
-        <a:defRPr sz="7000" kern="1200">
+        <a:defRPr sz="3678" kern="1200">
           <a:solidFill>
             <a:schemeClr val="tx1"/>
           </a:solidFill>
@@ -4225,8 +4225,8 @@
       <a:defPPr>
         <a:defRPr lang="en-US"/>
       </a:defPPr>
-      <a:lvl1pPr marL="0" algn="l" defTabSz="1599760" rtl="0" eaLnBrk="1" latinLnBrk="0" hangingPunct="1">
-        <a:defRPr sz="6268" kern="1200">
+      <a:lvl1pPr marL="0" algn="l" defTabSz="839720" rtl="0" eaLnBrk="1" latinLnBrk="0" hangingPunct="1">
+        <a:defRPr sz="3294" kern="1200">
           <a:solidFill>
             <a:schemeClr val="tx1"/>
           </a:solidFill>
@@ -4235,8 +4235,8 @@
           <a:cs typeface="+mn-cs"/>
         </a:defRPr>
       </a:lvl1pPr>
-      <a:lvl2pPr marL="1599760" algn="l" defTabSz="1599760" rtl="0" eaLnBrk="1" latinLnBrk="0" hangingPunct="1">
-        <a:defRPr sz="6268" kern="1200">
+      <a:lvl2pPr marL="839720" algn="l" defTabSz="839720" rtl="0" eaLnBrk="1" latinLnBrk="0" hangingPunct="1">
+        <a:defRPr sz="3294" kern="1200">
           <a:solidFill>
             <a:schemeClr val="tx1"/>
           </a:solidFill>
@@ -4245,8 +4245,8 @@
           <a:cs typeface="+mn-cs"/>
         </a:defRPr>
       </a:lvl2pPr>
-      <a:lvl3pPr marL="3199520" algn="l" defTabSz="1599760" rtl="0" eaLnBrk="1" latinLnBrk="0" hangingPunct="1">
-        <a:defRPr sz="6268" kern="1200">
+      <a:lvl3pPr marL="1679437" algn="l" defTabSz="839720" rtl="0" eaLnBrk="1" latinLnBrk="0" hangingPunct="1">
+        <a:defRPr sz="3294" kern="1200">
           <a:solidFill>
             <a:schemeClr val="tx1"/>
           </a:solidFill>
@@ -4255,8 +4255,8 @@
           <a:cs typeface="+mn-cs"/>
         </a:defRPr>
       </a:lvl3pPr>
-      <a:lvl4pPr marL="4799281" algn="l" defTabSz="1599760" rtl="0" eaLnBrk="1" latinLnBrk="0" hangingPunct="1">
-        <a:defRPr sz="6268" kern="1200">
+      <a:lvl4pPr marL="2519157" algn="l" defTabSz="839720" rtl="0" eaLnBrk="1" latinLnBrk="0" hangingPunct="1">
+        <a:defRPr sz="3294" kern="1200">
           <a:solidFill>
             <a:schemeClr val="tx1"/>
           </a:solidFill>
@@ -4265,8 +4265,8 @@
           <a:cs typeface="+mn-cs"/>
         </a:defRPr>
       </a:lvl4pPr>
-      <a:lvl5pPr marL="6399042" algn="l" defTabSz="1599760" rtl="0" eaLnBrk="1" latinLnBrk="0" hangingPunct="1">
-        <a:defRPr sz="6268" kern="1200">
+      <a:lvl5pPr marL="3358892" algn="l" defTabSz="839720" rtl="0" eaLnBrk="1" latinLnBrk="0" hangingPunct="1">
+        <a:defRPr sz="3294" kern="1200">
           <a:solidFill>
             <a:schemeClr val="tx1"/>
           </a:solidFill>
@@ -4275,8 +4275,8 @@
           <a:cs typeface="+mn-cs"/>
         </a:defRPr>
       </a:lvl5pPr>
-      <a:lvl6pPr marL="7998802" algn="l" defTabSz="1599760" rtl="0" eaLnBrk="1" latinLnBrk="0" hangingPunct="1">
-        <a:defRPr sz="6268" kern="1200">
+      <a:lvl6pPr marL="4198609" algn="l" defTabSz="839720" rtl="0" eaLnBrk="1" latinLnBrk="0" hangingPunct="1">
+        <a:defRPr sz="3294" kern="1200">
           <a:solidFill>
             <a:schemeClr val="tx1"/>
           </a:solidFill>
@@ -4285,8 +4285,8 @@
           <a:cs typeface="+mn-cs"/>
         </a:defRPr>
       </a:lvl6pPr>
-      <a:lvl7pPr marL="9598562" algn="l" defTabSz="1599760" rtl="0" eaLnBrk="1" latinLnBrk="0" hangingPunct="1">
-        <a:defRPr sz="6268" kern="1200">
+      <a:lvl7pPr marL="5038329" algn="l" defTabSz="839720" rtl="0" eaLnBrk="1" latinLnBrk="0" hangingPunct="1">
+        <a:defRPr sz="3294" kern="1200">
           <a:solidFill>
             <a:schemeClr val="tx1"/>
           </a:solidFill>
@@ -4295,8 +4295,8 @@
           <a:cs typeface="+mn-cs"/>
         </a:defRPr>
       </a:lvl7pPr>
-      <a:lvl8pPr marL="11198322" algn="l" defTabSz="1599760" rtl="0" eaLnBrk="1" latinLnBrk="0" hangingPunct="1">
-        <a:defRPr sz="6268" kern="1200">
+      <a:lvl8pPr marL="5878050" algn="l" defTabSz="839720" rtl="0" eaLnBrk="1" latinLnBrk="0" hangingPunct="1">
+        <a:defRPr sz="3294" kern="1200">
           <a:solidFill>
             <a:schemeClr val="tx1"/>
           </a:solidFill>
@@ -4305,8 +4305,8 @@
           <a:cs typeface="+mn-cs"/>
         </a:defRPr>
       </a:lvl8pPr>
-      <a:lvl9pPr marL="12798082" algn="l" defTabSz="1599760" rtl="0" eaLnBrk="1" latinLnBrk="0" hangingPunct="1">
-        <a:defRPr sz="6268" kern="1200">
+      <a:lvl9pPr marL="6717767" algn="l" defTabSz="839720" rtl="0" eaLnBrk="1" latinLnBrk="0" hangingPunct="1">
+        <a:defRPr sz="3294" kern="1200">
           <a:solidFill>
             <a:schemeClr val="tx1"/>
           </a:solidFill>
@@ -4355,8 +4355,8 @@
         </p:nvSpPr>
         <p:spPr bwMode="auto">
           <a:xfrm>
-            <a:off x="1091895" y="1968506"/>
-            <a:ext cx="18872505" cy="805839"/>
+            <a:off x="764569" y="1809750"/>
+            <a:ext cx="14437576" cy="712376"/>
           </a:xfrm>
           <a:prstGeom prst="rect">
             <a:avLst/>
@@ -4370,7 +4370,7 @@
           </a:ln>
         </p:spPr>
         <p:txBody>
-          <a:bodyPr wrap="square" lIns="66532" tIns="33263" rIns="66532" bIns="33263">
+          <a:bodyPr wrap="square" lIns="34927" tIns="17463" rIns="34927" bIns="17463">
             <a:prstTxWarp prst="textNoShape">
               <a:avLst/>
             </a:prstTxWarp>
@@ -4384,7 +4384,7 @@
               </a:spcBef>
             </a:pPr>
             <a:r>
-              <a:rPr lang="en-US" sz="4800" b="1" dirty="0"/>
+              <a:rPr lang="en-US" sz="4400" b="1" dirty="0"/>
               <a:t>Chunbin Lin, Jianguo Wang, Chuitian Rong</a:t>
             </a:r>
             <a:endParaRPr lang="en-US" sz="3600" dirty="0"/>
@@ -4401,8 +4401,8 @@
         </p:nvCxnSpPr>
         <p:spPr>
           <a:xfrm>
-            <a:off x="914400" y="3556014"/>
-            <a:ext cx="36504458" cy="0"/>
+            <a:off x="595465" y="3105150"/>
+            <a:ext cx="19165148" cy="0"/>
           </a:xfrm>
           <a:prstGeom prst="line">
             <a:avLst/>
@@ -4442,8 +4442,8 @@
         </p:nvSpPr>
         <p:spPr bwMode="auto">
           <a:xfrm>
-            <a:off x="990600" y="549272"/>
-            <a:ext cx="20726400" cy="1079847"/>
+            <a:off x="586526" y="350995"/>
+            <a:ext cx="19174087" cy="1107996"/>
           </a:xfrm>
           <a:prstGeom prst="rect">
             <a:avLst/>
@@ -4466,7 +4466,7 @@
           <a:lstStyle/>
           <a:p>
             <a:r>
-              <a:rPr lang="en-US" sz="6417" dirty="0">
+              <a:rPr lang="en-US" sz="6600" dirty="0">
                 <a:solidFill>
                   <a:srgbClr val="052754"/>
                 </a:solidFill>
@@ -4487,8 +4487,8 @@
         </p:nvSpPr>
         <p:spPr bwMode="auto">
           <a:xfrm>
-            <a:off x="866464" y="4008374"/>
-            <a:ext cx="17449800" cy="7386252"/>
+            <a:off x="595465" y="3445473"/>
+            <a:ext cx="19116232" cy="7355877"/>
           </a:xfrm>
           <a:prstGeom prst="rect">
             <a:avLst/>
@@ -4504,7 +4504,7 @@
           </a:ln>
         </p:spPr>
         <p:txBody>
-          <a:bodyPr lIns="262503" tIns="262503" rIns="262503" bIns="262503">
+          <a:bodyPr lIns="137813" tIns="137813" rIns="137813" bIns="137813">
             <a:prstTxWarp prst="textNoShape">
               <a:avLst/>
             </a:prstTxWarp>
@@ -4517,7 +4517,7 @@
               </a:spcBef>
             </a:pPr>
             <a:r>
-              <a:rPr lang="en-GB" sz="4200" b="1" dirty="0">
+              <a:rPr lang="en-GB" sz="4800" b="1" dirty="0">
                 <a:solidFill>
                   <a:srgbClr val="CC3300"/>
                 </a:solidFill>
@@ -4526,7 +4526,7 @@
             </a:r>
           </a:p>
           <a:p>
-            <a:pPr marL="571500" indent="-571500">
+            <a:pPr marL="299977" indent="-299977">
               <a:spcBef>
                 <a:spcPct val="50000"/>
               </a:spcBef>
@@ -4534,12 +4534,12 @@
               <a:buChar char="v"/>
             </a:pPr>
             <a:r>
-              <a:rPr lang="en-US" sz="3600" dirty="0"/>
+              <a:rPr lang="en-US" sz="4400" dirty="0"/>
               <a:t>Data is usually resident in heterogeneous data sources including unstructured data, semi-structured data and structured data. </a:t>
             </a:r>
           </a:p>
           <a:p>
-            <a:pPr marL="571500" indent="-571500">
+            <a:pPr marL="299977" indent="-299977">
               <a:spcBef>
                 <a:spcPct val="50000"/>
               </a:spcBef>
@@ -4547,19 +4547,9 @@
               <a:buChar char="v"/>
             </a:pPr>
             <a:r>
-              <a:rPr lang="en-US" sz="3600" dirty="0"/>
+              <a:rPr lang="en-US" sz="4400" dirty="0"/>
               <a:t>Existing keyword search systems are designed and tuned for one specific data model. They cannot answer heterogeneous keyword queries.</a:t>
             </a:r>
-          </a:p>
-          <a:p>
-            <a:pPr marL="571500" indent="-571500">
-              <a:spcBef>
-                <a:spcPct val="50000"/>
-              </a:spcBef>
-              <a:buFont typeface="Wingdings" panose="05000000000000000000" pitchFamily="2" charset="2"/>
-              <a:buChar char="v"/>
-            </a:pPr>
-            <a:endParaRPr lang="en-US" sz="3600" dirty="0"/>
           </a:p>
           <a:p>
             <a:pPr>
@@ -4568,14 +4558,14 @@
               </a:spcBef>
             </a:pPr>
             <a:r>
-              <a:rPr lang="en-GB" sz="4200" b="1" dirty="0">
+              <a:rPr lang="en-GB" sz="4800" b="1" dirty="0">
                 <a:solidFill>
                   <a:srgbClr val="CC3300"/>
                 </a:solidFill>
               </a:rPr>
               <a:t>Contribution</a:t>
             </a:r>
-            <a:endParaRPr lang="en-US" sz="4200" dirty="0"/>
+            <a:endParaRPr lang="en-US" sz="4800" dirty="0"/>
           </a:p>
           <a:p>
             <a:pPr>
@@ -4584,11 +4574,11 @@
               </a:spcBef>
             </a:pPr>
             <a:r>
-              <a:rPr lang="en-US" sz="3600" dirty="0"/>
+              <a:rPr lang="en-US" sz="4400" dirty="0"/>
               <a:t>Build a </a:t>
             </a:r>
             <a:r>
-              <a:rPr lang="en-US" sz="3600" b="1" dirty="0">
+              <a:rPr lang="en-US" sz="4400" b="1" dirty="0">
                 <a:solidFill>
                   <a:srgbClr val="0000FF"/>
                 </a:solidFill>
@@ -4596,7 +4586,7 @@
               <a:t>heterogeneous keyword search system </a:t>
             </a:r>
             <a:r>
-              <a:rPr lang="en-US" sz="3600" dirty="0"/>
+              <a:rPr lang="en-US" sz="4400" dirty="0"/>
               <a:t>that performs keyword queries upon diverse data sources rather than just one type of data source.</a:t>
             </a:r>
           </a:p>
@@ -4606,18 +4596,11 @@
                 <a:spcPct val="50000"/>
               </a:spcBef>
             </a:pPr>
-            <a:endParaRPr lang="en-GB" sz="3332" b="1" dirty="0">
+            <a:endParaRPr lang="en-GB" sz="4000" b="1" dirty="0">
               <a:solidFill>
                 <a:srgbClr val="CC3300"/>
               </a:solidFill>
             </a:endParaRPr>
-          </a:p>
-          <a:p>
-            <a:r>
-              <a:rPr lang="en-US" sz="2040" b="1" dirty="0"/>
-              <a:t> </a:t>
-            </a:r>
-            <a:endParaRPr lang="en-US" sz="2040" dirty="0"/>
           </a:p>
         </p:txBody>
       </p:sp>
@@ -4631,8 +4614,8 @@
         </p:nvSpPr>
         <p:spPr bwMode="auto">
           <a:xfrm>
-            <a:off x="863619" y="11690546"/>
-            <a:ext cx="17449800" cy="12279840"/>
+            <a:off x="598687" y="11106150"/>
+            <a:ext cx="19113010" cy="12629406"/>
           </a:xfrm>
           <a:prstGeom prst="rect">
             <a:avLst/>
@@ -4648,7 +4631,7 @@
           </a:ln>
         </p:spPr>
         <p:txBody>
-          <a:bodyPr lIns="262503" tIns="262503" rIns="262503" bIns="262503">
+          <a:bodyPr lIns="137813" tIns="137813" rIns="137813" bIns="137813">
             <a:prstTxWarp prst="textNoShape">
               <a:avLst/>
             </a:prstTxWarp>
@@ -4661,7 +4644,7 @@
               </a:spcBef>
             </a:pPr>
             <a:r>
-              <a:rPr lang="en-GB" sz="4200" b="1" dirty="0">
+              <a:rPr lang="en-GB" sz="4800" b="1" dirty="0">
                 <a:solidFill>
                   <a:srgbClr val="CC3300"/>
                 </a:solidFill>
@@ -4671,10 +4654,10 @@
           </a:p>
           <a:p>
             <a:r>
-              <a:rPr lang="en-US" sz="2040" b="1" dirty="0"/>
+              <a:rPr lang="en-US" sz="4800" b="1" dirty="0"/>
               <a:t> </a:t>
             </a:r>
-            <a:endParaRPr lang="en-US" sz="2040" dirty="0"/>
+            <a:endParaRPr lang="en-US" sz="4800" dirty="0"/>
           </a:p>
         </p:txBody>
       </p:sp>
@@ -4688,8 +4671,8 @@
         </p:nvSpPr>
         <p:spPr bwMode="auto">
           <a:xfrm>
-            <a:off x="18577652" y="14945759"/>
-            <a:ext cx="18872335" cy="3418441"/>
+            <a:off x="552393" y="42500549"/>
+            <a:ext cx="19159303" cy="3295345"/>
           </a:xfrm>
           <a:prstGeom prst="rect">
             <a:avLst/>
@@ -4705,7 +4688,7 @@
           </a:ln>
         </p:spPr>
         <p:txBody>
-          <a:bodyPr lIns="262503" tIns="262503" rIns="262503" bIns="262503">
+          <a:bodyPr lIns="137813" tIns="137813" rIns="137813" bIns="137813">
             <a:prstTxWarp prst="textNoShape">
               <a:avLst/>
             </a:prstTxWarp>
@@ -4718,7 +4701,7 @@
               </a:spcBef>
             </a:pPr>
             <a:r>
-              <a:rPr lang="en-GB" sz="4200" b="1" dirty="0">
+              <a:rPr lang="en-GB" sz="4800" b="1" dirty="0">
                 <a:solidFill>
                   <a:srgbClr val="CC3300"/>
                 </a:solidFill>
@@ -4728,7 +4711,7 @@
           </a:p>
           <a:p>
             <a:r>
-              <a:rPr lang="en-US" sz="2040" dirty="0"/>
+              <a:rPr lang="en-US" sz="4800" dirty="0"/>
               <a:t> </a:t>
             </a:r>
           </a:p>
@@ -4736,7 +4719,7 @@
       </p:sp>
       <p:sp>
         <p:nvSpPr>
-          <p:cNvPr id="208" name="Rectangle 49 6 1"/>
+          <p:cNvPr id="286" name="Rectangle 49 7"/>
           <p:cNvSpPr>
             <a:spLocks noChangeArrowheads="1"/>
           </p:cNvSpPr>
@@ -4744,8 +4727,8 @@
         </p:nvSpPr>
         <p:spPr bwMode="auto">
           <a:xfrm>
-            <a:off x="18546523" y="18547909"/>
-            <a:ext cx="18872335" cy="5420162"/>
+            <a:off x="556419" y="24060150"/>
+            <a:ext cx="19162385" cy="8903143"/>
           </a:xfrm>
           <a:prstGeom prst="rect">
             <a:avLst/>
@@ -4761,7 +4744,7 @@
           </a:ln>
         </p:spPr>
         <p:txBody>
-          <a:bodyPr lIns="262503" tIns="262503" rIns="262503" bIns="262503">
+          <a:bodyPr lIns="137813" tIns="137813" rIns="137813" bIns="137813">
             <a:prstTxWarp prst="textNoShape">
               <a:avLst/>
             </a:prstTxWarp>
@@ -4774,24 +4757,29 @@
               </a:spcBef>
             </a:pPr>
             <a:r>
-              <a:rPr lang="en-US" altLang="zh-CN" sz="4200" b="1" dirty="0">
+              <a:rPr lang="en-GB" sz="4800" b="1" dirty="0">
                 <a:solidFill>
                   <a:srgbClr val="CC3300"/>
                 </a:solidFill>
               </a:rPr>
-              <a:t>Challenge 5 : Fuzzy Mapping</a:t>
+              <a:t>Challenge 1 : Unified Result Format</a:t>
+            </a:r>
+          </a:p>
+          <a:p>
+            <a:r>
+              <a:rPr lang="en-US" sz="4800" b="1" dirty="0"/>
+              <a:t> </a:t>
             </a:r>
             <a:r>
-              <a:rPr lang="en-US" sz="2040" b="1" dirty="0"/>
+              <a:rPr lang="en-US" sz="4800" dirty="0"/>
               <a:t> </a:t>
             </a:r>
-            <a:endParaRPr lang="en-US" sz="2040" dirty="0"/>
           </a:p>
         </p:txBody>
       </p:sp>
       <p:sp>
         <p:nvSpPr>
-          <p:cNvPr id="286" name="Rectangle 49 7"/>
+          <p:cNvPr id="417" name="Rectangle 49 8"/>
           <p:cNvSpPr>
             <a:spLocks noChangeArrowheads="1"/>
           </p:cNvSpPr>
@@ -4799,8 +4787,8 @@
         </p:nvSpPr>
         <p:spPr bwMode="auto">
           <a:xfrm>
-            <a:off x="866464" y="24231600"/>
-            <a:ext cx="36499194" cy="12193577"/>
+            <a:off x="552394" y="33280350"/>
+            <a:ext cx="19166409" cy="3905681"/>
           </a:xfrm>
           <a:prstGeom prst="rect">
             <a:avLst/>
@@ -4816,7 +4804,7 @@
           </a:ln>
         </p:spPr>
         <p:txBody>
-          <a:bodyPr lIns="262503" tIns="262503" rIns="262503" bIns="262503">
+          <a:bodyPr lIns="137813" tIns="137813" rIns="137813" bIns="137813">
             <a:prstTxWarp prst="textNoShape">
               <a:avLst/>
             </a:prstTxWarp>
@@ -4829,67 +4817,7 @@
               </a:spcBef>
             </a:pPr>
             <a:r>
-              <a:rPr lang="en-GB" sz="4200" b="1" dirty="0">
-                <a:solidFill>
-                  <a:srgbClr val="CC3300"/>
-                </a:solidFill>
-              </a:rPr>
-              <a:t>Challenge 1 : Unified Result Format</a:t>
-            </a:r>
-          </a:p>
-          <a:p>
-            <a:r>
-              <a:rPr lang="en-US" sz="2040" b="1" dirty="0"/>
-              <a:t> </a:t>
-            </a:r>
-            <a:r>
-              <a:rPr lang="en-US" sz="2040" dirty="0"/>
-              <a:t> </a:t>
-            </a:r>
-          </a:p>
-        </p:txBody>
-      </p:sp>
-      <p:sp>
-        <p:nvSpPr>
-          <p:cNvPr id="417" name="Rectangle 49 8"/>
-          <p:cNvSpPr>
-            <a:spLocks noChangeArrowheads="1"/>
-          </p:cNvSpPr>
-          <p:nvPr/>
-        </p:nvSpPr>
-        <p:spPr bwMode="auto">
-          <a:xfrm>
-            <a:off x="18551941" y="4008374"/>
-            <a:ext cx="18914577" cy="5164333"/>
-          </a:xfrm>
-          <a:prstGeom prst="rect">
-            <a:avLst/>
-          </a:prstGeom>
-          <a:solidFill>
-            <a:schemeClr val="bg1"/>
-          </a:solidFill>
-          <a:ln w="9525">
-            <a:noFill/>
-            <a:miter lim="800000"/>
-            <a:headEnd/>
-            <a:tailEnd/>
-          </a:ln>
-        </p:spPr>
-        <p:txBody>
-          <a:bodyPr lIns="262503" tIns="262503" rIns="262503" bIns="262503">
-            <a:prstTxWarp prst="textNoShape">
-              <a:avLst/>
-            </a:prstTxWarp>
-          </a:bodyPr>
-          <a:lstStyle/>
-          <a:p>
-            <a:pPr>
-              <a:spcBef>
-                <a:spcPct val="50000"/>
-              </a:spcBef>
-            </a:pPr>
-            <a:r>
-              <a:rPr lang="en-US" altLang="zh-CN" sz="4200" b="1" dirty="0">
+              <a:rPr lang="en-US" altLang="zh-CN" sz="4800" b="1" dirty="0">
                 <a:solidFill>
                   <a:srgbClr val="CC3300"/>
                 </a:solidFill>
@@ -4899,7 +4827,7 @@
           </a:p>
           <a:p>
             <a:r>
-              <a:rPr lang="en-US" sz="2040" dirty="0"/>
+              <a:rPr lang="en-US" sz="4800" dirty="0"/>
               <a:t> </a:t>
             </a:r>
           </a:p>
@@ -4927,8 +4855,8 @@
         </p:blipFill>
         <p:spPr>
           <a:xfrm>
-            <a:off x="31927800" y="492482"/>
-            <a:ext cx="2554051" cy="2554051"/>
+            <a:off x="16414547" y="1393329"/>
+            <a:ext cx="1614216" cy="1614216"/>
           </a:xfrm>
           <a:prstGeom prst="rect">
             <a:avLst/>
@@ -4956,8 +4884,8 @@
         </p:blipFill>
         <p:spPr bwMode="auto">
           <a:xfrm>
-            <a:off x="34761016" y="468721"/>
-            <a:ext cx="2604642" cy="2586233"/>
+            <a:off x="18371433" y="1321178"/>
+            <a:ext cx="1646186" cy="1634561"/>
           </a:xfrm>
           <a:prstGeom prst="ellipse">
             <a:avLst/>
@@ -4982,8 +4910,8 @@
         </p:nvGrpSpPr>
         <p:grpSpPr>
           <a:xfrm>
-            <a:off x="3613886" y="13003574"/>
-            <a:ext cx="11092714" cy="10085026"/>
+            <a:off x="3738481" y="11909734"/>
+            <a:ext cx="12743738" cy="11586058"/>
             <a:chOff x="3613886" y="11977989"/>
             <a:chExt cx="11092714" cy="10085026"/>
           </a:xfrm>
@@ -5031,7 +4959,7 @@
             <a:p>
               <a:pPr algn="ctr"/>
               <a:r>
-                <a:rPr lang="en-US" sz="3200" dirty="0">
+                <a:rPr lang="en-US" sz="3600" dirty="0">
                   <a:solidFill>
                     <a:schemeClr val="tx1"/>
                   </a:solidFill>
@@ -5085,7 +5013,7 @@
             <a:p>
               <a:pPr algn="ctr"/>
               <a:r>
-                <a:rPr lang="en-US" sz="3200" dirty="0">
+                <a:rPr lang="en-US" sz="3600" dirty="0">
                   <a:solidFill>
                     <a:schemeClr val="tx1"/>
                   </a:solidFill>
@@ -5139,7 +5067,7 @@
             <a:p>
               <a:pPr algn="ctr"/>
               <a:r>
-                <a:rPr lang="en-US" sz="3200" dirty="0">
+                <a:rPr lang="en-US" sz="3600" dirty="0">
                   <a:solidFill>
                     <a:schemeClr val="tx1"/>
                   </a:solidFill>
@@ -5186,7 +5114,7 @@
             <a:p>
               <a:pPr algn="ctr"/>
               <a:r>
-                <a:rPr lang="en-US" sz="3200" dirty="0">
+                <a:rPr lang="en-US" sz="3600" dirty="0">
                   <a:solidFill>
                     <a:schemeClr val="tx1"/>
                   </a:solidFill>
@@ -5239,7 +5167,7 @@
             <a:lstStyle/>
             <a:p>
               <a:pPr algn="ctr"/>
-              <a:endParaRPr lang="en-US" sz="3200"/>
+              <a:endParaRPr lang="en-US" sz="3600"/>
             </a:p>
           </p:txBody>
         </p:sp>
@@ -5285,7 +5213,7 @@
             <a:lstStyle/>
             <a:p>
               <a:pPr algn="ctr"/>
-              <a:endParaRPr lang="en-US" sz="3200"/>
+              <a:endParaRPr lang="en-US" sz="3600"/>
             </a:p>
           </p:txBody>
         </p:sp>
@@ -5331,7 +5259,7 @@
             <a:lstStyle/>
             <a:p>
               <a:pPr algn="ctr"/>
-              <a:endParaRPr lang="en-US" sz="3200"/>
+              <a:endParaRPr lang="en-US" sz="3600"/>
             </a:p>
           </p:txBody>
         </p:sp>
@@ -5343,8 +5271,8 @@
           </p:nvSpPr>
           <p:spPr>
             <a:xfrm>
-              <a:off x="9979451" y="21049469"/>
-              <a:ext cx="1177121" cy="684653"/>
+              <a:off x="9979445" y="21049477"/>
+              <a:ext cx="881835" cy="514404"/>
             </a:xfrm>
             <a:prstGeom prst="rect">
               <a:avLst/>
@@ -5357,16 +5285,13 @@
             <a:lstStyle/>
             <a:p>
               <a:r>
-                <a:rPr lang="en-US" sz="3200" dirty="0">
-                  <a:solidFill>
-                    <a:schemeClr val="tx1"/>
-                  </a:solidFill>
+                <a:rPr lang="en-US" sz="3600" dirty="0">
                   <a:latin typeface="+mn-lt"/>
                   <a:cs typeface="Times New Roman" panose="02020603050405020304" pitchFamily="18" charset="0"/>
                 </a:rPr>
                 <a:t>……</a:t>
               </a:r>
-              <a:endParaRPr lang="en-US" sz="3200" dirty="0">
+              <a:endParaRPr lang="en-US" sz="3600" dirty="0">
                 <a:latin typeface="+mn-lt"/>
               </a:endParaRPr>
             </a:p>
@@ -5414,7 +5339,7 @@
             <a:lstStyle/>
             <a:p>
               <a:pPr algn="ctr"/>
-              <a:endParaRPr lang="en-US" sz="3200"/>
+              <a:endParaRPr lang="en-US" sz="3600"/>
             </a:p>
           </p:txBody>
         </p:sp>
@@ -5460,7 +5385,7 @@
             <a:lstStyle/>
             <a:p>
               <a:pPr algn="ctr"/>
-              <a:endParaRPr lang="en-US" sz="3200"/>
+              <a:endParaRPr lang="en-US" sz="3600"/>
             </a:p>
           </p:txBody>
         </p:sp>
@@ -5506,7 +5431,7 @@
             <a:lstStyle/>
             <a:p>
               <a:pPr algn="ctr"/>
-              <a:endParaRPr lang="en-US" sz="3200"/>
+              <a:endParaRPr lang="en-US" sz="3600"/>
             </a:p>
           </p:txBody>
         </p:sp>
@@ -5555,7 +5480,7 @@
             <a:lstStyle/>
             <a:p>
               <a:pPr algn="ctr"/>
-              <a:endParaRPr lang="en-US" sz="3200"/>
+              <a:endParaRPr lang="en-US" sz="3600"/>
             </a:p>
           </p:txBody>
         </p:sp>
@@ -5602,7 +5527,7 @@
             <a:p>
               <a:pPr algn="ctr"/>
               <a:r>
-                <a:rPr lang="en-US" sz="3200" dirty="0">
+                <a:rPr lang="en-US" sz="3600" dirty="0">
                   <a:solidFill>
                     <a:schemeClr val="tx1"/>
                   </a:solidFill>
@@ -5656,7 +5581,7 @@
             <a:p>
               <a:pPr algn="ctr"/>
               <a:r>
-                <a:rPr lang="en-US" sz="3200" dirty="0">
+                <a:rPr lang="en-US" sz="3600" dirty="0">
                   <a:solidFill>
                     <a:schemeClr val="tx1"/>
                   </a:solidFill>
@@ -5710,7 +5635,7 @@
             <a:p>
               <a:pPr algn="ctr"/>
               <a:r>
-                <a:rPr lang="en-US" sz="3200" dirty="0">
+                <a:rPr lang="en-US" sz="3600" dirty="0">
                   <a:solidFill>
                     <a:schemeClr val="tx1"/>
                   </a:solidFill>
@@ -5729,8 +5654,8 @@
           </p:nvSpPr>
           <p:spPr>
             <a:xfrm>
-              <a:off x="9979451" y="17345354"/>
-              <a:ext cx="1177121" cy="684653"/>
+              <a:off x="9979445" y="17345346"/>
+              <a:ext cx="881835" cy="514404"/>
             </a:xfrm>
             <a:prstGeom prst="rect">
               <a:avLst/>
@@ -5743,16 +5668,13 @@
             <a:lstStyle/>
             <a:p>
               <a:r>
-                <a:rPr lang="en-US" sz="3200" dirty="0">
-                  <a:solidFill>
-                    <a:schemeClr val="tx1"/>
-                  </a:solidFill>
+                <a:rPr lang="en-US" sz="3600" dirty="0">
                   <a:latin typeface="+mn-lt"/>
                   <a:cs typeface="Times New Roman" panose="02020603050405020304" pitchFamily="18" charset="0"/>
                 </a:rPr>
                 <a:t>……</a:t>
               </a:r>
-              <a:endParaRPr lang="en-US" sz="3200" dirty="0">
+              <a:endParaRPr lang="en-US" sz="3600" dirty="0">
                 <a:latin typeface="+mn-lt"/>
               </a:endParaRPr>
             </a:p>
@@ -5796,12 +5718,12 @@
             </a:fontRef>
           </p:style>
           <p:txBody>
-            <a:bodyPr bIns="182880" rtlCol="0" anchor="ctr"/>
+            <a:bodyPr bIns="96010" rtlCol="0" anchor="ctr"/>
             <a:lstStyle/>
             <a:p>
               <a:pPr algn="ctr"/>
               <a:r>
-                <a:rPr lang="en-US" sz="3200" dirty="0">
+                <a:rPr lang="en-US" sz="3600" dirty="0">
                   <a:solidFill>
                     <a:schemeClr val="tx1"/>
                   </a:solidFill>
@@ -6054,8 +5976,8 @@
           </p:nvSpPr>
           <p:spPr>
             <a:xfrm>
-              <a:off x="3800931" y="15798224"/>
-              <a:ext cx="1277914" cy="584775"/>
+              <a:off x="3800921" y="15798223"/>
+              <a:ext cx="1126788" cy="514404"/>
             </a:xfrm>
             <a:prstGeom prst="rect">
               <a:avLst/>
@@ -6068,16 +5990,13 @@
             <a:lstStyle/>
             <a:p>
               <a:r>
-                <a:rPr lang="en-US" sz="3200" dirty="0">
-                  <a:solidFill>
-                    <a:schemeClr val="tx1"/>
-                  </a:solidFill>
+                <a:rPr lang="en-US" sz="3600" dirty="0">
                   <a:latin typeface="+mn-lt"/>
                   <a:cs typeface="Times New Roman" panose="02020603050405020304" pitchFamily="18" charset="0"/>
                 </a:rPr>
                 <a:t>index </a:t>
               </a:r>
-              <a:endParaRPr lang="en-US" sz="3200" dirty="0">
+              <a:endParaRPr lang="en-US" sz="3600" dirty="0">
                 <a:latin typeface="+mn-lt"/>
               </a:endParaRPr>
             </a:p>
@@ -6092,7 +6011,7 @@
           <p:spPr>
             <a:xfrm>
               <a:off x="4935970" y="11977989"/>
-              <a:ext cx="1548725" cy="684653"/>
+              <a:ext cx="1282437" cy="563395"/>
             </a:xfrm>
             <a:prstGeom prst="rect">
               <a:avLst/>
@@ -6105,16 +6024,13 @@
             <a:lstStyle/>
             <a:p>
               <a:r>
-                <a:rPr lang="en-US" sz="3200" dirty="0">
-                  <a:solidFill>
-                    <a:schemeClr val="tx1"/>
-                  </a:solidFill>
+                <a:rPr lang="en-US" sz="4000" dirty="0">
                   <a:latin typeface="+mn-lt"/>
                   <a:cs typeface="Times New Roman" panose="02020603050405020304" pitchFamily="18" charset="0"/>
                 </a:rPr>
                 <a:t>query </a:t>
               </a:r>
-              <a:endParaRPr lang="en-US" sz="3200" dirty="0">
+              <a:endParaRPr lang="en-US" sz="4000" dirty="0">
                 <a:latin typeface="+mn-lt"/>
               </a:endParaRPr>
             </a:p>
@@ -6156,7 +6072,7 @@
             <a:p>
               <a:pPr algn="ctr"/>
               <a:r>
-                <a:rPr lang="en-US" sz="3200" dirty="0">
+                <a:rPr lang="en-US" sz="3600" dirty="0">
                   <a:solidFill>
                     <a:schemeClr val="tx1"/>
                   </a:solidFill>
@@ -6203,7 +6119,7 @@
             <a:p>
               <a:pPr algn="ctr"/>
               <a:r>
-                <a:rPr lang="en-US" sz="3200" dirty="0">
+                <a:rPr lang="en-US" sz="3600" dirty="0">
                   <a:solidFill>
                     <a:schemeClr val="tx1"/>
                   </a:solidFill>
@@ -6256,7 +6172,7 @@
             <a:lstStyle/>
             <a:p>
               <a:pPr algn="ctr"/>
-              <a:endParaRPr lang="en-US" sz="3200"/>
+              <a:endParaRPr lang="en-US" sz="3600"/>
             </a:p>
           </p:txBody>
         </p:sp>
@@ -6296,7 +6212,7 @@
             <a:p>
               <a:pPr algn="ctr"/>
               <a:r>
-                <a:rPr lang="en-US" altLang="zh-CN" sz="3200" dirty="0">
+                <a:rPr lang="en-US" altLang="zh-CN" sz="3600" dirty="0">
                   <a:solidFill>
                     <a:schemeClr val="tx1"/>
                   </a:solidFill>
@@ -6304,7 +6220,7 @@
                 </a:rPr>
                 <a:t>ERP Integrator</a:t>
               </a:r>
-              <a:endParaRPr lang="en-US" sz="3200" dirty="0">
+              <a:endParaRPr lang="en-US" sz="3600" dirty="0">
                 <a:solidFill>
                   <a:schemeClr val="tx1"/>
                 </a:solidFill>
@@ -6358,7 +6274,7 @@
             <a:lstStyle/>
             <a:p>
               <a:pPr algn="ctr"/>
-              <a:endParaRPr lang="en-US" sz="3200"/>
+              <a:endParaRPr lang="en-US" sz="3600"/>
             </a:p>
           </p:txBody>
         </p:sp>
@@ -6370,8 +6286,8 @@
           </p:nvSpPr>
           <p:spPr>
             <a:xfrm>
-              <a:off x="11877662" y="12042318"/>
-              <a:ext cx="1186543" cy="584775"/>
+              <a:off x="11877659" y="12042316"/>
+              <a:ext cx="1145926" cy="563395"/>
             </a:xfrm>
             <a:prstGeom prst="rect">
               <a:avLst/>
@@ -6384,16 +6300,13 @@
             <a:lstStyle/>
             <a:p>
               <a:r>
-                <a:rPr lang="en-US" altLang="zh-CN" sz="3200" dirty="0">
-                  <a:solidFill>
-                    <a:schemeClr val="tx1"/>
-                  </a:solidFill>
+                <a:rPr lang="en-US" altLang="zh-CN" sz="4000" dirty="0">
                   <a:latin typeface="+mn-lt"/>
                   <a:cs typeface="Times New Roman" panose="02020603050405020304" pitchFamily="18" charset="0"/>
                 </a:rPr>
                 <a:t>result</a:t>
               </a:r>
-              <a:endParaRPr lang="en-US" sz="3200" dirty="0">
+              <a:endParaRPr lang="en-US" sz="4000" dirty="0">
                 <a:latin typeface="+mn-lt"/>
               </a:endParaRPr>
             </a:p>
@@ -6443,7 +6356,7 @@
             <a:lstStyle/>
             <a:p>
               <a:pPr algn="ctr"/>
-              <a:endParaRPr lang="en-US" sz="3200"/>
+              <a:endParaRPr lang="en-US" sz="3600"/>
             </a:p>
           </p:txBody>
         </p:sp>
@@ -6491,7 +6404,7 @@
             <a:lstStyle/>
             <a:p>
               <a:pPr algn="ctr"/>
-              <a:endParaRPr lang="en-US" sz="3200"/>
+              <a:endParaRPr lang="en-US" sz="3600"/>
             </a:p>
           </p:txBody>
         </p:sp>
@@ -6539,7 +6452,7 @@
             <a:lstStyle/>
             <a:p>
               <a:pPr algn="ctr"/>
-              <a:endParaRPr lang="en-US" sz="3200"/>
+              <a:endParaRPr lang="en-US" sz="3600"/>
             </a:p>
           </p:txBody>
         </p:sp>
@@ -6587,23 +6500,23 @@
             <a:lstStyle/>
             <a:p>
               <a:pPr algn="ctr"/>
-              <a:endParaRPr lang="en-US" sz="3200"/>
+              <a:endParaRPr lang="en-US" sz="3600"/>
             </a:p>
           </p:txBody>
         </p:sp>
       </p:grpSp>
       <p:grpSp>
         <p:nvGrpSpPr>
-          <p:cNvPr id="16402" name="Group 16401"/>
+          <p:cNvPr id="3" name="Group 2"/>
           <p:cNvGrpSpPr/>
           <p:nvPr/>
         </p:nvGrpSpPr>
         <p:grpSpPr>
           <a:xfrm>
-            <a:off x="3335523" y="28038510"/>
-            <a:ext cx="34955686" cy="6455170"/>
-            <a:chOff x="3335523" y="28038510"/>
-            <a:chExt cx="34955686" cy="6455170"/>
+            <a:off x="1113152" y="27412950"/>
+            <a:ext cx="17882771" cy="4505626"/>
+            <a:chOff x="1113152" y="28865024"/>
+            <a:chExt cx="14169005" cy="3569929"/>
           </a:xfrm>
         </p:grpSpPr>
         <p:sp>
@@ -6614,8 +6527,8 @@
           </p:nvSpPr>
           <p:spPr>
             <a:xfrm>
-              <a:off x="24352506" y="29881906"/>
-              <a:ext cx="3884705" cy="2122436"/>
+              <a:off x="12736266" y="29884485"/>
+              <a:ext cx="2148375" cy="1173780"/>
             </a:xfrm>
             <a:prstGeom prst="snip1Rect">
               <a:avLst/>
@@ -6646,11 +6559,11 @@
             </a:fontRef>
           </p:style>
           <p:txBody>
-            <a:bodyPr lIns="91440" tIns="0" rIns="0" bIns="0" rtlCol="0" anchor="ctr"/>
+            <a:bodyPr lIns="48004" tIns="0" rIns="0" bIns="0" rtlCol="0" anchor="ctr"/>
             <a:lstStyle/>
             <a:p>
               <a:r>
-                <a:rPr lang="en-US" sz="2800" dirty="0">
+                <a:rPr lang="en-US" sz="2000" dirty="0">
                   <a:solidFill>
                     <a:schemeClr val="tx1"/>
                   </a:solidFill>
@@ -6660,7 +6573,7 @@
                 <a:t>... systems for big data abandoned </a:t>
               </a:r>
               <a:r>
-                <a:rPr lang="en-US" sz="2800" dirty="0">
+                <a:rPr lang="en-US" sz="2000" dirty="0">
                   <a:solidFill>
                     <a:srgbClr val="FF0000"/>
                   </a:solidFill>
@@ -6670,7 +6583,7 @@
                 <a:t>database</a:t>
               </a:r>
               <a:r>
-                <a:rPr lang="en-US" sz="2800" dirty="0">
+                <a:rPr lang="en-US" sz="2000" dirty="0">
                   <a:solidFill>
                     <a:schemeClr val="tx1"/>
                   </a:solidFill>
@@ -6690,8 +6603,8 @@
           </p:nvSpPr>
           <p:spPr>
             <a:xfrm>
-              <a:off x="24352506" y="32332980"/>
-              <a:ext cx="3884705" cy="1706728"/>
+              <a:off x="12736266" y="31240012"/>
+              <a:ext cx="2148375" cy="943879"/>
             </a:xfrm>
             <a:prstGeom prst="snip1Rect">
               <a:avLst/>
@@ -6722,11 +6635,11 @@
             </a:fontRef>
           </p:style>
           <p:txBody>
-            <a:bodyPr lIns="91440" tIns="0" rIns="0" bIns="0" rtlCol="0" anchor="ctr"/>
+            <a:bodyPr lIns="48004" tIns="0" rIns="0" bIns="0" rtlCol="0" anchor="ctr"/>
             <a:lstStyle/>
             <a:p>
               <a:r>
-                <a:rPr lang="en-US" sz="2800" dirty="0">
+                <a:rPr lang="en-US" sz="2000" dirty="0">
                   <a:solidFill>
                     <a:schemeClr val="tx1"/>
                   </a:solidFill>
@@ -6736,7 +6649,7 @@
                 <a:t>... cluster of in-memory </a:t>
               </a:r>
               <a:r>
-                <a:rPr lang="en-US" sz="2800" dirty="0">
+                <a:rPr lang="en-US" sz="2000" dirty="0">
                   <a:solidFill>
                     <a:srgbClr val="FF0000"/>
                   </a:solidFill>
@@ -6746,7 +6659,7 @@
                 <a:t>database</a:t>
               </a:r>
               <a:r>
-                <a:rPr lang="en-US" sz="2800" dirty="0">
+                <a:rPr lang="en-US" sz="2000" dirty="0">
                   <a:solidFill>
                     <a:schemeClr val="tx1"/>
                   </a:solidFill>
@@ -6766,8 +6679,8 @@
           </p:nvSpPr>
           <p:spPr>
             <a:xfrm>
-              <a:off x="6913435" y="28810134"/>
-              <a:ext cx="3628712" cy="535531"/>
+              <a:off x="3091856" y="29291765"/>
+              <a:ext cx="2006797" cy="307263"/>
             </a:xfrm>
             <a:prstGeom prst="rect">
               <a:avLst/>
@@ -6785,20 +6698,20 @@
                 </a:lnSpc>
               </a:pPr>
               <a:r>
-                <a:rPr lang="en-US" sz="3600" dirty="0">
+                <a:rPr lang="en-US" sz="2400" dirty="0">
                   <a:latin typeface="Times New Roman" panose="02020603050405020304" pitchFamily="18" charset="0"/>
                   <a:cs typeface="Times New Roman" panose="02020603050405020304" pitchFamily="18" charset="0"/>
                 </a:rPr>
                 <a:t>Professor</a:t>
               </a:r>
               <a:r>
-                <a:rPr lang="en-US" altLang="zh-CN" sz="3600" dirty="0">
+                <a:rPr lang="en-US" altLang="zh-CN" sz="2400" dirty="0">
                   <a:latin typeface="Times New Roman" panose="02020603050405020304" pitchFamily="18" charset="0"/>
                   <a:cs typeface="Times New Roman" panose="02020603050405020304" pitchFamily="18" charset="0"/>
                 </a:rPr>
                 <a:t>/Author</a:t>
               </a:r>
-              <a:endParaRPr lang="en-US" sz="3600" dirty="0">
+              <a:endParaRPr lang="en-US" sz="2400" dirty="0">
                 <a:latin typeface="Times New Roman" panose="02020603050405020304" pitchFamily="18" charset="0"/>
                 <a:cs typeface="Times New Roman" panose="02020603050405020304" pitchFamily="18" charset="0"/>
               </a:endParaRPr>
@@ -6813,8 +6726,8 @@
           </p:nvSpPr>
           <p:spPr>
             <a:xfrm>
-              <a:off x="3855407" y="30326652"/>
-              <a:ext cx="671981" cy="535531"/>
+              <a:off x="1384401" y="30130440"/>
+              <a:ext cx="404147" cy="307263"/>
             </a:xfrm>
             <a:prstGeom prst="rect">
               <a:avLst/>
@@ -6832,7 +6745,7 @@
                 </a:lnSpc>
               </a:pPr>
               <a:r>
-                <a:rPr lang="en-US" sz="3600" dirty="0">
+                <a:rPr lang="en-US" sz="2400" dirty="0">
                   <a:latin typeface="Times New Roman" panose="02020603050405020304" pitchFamily="18" charset="0"/>
                   <a:cs typeface="Times New Roman" panose="02020603050405020304" pitchFamily="18" charset="0"/>
                 </a:rPr>
@@ -6851,9 +6764,9 @@
             <p:nvPr/>
           </p:nvCxnSpPr>
           <p:spPr>
-            <a:xfrm flipH="1">
-              <a:off x="4191397" y="30862184"/>
-              <a:ext cx="2" cy="1142159"/>
+            <a:xfrm>
+              <a:off x="1586475" y="30437703"/>
+              <a:ext cx="9" cy="620564"/>
             </a:xfrm>
             <a:prstGeom prst="line">
               <a:avLst/>
@@ -6887,8 +6800,8 @@
           </p:nvSpPr>
           <p:spPr>
             <a:xfrm>
-              <a:off x="3586101" y="32004342"/>
-              <a:ext cx="1210589" cy="535531"/>
+              <a:off x="1242794" y="31058267"/>
+              <a:ext cx="687379" cy="307263"/>
             </a:xfrm>
             <a:prstGeom prst="rect">
               <a:avLst/>
@@ -6906,7 +6819,7 @@
                 </a:lnSpc>
               </a:pPr>
               <a:r>
-                <a:rPr lang="en-US" sz="3600" dirty="0">
+                <a:rPr lang="en-US" sz="2400" dirty="0">
                   <a:latin typeface="Times New Roman" panose="02020603050405020304" pitchFamily="18" charset="0"/>
                   <a:cs typeface="Times New Roman" panose="02020603050405020304" pitchFamily="18" charset="0"/>
                 </a:rPr>
@@ -6923,8 +6836,8 @@
           </p:nvSpPr>
           <p:spPr>
             <a:xfrm>
-              <a:off x="5245112" y="30342259"/>
-              <a:ext cx="1287533" cy="535531"/>
+              <a:off x="2161246" y="30139070"/>
+              <a:ext cx="728023" cy="307263"/>
             </a:xfrm>
             <a:prstGeom prst="rect">
               <a:avLst/>
@@ -6942,7 +6855,7 @@
                 </a:lnSpc>
               </a:pPr>
               <a:r>
-                <a:rPr lang="en-US" sz="3600" dirty="0">
+                <a:rPr lang="en-US" sz="2400" dirty="0">
                   <a:latin typeface="Times New Roman" panose="02020603050405020304" pitchFamily="18" charset="0"/>
                   <a:cs typeface="Times New Roman" panose="02020603050405020304" pitchFamily="18" charset="0"/>
                 </a:rPr>
@@ -6962,8 +6875,8 @@
           </p:nvCxnSpPr>
           <p:spPr>
             <a:xfrm>
-              <a:off x="5888878" y="30877791"/>
-              <a:ext cx="25712" cy="2365618"/>
+              <a:off x="2525258" y="30446333"/>
+              <a:ext cx="14210" cy="1297181"/>
             </a:xfrm>
             <a:prstGeom prst="line">
               <a:avLst/>
@@ -6997,8 +6910,8 @@
           </p:nvSpPr>
           <p:spPr>
             <a:xfrm>
-              <a:off x="4020481" y="33243409"/>
-              <a:ext cx="3788217" cy="535531"/>
+              <a:off x="1515638" y="31743514"/>
+              <a:ext cx="2047659" cy="307263"/>
             </a:xfrm>
             <a:prstGeom prst="rect">
               <a:avLst/>
@@ -7016,7 +6929,7 @@
                 </a:lnSpc>
               </a:pPr>
               <a:r>
-                <a:rPr lang="en-US" sz="3600" dirty="0">
+                <a:rPr lang="en-US" sz="2400" dirty="0">
                   <a:solidFill>
                     <a:srgbClr val="FF0000"/>
                   </a:solidFill>
@@ -7026,14 +6939,14 @@
                 <a:t>Michael</a:t>
               </a:r>
               <a:r>
-                <a:rPr lang="en-US" sz="3600" dirty="0">
+                <a:rPr lang="en-US" sz="2400" dirty="0">
                   <a:latin typeface="Times New Roman" panose="02020603050405020304" pitchFamily="18" charset="0"/>
                   <a:cs typeface="Times New Roman" panose="02020603050405020304" pitchFamily="18" charset="0"/>
                 </a:rPr>
                 <a:t> J. </a:t>
               </a:r>
               <a:r>
-                <a:rPr lang="en-US" sz="3600" dirty="0">
+                <a:rPr lang="en-US" sz="2400" dirty="0">
                   <a:solidFill>
                     <a:srgbClr val="FF0000"/>
                   </a:solidFill>
@@ -7053,8 +6966,8 @@
           </p:nvSpPr>
           <p:spPr>
             <a:xfrm>
-              <a:off x="6756546" y="29946394"/>
-              <a:ext cx="1338827" cy="535531"/>
+              <a:off x="2997323" y="29920151"/>
+              <a:ext cx="755965" cy="307263"/>
             </a:xfrm>
             <a:prstGeom prst="rect">
               <a:avLst/>
@@ -7072,7 +6985,7 @@
                 </a:lnSpc>
               </a:pPr>
               <a:r>
-                <a:rPr lang="en-US" sz="3600" dirty="0">
+                <a:rPr lang="en-US" sz="2400" dirty="0">
                   <a:latin typeface="Times New Roman" panose="02020603050405020304" pitchFamily="18" charset="0"/>
                   <a:cs typeface="Times New Roman" panose="02020603050405020304" pitchFamily="18" charset="0"/>
                 </a:rPr>
@@ -7092,8 +7005,8 @@
           </p:nvCxnSpPr>
           <p:spPr>
             <a:xfrm flipH="1">
-              <a:off x="7424170" y="30481925"/>
-              <a:ext cx="1789" cy="619611"/>
+              <a:off x="3374310" y="30227414"/>
+              <a:ext cx="995" cy="331578"/>
             </a:xfrm>
             <a:prstGeom prst="line">
               <a:avLst/>
@@ -7127,8 +7040,8 @@
           </p:nvSpPr>
           <p:spPr>
             <a:xfrm>
-              <a:off x="5831426" y="31101536"/>
-              <a:ext cx="3185487" cy="535531"/>
+              <a:off x="2508608" y="30558991"/>
+              <a:ext cx="1731404" cy="307263"/>
             </a:xfrm>
             <a:prstGeom prst="rect">
               <a:avLst/>
@@ -7146,7 +7059,7 @@
                 </a:lnSpc>
               </a:pPr>
               <a:r>
-                <a:rPr lang="en-US" sz="3600" dirty="0">
+                <a:rPr lang="en-US" sz="2400" dirty="0">
                   <a:latin typeface="Times New Roman" panose="02020603050405020304" pitchFamily="18" charset="0"/>
                   <a:cs typeface="Times New Roman" panose="02020603050405020304" pitchFamily="18" charset="0"/>
                 </a:rPr>
@@ -7163,8 +7076,8 @@
           </p:nvSpPr>
           <p:spPr>
             <a:xfrm>
-              <a:off x="10662775" y="30868736"/>
-              <a:ext cx="1492715" cy="535531"/>
+              <a:off x="5159518" y="30430237"/>
+              <a:ext cx="837252" cy="307263"/>
             </a:xfrm>
             <a:prstGeom prst="rect">
               <a:avLst/>
@@ -7182,7 +7095,7 @@
                 </a:lnSpc>
               </a:pPr>
               <a:r>
-                <a:rPr lang="en-US" sz="3600" dirty="0">
+                <a:rPr lang="en-US" sz="2400" dirty="0">
                   <a:latin typeface="Times New Roman" panose="02020603050405020304" pitchFamily="18" charset="0"/>
                   <a:cs typeface="Times New Roman" panose="02020603050405020304" pitchFamily="18" charset="0"/>
                 </a:rPr>
@@ -7199,8 +7112,8 @@
           </p:nvSpPr>
           <p:spPr>
             <a:xfrm>
-              <a:off x="10990038" y="32009955"/>
-              <a:ext cx="1159293" cy="535531"/>
+              <a:off x="5336574" y="31061364"/>
+              <a:ext cx="660708" cy="307263"/>
             </a:xfrm>
             <a:prstGeom prst="rect">
               <a:avLst/>
@@ -7218,7 +7131,7 @@
                 </a:lnSpc>
               </a:pPr>
               <a:r>
-                <a:rPr lang="en-US" sz="3600" dirty="0">
+                <a:rPr lang="en-US" sz="2400" dirty="0">
                   <a:latin typeface="Times New Roman" panose="02020603050405020304" pitchFamily="18" charset="0"/>
                   <a:cs typeface="Times New Roman" panose="02020603050405020304" pitchFamily="18" charset="0"/>
                 </a:rPr>
@@ -7237,8 +7150,8 @@
           </p:nvCxnSpPr>
           <p:spPr>
             <a:xfrm>
-              <a:off x="11569684" y="32829024"/>
-              <a:ext cx="5" cy="288919"/>
+              <a:off x="5666922" y="31514337"/>
+              <a:ext cx="18" cy="159789"/>
             </a:xfrm>
             <a:prstGeom prst="line">
               <a:avLst/>
@@ -7272,8 +7185,8 @@
           </p:nvSpPr>
           <p:spPr>
             <a:xfrm>
-              <a:off x="10742378" y="33117943"/>
-              <a:ext cx="1654619" cy="486287"/>
+              <a:off x="5229263" y="31674126"/>
+              <a:ext cx="875355" cy="268245"/>
             </a:xfrm>
             <a:prstGeom prst="rect">
               <a:avLst/>
@@ -7291,7 +7204,7 @@
                 </a:lnSpc>
               </a:pPr>
               <a:r>
-                <a:rPr lang="en-US" sz="3200" dirty="0">
+                <a:rPr lang="en-US" sz="2000" dirty="0">
                   <a:latin typeface="Times New Roman" panose="02020603050405020304" pitchFamily="18" charset="0"/>
                   <a:cs typeface="Times New Roman" panose="02020603050405020304" pitchFamily="18" charset="0"/>
                 </a:rPr>
@@ -7308,8 +7221,8 @@
           </p:nvSpPr>
           <p:spPr>
             <a:xfrm>
-              <a:off x="12714569" y="32047313"/>
-              <a:ext cx="1040478" cy="535531"/>
+              <a:off x="6289693" y="31082026"/>
+              <a:ext cx="596237" cy="307263"/>
             </a:xfrm>
             <a:prstGeom prst="rect">
               <a:avLst/>
@@ -7327,7 +7240,7 @@
                 </a:lnSpc>
               </a:pPr>
               <a:r>
-                <a:rPr lang="en-US" sz="3600" dirty="0">
+                <a:rPr lang="en-US" sz="2400" dirty="0">
                   <a:latin typeface="Times New Roman" panose="02020603050405020304" pitchFamily="18" charset="0"/>
                   <a:cs typeface="Times New Roman" panose="02020603050405020304" pitchFamily="18" charset="0"/>
                 </a:rPr>
@@ -7347,8 +7260,8 @@
           </p:nvCxnSpPr>
           <p:spPr>
             <a:xfrm>
-              <a:off x="13234807" y="32582844"/>
-              <a:ext cx="459973" cy="449020"/>
+              <a:off x="6587812" y="31389289"/>
+              <a:ext cx="254368" cy="237231"/>
             </a:xfrm>
             <a:prstGeom prst="line">
               <a:avLst/>
@@ -7382,8 +7295,8 @@
           </p:nvSpPr>
           <p:spPr>
             <a:xfrm>
-              <a:off x="12306760" y="33031864"/>
-              <a:ext cx="2776040" cy="781753"/>
+              <a:off x="6074559" y="31626520"/>
+              <a:ext cx="1535242" cy="463333"/>
             </a:xfrm>
             <a:prstGeom prst="rect">
               <a:avLst/>
@@ -7401,14 +7314,14 @@
                 </a:lnSpc>
               </a:pPr>
               <a:r>
-                <a:rPr lang="en-US" sz="2800" dirty="0">
+                <a:rPr lang="en-US" sz="2000" dirty="0">
                   <a:latin typeface="Times New Roman" panose="02020603050405020304" pitchFamily="18" charset="0"/>
                   <a:cs typeface="Times New Roman" panose="02020603050405020304" pitchFamily="18" charset="0"/>
                 </a:rPr>
                 <a:t>Introduction to </a:t>
               </a:r>
               <a:r>
-                <a:rPr lang="en-US" sz="2800" dirty="0">
+                <a:rPr lang="en-US" sz="2000" dirty="0">
                   <a:solidFill>
                     <a:srgbClr val="FF0000"/>
                   </a:solidFill>
@@ -7418,7 +7331,7 @@
                 <a:t>Database</a:t>
               </a:r>
               <a:r>
-                <a:rPr lang="en-US" sz="2800" dirty="0">
+                <a:rPr lang="en-US" sz="2000" dirty="0">
                   <a:latin typeface="Times New Roman" panose="02020603050405020304" pitchFamily="18" charset="0"/>
                   <a:cs typeface="Times New Roman" panose="02020603050405020304" pitchFamily="18" charset="0"/>
                 </a:rPr>
@@ -7438,8 +7351,8 @@
           </p:nvCxnSpPr>
           <p:spPr>
             <a:xfrm flipH="1">
-              <a:off x="4191397" y="29345666"/>
-              <a:ext cx="4536393" cy="980987"/>
+              <a:off x="1586475" y="29599028"/>
+              <a:ext cx="2508780" cy="531412"/>
             </a:xfrm>
             <a:prstGeom prst="line">
               <a:avLst/>
@@ -7476,8 +7389,8 @@
           </p:nvCxnSpPr>
           <p:spPr>
             <a:xfrm flipH="1">
-              <a:off x="5888878" y="29345666"/>
-              <a:ext cx="2838912" cy="996594"/>
+              <a:off x="2525258" y="29599028"/>
+              <a:ext cx="1569996" cy="540042"/>
             </a:xfrm>
             <a:prstGeom prst="line">
               <a:avLst/>
@@ -7514,8 +7427,8 @@
           </p:nvCxnSpPr>
           <p:spPr>
             <a:xfrm flipH="1">
-              <a:off x="7425961" y="29345666"/>
-              <a:ext cx="1301831" cy="600728"/>
+              <a:off x="3375305" y="29599028"/>
+              <a:ext cx="719949" cy="321123"/>
             </a:xfrm>
             <a:prstGeom prst="line">
               <a:avLst/>
@@ -7552,8 +7465,8 @@
           </p:nvCxnSpPr>
           <p:spPr>
             <a:xfrm>
-              <a:off x="8727790" y="29345666"/>
-              <a:ext cx="2681341" cy="1523071"/>
+              <a:off x="4095254" y="29599028"/>
+              <a:ext cx="1482889" cy="831210"/>
             </a:xfrm>
             <a:prstGeom prst="line">
               <a:avLst/>
@@ -7590,8 +7503,8 @@
           </p:nvCxnSpPr>
           <p:spPr>
             <a:xfrm>
-              <a:off x="11409133" y="31404268"/>
-              <a:ext cx="160553" cy="605687"/>
+              <a:off x="5578144" y="30737500"/>
+              <a:ext cx="88785" cy="323864"/>
             </a:xfrm>
             <a:prstGeom prst="line">
               <a:avLst/>
@@ -7628,8 +7541,8 @@
           </p:nvCxnSpPr>
           <p:spPr>
             <a:xfrm flipH="1" flipV="1">
-              <a:off x="11409133" y="31404268"/>
-              <a:ext cx="1825676" cy="643045"/>
+              <a:off x="5578144" y="30737500"/>
+              <a:ext cx="1009668" cy="344526"/>
             </a:xfrm>
             <a:prstGeom prst="line">
               <a:avLst/>
@@ -7663,8 +7576,8 @@
           </p:nvSpPr>
           <p:spPr>
             <a:xfrm>
-              <a:off x="6667865" y="32070572"/>
-              <a:ext cx="4753134" cy="1077218"/>
+              <a:off x="2956046" y="31094888"/>
+              <a:ext cx="2628648" cy="560877"/>
             </a:xfrm>
             <a:prstGeom prst="rect">
               <a:avLst/>
@@ -7678,7 +7591,7 @@
             <a:p>
               <a:pPr algn="ctr"/>
               <a:r>
-                <a:rPr lang="en-US" sz="3200" dirty="0">
+                <a:rPr lang="en-US" sz="2000" dirty="0">
                   <a:latin typeface="Times New Roman" panose="02020603050405020304" pitchFamily="18" charset="0"/>
                   <a:cs typeface="Times New Roman" panose="02020603050405020304" pitchFamily="18" charset="0"/>
                 </a:rPr>
@@ -7688,7 +7601,7 @@
             <a:p>
               <a:pPr algn="ctr"/>
               <a:r>
-                <a:rPr lang="en-US" sz="3200" dirty="0">
+                <a:rPr lang="en-US" sz="2000" dirty="0">
                   <a:latin typeface="Times New Roman" panose="02020603050405020304" pitchFamily="18" charset="0"/>
                   <a:cs typeface="Times New Roman" panose="02020603050405020304" pitchFamily="18" charset="0"/>
                 </a:rPr>
@@ -7705,8 +7618,8 @@
           </p:nvSpPr>
           <p:spPr>
             <a:xfrm>
-              <a:off x="8189210" y="30162757"/>
-              <a:ext cx="1697902" cy="535531"/>
+              <a:off x="3793657" y="30039798"/>
+              <a:ext cx="946481" cy="307263"/>
             </a:xfrm>
             <a:prstGeom prst="rect">
               <a:avLst/>
@@ -7724,7 +7637,7 @@
                 </a:lnSpc>
               </a:pPr>
               <a:r>
-                <a:rPr lang="en-US" sz="3600" dirty="0">
+                <a:rPr lang="en-US" sz="2400" dirty="0">
                   <a:latin typeface="Times New Roman" panose="02020603050405020304" pitchFamily="18" charset="0"/>
                   <a:cs typeface="Times New Roman" panose="02020603050405020304" pitchFamily="18" charset="0"/>
                 </a:rPr>
@@ -7744,8 +7657,8 @@
           </p:nvCxnSpPr>
           <p:spPr>
             <a:xfrm>
-              <a:off x="9038161" y="30698289"/>
-              <a:ext cx="6270" cy="1372284"/>
+              <a:off x="4266898" y="30347060"/>
+              <a:ext cx="3473" cy="747827"/>
             </a:xfrm>
             <a:prstGeom prst="line">
               <a:avLst/>
@@ -7782,8 +7695,8 @@
           </p:nvCxnSpPr>
           <p:spPr>
             <a:xfrm>
-              <a:off x="8727790" y="29345666"/>
-              <a:ext cx="310371" cy="817092"/>
+              <a:off x="4095254" y="29599028"/>
+              <a:ext cx="171643" cy="440770"/>
             </a:xfrm>
             <a:prstGeom prst="line">
               <a:avLst/>
@@ -7817,8 +7730,8 @@
           </p:nvSpPr>
           <p:spPr>
             <a:xfrm>
-              <a:off x="6854938" y="28810134"/>
-              <a:ext cx="3687207" cy="570649"/>
+              <a:off x="3059509" y="29291758"/>
+              <a:ext cx="2039152" cy="315588"/>
             </a:xfrm>
             <a:prstGeom prst="rect">
               <a:avLst/>
@@ -7852,7 +7765,7 @@
             <a:lstStyle/>
             <a:p>
               <a:pPr algn="ctr"/>
-              <a:endParaRPr lang="en-US" sz="3600">
+              <a:endParaRPr lang="en-US" sz="2400">
                 <a:latin typeface="Times New Roman" panose="02020603050405020304" pitchFamily="18" charset="0"/>
                 <a:cs typeface="Times New Roman" panose="02020603050405020304" pitchFamily="18" charset="0"/>
               </a:endParaRPr>
@@ -7867,8 +7780,8 @@
           </p:nvSpPr>
           <p:spPr>
             <a:xfrm>
-              <a:off x="10542150" y="30885182"/>
-              <a:ext cx="1688334" cy="577231"/>
+              <a:off x="5098664" y="30439331"/>
+              <a:ext cx="933707" cy="319228"/>
             </a:xfrm>
             <a:prstGeom prst="rect">
               <a:avLst/>
@@ -7902,7 +7815,7 @@
             <a:lstStyle/>
             <a:p>
               <a:pPr algn="ctr"/>
-              <a:endParaRPr lang="en-US" sz="3600">
+              <a:endParaRPr lang="en-US" sz="2400">
                 <a:latin typeface="Times New Roman" panose="02020603050405020304" pitchFamily="18" charset="0"/>
                 <a:cs typeface="Times New Roman" panose="02020603050405020304" pitchFamily="18" charset="0"/>
               </a:endParaRPr>
@@ -7917,8 +7830,8 @@
           </p:nvSpPr>
           <p:spPr>
             <a:xfrm>
-              <a:off x="14344607" y="30262347"/>
-              <a:ext cx="1287533" cy="535531"/>
+              <a:off x="7194199" y="30094883"/>
+              <a:ext cx="726753" cy="307263"/>
             </a:xfrm>
             <a:prstGeom prst="rect">
               <a:avLst/>
@@ -7936,13 +7849,13 @@
                 </a:lnSpc>
               </a:pPr>
               <a:r>
-                <a:rPr lang="en-US" altLang="zh-CN" sz="3600" dirty="0">
+                <a:rPr lang="en-US" altLang="zh-CN" sz="2400" dirty="0">
                   <a:latin typeface="Times New Roman" panose="02020603050405020304" pitchFamily="18" charset="0"/>
                   <a:cs typeface="Times New Roman" panose="02020603050405020304" pitchFamily="18" charset="0"/>
                 </a:rPr>
                 <a:t>Email</a:t>
               </a:r>
-              <a:endParaRPr lang="en-US" sz="3600" dirty="0">
+              <a:endParaRPr lang="en-US" sz="2400" dirty="0">
                 <a:latin typeface="Times New Roman" panose="02020603050405020304" pitchFamily="18" charset="0"/>
                 <a:cs typeface="Times New Roman" panose="02020603050405020304" pitchFamily="18" charset="0"/>
               </a:endParaRPr>
@@ -7960,8 +7873,8 @@
           </p:nvCxnSpPr>
           <p:spPr>
             <a:xfrm>
-              <a:off x="14988374" y="30797878"/>
-              <a:ext cx="14992" cy="397120"/>
+              <a:off x="7557576" y="30402145"/>
+              <a:ext cx="8319" cy="208529"/>
             </a:xfrm>
             <a:prstGeom prst="line">
               <a:avLst/>
@@ -7995,8 +7908,8 @@
           </p:nvSpPr>
           <p:spPr>
             <a:xfrm>
-              <a:off x="13074440" y="31194997"/>
-              <a:ext cx="3857850" cy="437044"/>
+              <a:off x="6454046" y="30610675"/>
+              <a:ext cx="2223696" cy="268245"/>
             </a:xfrm>
             <a:prstGeom prst="rect">
               <a:avLst/>
@@ -8014,7 +7927,7 @@
                 </a:lnSpc>
               </a:pPr>
               <a:r>
-                <a:rPr lang="en-US" sz="2800" dirty="0">
+                <a:rPr lang="en-US" sz="2000" dirty="0">
                   <a:latin typeface="Times New Roman" panose="02020603050405020304" pitchFamily="18" charset="0"/>
                   <a:cs typeface="Times New Roman" panose="02020603050405020304" pitchFamily="18" charset="0"/>
                 </a:rPr>
@@ -8034,8 +7947,8 @@
           </p:nvCxnSpPr>
           <p:spPr>
             <a:xfrm>
-              <a:off x="8727790" y="29345666"/>
-              <a:ext cx="6260584" cy="916681"/>
+              <a:off x="4095254" y="29599028"/>
+              <a:ext cx="3462321" cy="495855"/>
             </a:xfrm>
             <a:prstGeom prst="line">
               <a:avLst/>
@@ -8069,8 +7982,8 @@
           </p:nvSpPr>
           <p:spPr>
             <a:xfrm>
-              <a:off x="17482151" y="30130735"/>
-              <a:ext cx="1688334" cy="577231"/>
+              <a:off x="8936724" y="30022096"/>
+              <a:ext cx="933707" cy="319228"/>
             </a:xfrm>
             <a:prstGeom prst="rect">
               <a:avLst/>
@@ -8105,7 +8018,7 @@
             <a:p>
               <a:pPr algn="ctr"/>
               <a:r>
-                <a:rPr lang="en-US" sz="3600" dirty="0">
+                <a:rPr lang="en-US" sz="2400" dirty="0">
                   <a:solidFill>
                     <a:schemeClr val="tx1"/>
                   </a:solidFill>
@@ -8125,8 +8038,8 @@
           </p:nvSpPr>
           <p:spPr>
             <a:xfrm>
-              <a:off x="17314131" y="31191593"/>
-              <a:ext cx="671981" cy="535531"/>
+              <a:off x="8827542" y="30608779"/>
+              <a:ext cx="404147" cy="307263"/>
             </a:xfrm>
             <a:prstGeom prst="rect">
               <a:avLst/>
@@ -8144,7 +8057,7 @@
                 </a:lnSpc>
               </a:pPr>
               <a:r>
-                <a:rPr lang="en-US" sz="3600" dirty="0">
+                <a:rPr lang="en-US" sz="2400" dirty="0">
                   <a:latin typeface="Times New Roman" panose="02020603050405020304" pitchFamily="18" charset="0"/>
                   <a:cs typeface="Times New Roman" panose="02020603050405020304" pitchFamily="18" charset="0"/>
                 </a:rPr>
@@ -8163,9 +8076,9 @@
             <p:nvPr/>
           </p:nvCxnSpPr>
           <p:spPr>
-            <a:xfrm>
-              <a:off x="17650121" y="31727124"/>
-              <a:ext cx="2" cy="599056"/>
+            <a:xfrm flipH="1">
+              <a:off x="9029615" y="30916042"/>
+              <a:ext cx="1" cy="320208"/>
             </a:xfrm>
             <a:prstGeom prst="line">
               <a:avLst/>
@@ -8199,8 +8112,8 @@
           </p:nvSpPr>
           <p:spPr>
             <a:xfrm>
-              <a:off x="17326958" y="32326180"/>
-              <a:ext cx="646330" cy="535531"/>
+              <a:off x="8834527" y="31236249"/>
+              <a:ext cx="390176" cy="307263"/>
             </a:xfrm>
             <a:prstGeom prst="rect">
               <a:avLst/>
@@ -8218,7 +8131,7 @@
                 </a:lnSpc>
               </a:pPr>
               <a:r>
-                <a:rPr lang="en-US" sz="3600" dirty="0">
+                <a:rPr lang="en-US" sz="2400" dirty="0">
                   <a:latin typeface="Times New Roman" panose="02020603050405020304" pitchFamily="18" charset="0"/>
                   <a:cs typeface="Times New Roman" panose="02020603050405020304" pitchFamily="18" charset="0"/>
                 </a:rPr>
@@ -8235,8 +8148,8 @@
           </p:nvSpPr>
           <p:spPr>
             <a:xfrm>
-              <a:off x="17985781" y="31207200"/>
-              <a:ext cx="902813" cy="535531"/>
+              <a:off x="9203130" y="30617409"/>
+              <a:ext cx="523536" cy="307263"/>
             </a:xfrm>
             <a:prstGeom prst="rect">
               <a:avLst/>
@@ -8254,7 +8167,7 @@
                 </a:lnSpc>
               </a:pPr>
               <a:r>
-                <a:rPr lang="en-US" sz="3600" dirty="0">
+                <a:rPr lang="en-US" sz="2400" dirty="0">
                   <a:latin typeface="Times New Roman" panose="02020603050405020304" pitchFamily="18" charset="0"/>
                   <a:cs typeface="Times New Roman" panose="02020603050405020304" pitchFamily="18" charset="0"/>
                 </a:rPr>
@@ -8274,8 +8187,8 @@
           </p:nvCxnSpPr>
           <p:spPr>
             <a:xfrm>
-              <a:off x="18437188" y="31742731"/>
-              <a:ext cx="25712" cy="1230647"/>
+              <a:off x="9464898" y="30924672"/>
+              <a:ext cx="14220" cy="669508"/>
             </a:xfrm>
             <a:prstGeom prst="line">
               <a:avLst/>
@@ -8309,8 +8222,8 @@
           </p:nvSpPr>
           <p:spPr>
             <a:xfrm>
-              <a:off x="16699134" y="32973379"/>
-              <a:ext cx="3527529" cy="954106"/>
+              <a:off x="8503695" y="31594179"/>
+              <a:ext cx="1950846" cy="560877"/>
             </a:xfrm>
             <a:prstGeom prst="rect">
               <a:avLst/>
@@ -8326,14 +8239,14 @@
                 <a:defRPr/>
               </a:pPr>
               <a:r>
-                <a:rPr lang="en-US" sz="2800" dirty="0">
+                <a:rPr lang="en-US" sz="2000" dirty="0">
                   <a:latin typeface="Times New Roman" panose="02020603050405020304" pitchFamily="18" charset="0"/>
                   <a:cs typeface="Times New Roman" panose="02020603050405020304" pitchFamily="18" charset="0"/>
                 </a:rPr>
                 <a:t>The Beckman report on </a:t>
               </a:r>
               <a:r>
-                <a:rPr lang="en-US" sz="2800" dirty="0">
+                <a:rPr lang="en-US" sz="2000" dirty="0">
                   <a:solidFill>
                     <a:srgbClr val="FF0000"/>
                   </a:solidFill>
@@ -8343,7 +8256,7 @@
                 <a:t>database</a:t>
               </a:r>
               <a:r>
-                <a:rPr lang="en-US" sz="2800" dirty="0">
+                <a:rPr lang="en-US" sz="2000" dirty="0">
                   <a:latin typeface="Times New Roman" panose="02020603050405020304" pitchFamily="18" charset="0"/>
                   <a:cs typeface="Times New Roman" panose="02020603050405020304" pitchFamily="18" charset="0"/>
                 </a:rPr>
@@ -8363,8 +8276,8 @@
           </p:nvCxnSpPr>
           <p:spPr>
             <a:xfrm flipH="1">
-              <a:off x="17650121" y="30707966"/>
-              <a:ext cx="676195" cy="483627"/>
+              <a:off x="9029616" y="30341324"/>
+              <a:ext cx="373962" cy="267455"/>
             </a:xfrm>
             <a:prstGeom prst="line">
               <a:avLst/>
@@ -8401,8 +8314,8 @@
           </p:nvCxnSpPr>
           <p:spPr>
             <a:xfrm>
-              <a:off x="18326319" y="30707966"/>
-              <a:ext cx="110870" cy="499234"/>
+              <a:off x="9403578" y="30341324"/>
+              <a:ext cx="61321" cy="276085"/>
             </a:xfrm>
             <a:prstGeom prst="line">
               <a:avLst/>
@@ -8436,8 +8349,8 @@
           </p:nvSpPr>
           <p:spPr>
             <a:xfrm>
-              <a:off x="21122193" y="30673216"/>
-              <a:ext cx="671981" cy="535531"/>
+              <a:off x="10933527" y="30322115"/>
+              <a:ext cx="404147" cy="307263"/>
             </a:xfrm>
             <a:prstGeom prst="rect">
               <a:avLst/>
@@ -8455,7 +8368,7 @@
                 </a:lnSpc>
               </a:pPr>
               <a:r>
-                <a:rPr lang="en-US" sz="3600" dirty="0">
+                <a:rPr lang="en-US" sz="2400" dirty="0">
                   <a:latin typeface="Times New Roman" panose="02020603050405020304" pitchFamily="18" charset="0"/>
                   <a:cs typeface="Times New Roman" panose="02020603050405020304" pitchFamily="18" charset="0"/>
                 </a:rPr>
@@ -8475,8 +8388,8 @@
           </p:nvCxnSpPr>
           <p:spPr>
             <a:xfrm>
-              <a:off x="21458183" y="31208747"/>
-              <a:ext cx="2" cy="599056"/>
+              <a:off x="11135601" y="30629378"/>
+              <a:ext cx="1" cy="320190"/>
             </a:xfrm>
             <a:prstGeom prst="line">
               <a:avLst/>
@@ -8510,8 +8423,8 @@
           </p:nvSpPr>
           <p:spPr>
             <a:xfrm>
-              <a:off x="21135021" y="31807804"/>
-              <a:ext cx="646330" cy="535531"/>
+              <a:off x="10940513" y="30949568"/>
+              <a:ext cx="390176" cy="307263"/>
             </a:xfrm>
             <a:prstGeom prst="rect">
               <a:avLst/>
@@ -8529,7 +8442,7 @@
                 </a:lnSpc>
               </a:pPr>
               <a:r>
-                <a:rPr lang="en-US" sz="3600" dirty="0">
+                <a:rPr lang="en-US" sz="2400" dirty="0">
                   <a:latin typeface="Times New Roman" panose="02020603050405020304" pitchFamily="18" charset="0"/>
                   <a:cs typeface="Times New Roman" panose="02020603050405020304" pitchFamily="18" charset="0"/>
                 </a:rPr>
@@ -8546,8 +8459,8 @@
           </p:nvSpPr>
           <p:spPr>
             <a:xfrm>
-              <a:off x="21793848" y="30688823"/>
-              <a:ext cx="902813" cy="535531"/>
+              <a:off x="11309116" y="30330745"/>
+              <a:ext cx="523536" cy="307263"/>
             </a:xfrm>
             <a:prstGeom prst="rect">
               <a:avLst/>
@@ -8565,7 +8478,7 @@
                 </a:lnSpc>
               </a:pPr>
               <a:r>
-                <a:rPr lang="en-US" sz="3600" dirty="0">
+                <a:rPr lang="en-US" sz="2400" dirty="0">
                   <a:latin typeface="Times New Roman" panose="02020603050405020304" pitchFamily="18" charset="0"/>
                   <a:cs typeface="Times New Roman" panose="02020603050405020304" pitchFamily="18" charset="0"/>
                 </a:rPr>
@@ -8585,8 +8498,8 @@
           </p:nvCxnSpPr>
           <p:spPr>
             <a:xfrm>
-              <a:off x="22245256" y="31224354"/>
-              <a:ext cx="25710" cy="1230647"/>
+              <a:off x="11570884" y="30638008"/>
+              <a:ext cx="14220" cy="669491"/>
             </a:xfrm>
             <a:prstGeom prst="line">
               <a:avLst/>
@@ -8620,8 +8533,8 @@
           </p:nvSpPr>
           <p:spPr>
             <a:xfrm>
-              <a:off x="20507199" y="32455002"/>
-              <a:ext cx="3527529" cy="1815882"/>
+              <a:off x="10609681" y="31307499"/>
+              <a:ext cx="1950846" cy="1048596"/>
             </a:xfrm>
             <a:prstGeom prst="rect">
               <a:avLst/>
@@ -8634,14 +8547,14 @@
             <a:lstStyle/>
             <a:p>
               <a:r>
-                <a:rPr lang="en-US" sz="2800" dirty="0">
+                <a:rPr lang="en-US" sz="2000" dirty="0">
                   <a:latin typeface="Times New Roman" panose="02020603050405020304" pitchFamily="18" charset="0"/>
                   <a:cs typeface="Times New Roman" panose="02020603050405020304" pitchFamily="18" charset="0"/>
                 </a:rPr>
                 <a:t>RTP: robust tenant placement for elastic in-memory </a:t>
               </a:r>
               <a:r>
-                <a:rPr lang="en-US" sz="2800" dirty="0">
+                <a:rPr lang="en-US" sz="2000" dirty="0">
                   <a:solidFill>
                     <a:srgbClr val="FF0000"/>
                   </a:solidFill>
@@ -8651,7 +8564,7 @@
                 <a:t>database</a:t>
               </a:r>
               <a:r>
-                <a:rPr lang="en-US" sz="2800" dirty="0">
+                <a:rPr lang="en-US" sz="2000" dirty="0">
                   <a:latin typeface="Times New Roman" panose="02020603050405020304" pitchFamily="18" charset="0"/>
                   <a:cs typeface="Times New Roman" panose="02020603050405020304" pitchFamily="18" charset="0"/>
                 </a:rPr>
@@ -8671,8 +8584,8 @@
           </p:nvCxnSpPr>
           <p:spPr>
             <a:xfrm flipH="1">
-              <a:off x="21458183" y="30312685"/>
-              <a:ext cx="606621" cy="360531"/>
+              <a:off x="11135601" y="30122719"/>
+              <a:ext cx="335489" cy="199395"/>
             </a:xfrm>
             <a:prstGeom prst="line">
               <a:avLst/>
@@ -8709,8 +8622,8 @@
           </p:nvCxnSpPr>
           <p:spPr>
             <a:xfrm>
-              <a:off x="22064805" y="30312685"/>
-              <a:ext cx="180449" cy="376138"/>
+              <a:off x="11471090" y="30122719"/>
+              <a:ext cx="99794" cy="208025"/>
             </a:xfrm>
             <a:prstGeom prst="line">
               <a:avLst/>
@@ -8744,8 +8657,8 @@
           </p:nvSpPr>
           <p:spPr>
             <a:xfrm>
-              <a:off x="21220639" y="29735454"/>
-              <a:ext cx="1688334" cy="577231"/>
+              <a:off x="11004236" y="29803492"/>
+              <a:ext cx="933707" cy="319228"/>
             </a:xfrm>
             <a:prstGeom prst="rect">
               <a:avLst/>
@@ -8780,7 +8693,7 @@
             <a:p>
               <a:pPr algn="ctr"/>
               <a:r>
-                <a:rPr lang="en-US" sz="3600" dirty="0">
+                <a:rPr lang="en-US" sz="2400" dirty="0">
                   <a:solidFill>
                     <a:schemeClr val="tx1"/>
                   </a:solidFill>
@@ -8803,8 +8716,8 @@
           </p:nvCxnSpPr>
           <p:spPr>
             <a:xfrm>
-              <a:off x="10542147" y="29077901"/>
-              <a:ext cx="6940003" cy="1341451"/>
+              <a:off x="5098653" y="29445396"/>
+              <a:ext cx="3838072" cy="736314"/>
             </a:xfrm>
             <a:prstGeom prst="line">
               <a:avLst/>
@@ -8841,8 +8754,8 @@
           </p:nvCxnSpPr>
           <p:spPr>
             <a:xfrm>
-              <a:off x="10542147" y="29077901"/>
-              <a:ext cx="10678492" cy="946170"/>
+              <a:off x="5098653" y="29445396"/>
+              <a:ext cx="5905583" cy="517710"/>
             </a:xfrm>
             <a:prstGeom prst="line">
               <a:avLst/>
@@ -8876,8 +8789,8 @@
           </p:nvSpPr>
           <p:spPr>
             <a:xfrm>
-              <a:off x="22050656" y="30337439"/>
-              <a:ext cx="2275993" cy="2293064"/>
+              <a:off x="11463264" y="30136410"/>
+              <a:ext cx="1258702" cy="1268143"/>
             </a:xfrm>
             <a:custGeom>
               <a:avLst/>
@@ -8958,7 +8871,7 @@
             <a:lstStyle/>
             <a:p>
               <a:pPr algn="ctr"/>
-              <a:endParaRPr lang="en-US" sz="3600">
+              <a:endParaRPr lang="en-US" sz="2400">
                 <a:latin typeface="Times New Roman" panose="02020603050405020304" pitchFamily="18" charset="0"/>
                 <a:cs typeface="Times New Roman" panose="02020603050405020304" pitchFamily="18" charset="0"/>
               </a:endParaRPr>
@@ -8973,8 +8886,8 @@
           </p:nvSpPr>
           <p:spPr>
             <a:xfrm>
-              <a:off x="18429759" y="29286931"/>
-              <a:ext cx="5896890" cy="869477"/>
+              <a:off x="9460783" y="29555443"/>
+              <a:ext cx="3261183" cy="480850"/>
             </a:xfrm>
             <a:custGeom>
               <a:avLst/>
@@ -9055,7 +8968,7 @@
             <a:lstStyle/>
             <a:p>
               <a:pPr algn="ctr"/>
-              <a:endParaRPr lang="en-US" sz="3600">
+              <a:endParaRPr lang="en-US" sz="2400">
                 <a:latin typeface="Times New Roman" panose="02020603050405020304" pitchFamily="18" charset="0"/>
                 <a:cs typeface="Times New Roman" panose="02020603050405020304" pitchFamily="18" charset="0"/>
               </a:endParaRPr>
@@ -9070,8 +8983,8 @@
           </p:nvSpPr>
           <p:spPr>
             <a:xfrm>
-              <a:off x="3433831" y="28325893"/>
-              <a:ext cx="11853062" cy="6164153"/>
+              <a:off x="1167520" y="29023957"/>
+              <a:ext cx="6555151" cy="3408987"/>
             </a:xfrm>
             <a:custGeom>
               <a:avLst/>
@@ -9324,7 +9237,7 @@
             <a:lstStyle/>
             <a:p>
               <a:pPr algn="ctr"/>
-              <a:endParaRPr lang="en-US" sz="3600">
+              <a:endParaRPr lang="en-US" sz="2400">
                 <a:latin typeface="Times New Roman" panose="02020603050405020304" pitchFamily="18" charset="0"/>
                 <a:cs typeface="Times New Roman" panose="02020603050405020304" pitchFamily="18" charset="0"/>
               </a:endParaRPr>
@@ -9339,8 +9252,8 @@
           </p:nvSpPr>
           <p:spPr>
             <a:xfrm>
-              <a:off x="3335523" y="28038510"/>
-              <a:ext cx="20609488" cy="6377736"/>
+              <a:off x="1113152" y="28865024"/>
+              <a:ext cx="11397755" cy="3527106"/>
             </a:xfrm>
             <a:custGeom>
               <a:avLst/>
@@ -9703,7 +9616,7 @@
             <a:lstStyle/>
             <a:p>
               <a:pPr algn="ctr"/>
-              <a:endParaRPr lang="en-US" sz="3600">
+              <a:endParaRPr lang="en-US" sz="2400">
                 <a:latin typeface="Times New Roman" panose="02020603050405020304" pitchFamily="18" charset="0"/>
                 <a:cs typeface="Times New Roman" panose="02020603050405020304" pitchFamily="18" charset="0"/>
               </a:endParaRPr>
@@ -9718,8 +9631,8 @@
           </p:nvSpPr>
           <p:spPr>
             <a:xfrm>
-              <a:off x="16985282" y="29111887"/>
-              <a:ext cx="11970718" cy="5381793"/>
+              <a:off x="8661938" y="29458638"/>
+              <a:ext cx="6620219" cy="2976315"/>
             </a:xfrm>
             <a:custGeom>
               <a:avLst/>
@@ -9952,13 +9865,28 @@
             <a:lstStyle/>
             <a:p>
               <a:pPr algn="ctr"/>
-              <a:endParaRPr lang="en-US" sz="3600">
+              <a:endParaRPr lang="en-US" sz="2400">
                 <a:latin typeface="Times New Roman" panose="02020603050405020304" pitchFamily="18" charset="0"/>
                 <a:cs typeface="Times New Roman" panose="02020603050405020304" pitchFamily="18" charset="0"/>
               </a:endParaRPr>
             </a:p>
           </p:txBody>
         </p:sp>
+      </p:grpSp>
+      <p:grpSp>
+        <p:nvGrpSpPr>
+          <p:cNvPr id="5" name="Group 4"/>
+          <p:cNvGrpSpPr/>
+          <p:nvPr/>
+        </p:nvGrpSpPr>
+        <p:grpSpPr>
+          <a:xfrm>
+            <a:off x="12648843" y="26839485"/>
+            <a:ext cx="6507590" cy="1200329"/>
+            <a:chOff x="19454019" y="27512840"/>
+            <a:chExt cx="6507590" cy="1200329"/>
+          </a:xfrm>
+        </p:grpSpPr>
         <p:sp>
           <p:nvSpPr>
             <p:cNvPr id="117" name="Rectangle 116"/>
@@ -9967,8 +9895,8 @@
           </p:nvSpPr>
           <p:spPr>
             <a:xfrm>
-              <a:off x="30654389" y="29527854"/>
-              <a:ext cx="7636820" cy="2554545"/>
+              <a:off x="20768992" y="27512840"/>
+              <a:ext cx="5192617" cy="1200329"/>
             </a:xfrm>
             <a:prstGeom prst="rect">
               <a:avLst/>
@@ -9981,72 +9909,60 @@
             <a:lstStyle/>
             <a:p>
               <a:r>
-                <a:rPr lang="en-US" sz="3200" dirty="0">
+                <a:rPr lang="en-US" sz="2400" dirty="0">
                   <a:latin typeface="Times New Roman" panose="02020603050405020304" pitchFamily="18" charset="0"/>
                   <a:cs typeface="Times New Roman" panose="02020603050405020304" pitchFamily="18" charset="0"/>
                 </a:rPr>
                 <a:t>ERP from semi-structured data </a:t>
               </a:r>
               <a:r>
-                <a:rPr lang="en-US" altLang="zh-CN" sz="3200" dirty="0">
+                <a:rPr lang="en-US" altLang="zh-CN" sz="2400" dirty="0">
                   <a:latin typeface="Times New Roman" panose="02020603050405020304" pitchFamily="18" charset="0"/>
                   <a:cs typeface="Times New Roman" panose="02020603050405020304" pitchFamily="18" charset="0"/>
                 </a:rPr>
                 <a:t>source</a:t>
               </a:r>
-              <a:endParaRPr lang="en-US" sz="3200" dirty="0">
-                <a:latin typeface="Times New Roman" panose="02020603050405020304" pitchFamily="18" charset="0"/>
-                <a:cs typeface="Times New Roman" panose="02020603050405020304" pitchFamily="18" charset="0"/>
-              </a:endParaRPr>
-            </a:p>
-            <a:p>
-              <a:endParaRPr lang="en-US" sz="3200" dirty="0">
+              <a:endParaRPr lang="en-US" sz="2400" dirty="0">
                 <a:latin typeface="Times New Roman" panose="02020603050405020304" pitchFamily="18" charset="0"/>
                 <a:cs typeface="Times New Roman" panose="02020603050405020304" pitchFamily="18" charset="0"/>
               </a:endParaRPr>
             </a:p>
             <a:p>
               <a:r>
-                <a:rPr lang="en-US" sz="3200" dirty="0">
+                <a:rPr lang="en-US" sz="2400" dirty="0">
                   <a:latin typeface="Times New Roman" panose="02020603050405020304" pitchFamily="18" charset="0"/>
                   <a:cs typeface="Times New Roman" panose="02020603050405020304" pitchFamily="18" charset="0"/>
                 </a:rPr>
                 <a:t>ERP from structured data </a:t>
               </a:r>
               <a:r>
-                <a:rPr lang="en-US" altLang="zh-CN" sz="3200" dirty="0">
+                <a:rPr lang="en-US" altLang="zh-CN" sz="2400" dirty="0">
                   <a:latin typeface="Times New Roman" panose="02020603050405020304" pitchFamily="18" charset="0"/>
                   <a:cs typeface="Times New Roman" panose="02020603050405020304" pitchFamily="18" charset="0"/>
                 </a:rPr>
                 <a:t>source</a:t>
               </a:r>
-              <a:endParaRPr lang="en-US" sz="3200" dirty="0">
-                <a:latin typeface="Times New Roman" panose="02020603050405020304" pitchFamily="18" charset="0"/>
-                <a:cs typeface="Times New Roman" panose="02020603050405020304" pitchFamily="18" charset="0"/>
-              </a:endParaRPr>
-            </a:p>
-            <a:p>
-              <a:endParaRPr lang="en-US" sz="3200" dirty="0">
+              <a:endParaRPr lang="en-US" sz="2400" dirty="0">
                 <a:latin typeface="Times New Roman" panose="02020603050405020304" pitchFamily="18" charset="0"/>
                 <a:cs typeface="Times New Roman" panose="02020603050405020304" pitchFamily="18" charset="0"/>
               </a:endParaRPr>
             </a:p>
             <a:p>
               <a:r>
-                <a:rPr lang="en-US" sz="3200" dirty="0">
+                <a:rPr lang="en-US" sz="2400" dirty="0">
                   <a:latin typeface="Times New Roman" panose="02020603050405020304" pitchFamily="18" charset="0"/>
                   <a:cs typeface="Times New Roman" panose="02020603050405020304" pitchFamily="18" charset="0"/>
                 </a:rPr>
                 <a:t>ERP from unstructured data </a:t>
               </a:r>
               <a:r>
-                <a:rPr lang="en-US" altLang="zh-CN" sz="3200" dirty="0">
+                <a:rPr lang="en-US" altLang="zh-CN" sz="2400" dirty="0">
                   <a:latin typeface="Times New Roman" panose="02020603050405020304" pitchFamily="18" charset="0"/>
                   <a:cs typeface="Times New Roman" panose="02020603050405020304" pitchFamily="18" charset="0"/>
                 </a:rPr>
                 <a:t>source</a:t>
               </a:r>
-              <a:endParaRPr lang="en-US" sz="3200" dirty="0">
+              <a:endParaRPr lang="en-US" sz="2400" dirty="0">
                 <a:latin typeface="Times New Roman" panose="02020603050405020304" pitchFamily="18" charset="0"/>
                 <a:cs typeface="Times New Roman" panose="02020603050405020304" pitchFamily="18" charset="0"/>
               </a:endParaRPr>
@@ -10061,8 +9977,8 @@
           </p:nvSpPr>
           <p:spPr>
             <a:xfrm>
-              <a:off x="29320753" y="29649717"/>
-              <a:ext cx="1354346" cy="291234"/>
+              <a:off x="19454019" y="27645375"/>
+              <a:ext cx="1150730" cy="247448"/>
             </a:xfrm>
             <a:prstGeom prst="rect">
               <a:avLst/>
@@ -10096,7 +10012,7 @@
             <a:lstStyle/>
             <a:p>
               <a:pPr algn="ctr"/>
-              <a:endParaRPr lang="en-US" sz="3600">
+              <a:endParaRPr lang="en-US" sz="1896">
                 <a:latin typeface="Times New Roman" panose="02020603050405020304" pitchFamily="18" charset="0"/>
                 <a:cs typeface="Times New Roman" panose="02020603050405020304" pitchFamily="18" charset="0"/>
               </a:endParaRPr>
@@ -10111,8 +10027,8 @@
           </p:nvSpPr>
           <p:spPr>
             <a:xfrm>
-              <a:off x="29300042" y="30632400"/>
-              <a:ext cx="1354346" cy="291234"/>
+              <a:off x="19454019" y="28022550"/>
+              <a:ext cx="1150730" cy="247448"/>
             </a:xfrm>
             <a:prstGeom prst="rect">
               <a:avLst/>
@@ -10146,7 +10062,7 @@
             <a:lstStyle/>
             <a:p>
               <a:pPr algn="ctr"/>
-              <a:endParaRPr lang="en-US" sz="3600">
+              <a:endParaRPr lang="en-US" sz="1896">
                 <a:latin typeface="Times New Roman" panose="02020603050405020304" pitchFamily="18" charset="0"/>
                 <a:cs typeface="Times New Roman" panose="02020603050405020304" pitchFamily="18" charset="0"/>
               </a:endParaRPr>
@@ -10161,8 +10077,8 @@
           </p:nvSpPr>
           <p:spPr>
             <a:xfrm>
-              <a:off x="29320753" y="31636566"/>
-              <a:ext cx="1354346" cy="291234"/>
+              <a:off x="19454019" y="28403550"/>
+              <a:ext cx="1150730" cy="247448"/>
             </a:xfrm>
             <a:prstGeom prst="rect">
               <a:avLst/>
@@ -10196,7 +10112,7 @@
             <a:lstStyle/>
             <a:p>
               <a:pPr algn="ctr"/>
-              <a:endParaRPr lang="en-US" sz="3600">
+              <a:endParaRPr lang="en-US" sz="1896">
                 <a:latin typeface="Times New Roman" panose="02020603050405020304" pitchFamily="18" charset="0"/>
                 <a:cs typeface="Times New Roman" panose="02020603050405020304" pitchFamily="18" charset="0"/>
               </a:endParaRPr>
@@ -10212,8 +10128,8 @@
         </p:nvSpPr>
         <p:spPr>
           <a:xfrm>
-            <a:off x="1134218" y="25298400"/>
-            <a:ext cx="7695226" cy="2209800"/>
+            <a:off x="696976" y="25072841"/>
+            <a:ext cx="7007702" cy="1901586"/>
           </a:xfrm>
           <a:prstGeom prst="roundRect">
             <a:avLst/>
@@ -10239,7 +10155,7 @@
           <a:lstStyle/>
           <a:p>
             <a:r>
-              <a:rPr lang="en-US" sz="3600" dirty="0">
+              <a:rPr lang="en-US" sz="3200" dirty="0">
                 <a:solidFill>
                   <a:schemeClr val="tx1"/>
                 </a:solidFill>
@@ -10258,8 +10174,8 @@
         </p:nvSpPr>
         <p:spPr>
           <a:xfrm>
-            <a:off x="9242528" y="25984200"/>
-            <a:ext cx="1358862" cy="762000"/>
+            <a:off x="7946231" y="25766368"/>
+            <a:ext cx="713417" cy="400053"/>
           </a:xfrm>
           <a:prstGeom prst="rightArrow">
             <a:avLst/>
@@ -10287,7 +10203,7 @@
           <a:lstStyle/>
           <a:p>
             <a:pPr algn="ctr"/>
-            <a:endParaRPr lang="en-US"/>
+            <a:endParaRPr lang="en-US" sz="2121"/>
           </a:p>
         </p:txBody>
       </p:sp>
@@ -10299,8 +10215,8 @@
         </p:nvSpPr>
         <p:spPr>
           <a:xfrm>
-            <a:off x="11156571" y="25298400"/>
-            <a:ext cx="15931537" cy="2209800"/>
+            <a:off x="8754866" y="25153894"/>
+            <a:ext cx="4526953" cy="1649456"/>
           </a:xfrm>
           <a:prstGeom prst="roundRect">
             <a:avLst/>
@@ -10326,8 +10242,8 @@
           <a:lstStyle/>
           <a:p>
             <a:r>
-              <a:rPr lang="en-US" sz="3600" dirty="0"/>
-              <a:t>Need to define an unified result format. (1) It should be powerful enough to express answers in unstructured data, semi-structured data and structured data; (2) It should capture entitles and the relationships among entities</a:t>
+              <a:rPr lang="en-US" sz="3200" dirty="0"/>
+              <a:t>Need to define an unified result format</a:t>
             </a:r>
           </a:p>
         </p:txBody>
@@ -10340,8 +10256,8 @@
         </p:nvSpPr>
         <p:spPr>
           <a:xfrm>
-            <a:off x="27432000" y="25984200"/>
-            <a:ext cx="1358862" cy="762000"/>
+            <a:off x="13334051" y="25779916"/>
+            <a:ext cx="713417" cy="400053"/>
           </a:xfrm>
           <a:prstGeom prst="rightArrow">
             <a:avLst/>
@@ -10369,7 +10285,7 @@
           <a:lstStyle/>
           <a:p>
             <a:pPr algn="ctr"/>
-            <a:endParaRPr lang="en-US"/>
+            <a:endParaRPr lang="en-US" sz="2121"/>
           </a:p>
         </p:txBody>
       </p:sp>
@@ -10381,8 +10297,8 @@
         </p:nvSpPr>
         <p:spPr>
           <a:xfrm>
-            <a:off x="28956000" y="25214326"/>
-            <a:ext cx="7772401" cy="2209800"/>
+            <a:off x="14194918" y="25126950"/>
+            <a:ext cx="4901064" cy="1482708"/>
           </a:xfrm>
           <a:prstGeom prst="roundRect">
             <a:avLst/>
@@ -10408,10 +10324,10 @@
           <a:lstStyle/>
           <a:p>
             <a:r>
-              <a:rPr lang="en-US" sz="3600" dirty="0"/>
+              <a:rPr lang="en-US" sz="3200" dirty="0"/>
               <a:t>      Entity-relationship pattern (ERP)</a:t>
             </a:r>
-            <a:endParaRPr lang="en-US" sz="900" dirty="0"/>
+            <a:endParaRPr lang="en-US" sz="2800" dirty="0"/>
           </a:p>
         </p:txBody>
       </p:sp>
@@ -10423,8 +10339,8 @@
         </p:nvSpPr>
         <p:spPr>
           <a:xfrm>
-            <a:off x="18838071" y="5029199"/>
-            <a:ext cx="7274488" cy="3847765"/>
+            <a:off x="702625" y="34189327"/>
+            <a:ext cx="8925100" cy="2762411"/>
           </a:xfrm>
           <a:prstGeom prst="roundRect">
             <a:avLst>
@@ -10448,7 +10364,7 @@
           </a:fontRef>
         </p:style>
         <p:txBody>
-          <a:bodyPr rot="0" spcFirstLastPara="0" vertOverflow="overflow" horzOverflow="overflow" vert="horz" wrap="square" lIns="91440" tIns="45720" rIns="91440" bIns="45720" numCol="1" spcCol="0" rtlCol="0" fromWordArt="0" anchor="ctr" anchorCtr="0" forceAA="0" compatLnSpc="1">
+          <a:bodyPr rot="0" spcFirstLastPara="0" vertOverflow="overflow" horzOverflow="overflow" vert="horz" wrap="square" lIns="48004" tIns="24003" rIns="48004" bIns="24003" numCol="1" spcCol="0" rtlCol="0" fromWordArt="0" anchor="ctr" anchorCtr="0" forceAA="0" compatLnSpc="1">
             <a:prstTxWarp prst="textNoShape">
               <a:avLst/>
             </a:prstTxWarp>
@@ -10459,34 +10375,30 @@
             <a:endParaRPr lang="en-US" sz="3600" dirty="0"/>
           </a:p>
           <a:p>
-            <a:pPr marL="571500" indent="-571500">
-              <a:buFont typeface="Wingdings" panose="05000000000000000000" pitchFamily="2" charset="2"/>
-              <a:buChar char="q"/>
-            </a:pPr>
-            <a:r>
-              <a:rPr lang="en-US" sz="3600" dirty="0">
-                <a:solidFill>
-                  <a:schemeClr val="dk1"/>
-                </a:solidFill>
-              </a:rPr>
-              <a:t>final answers are integrated from different data sources</a:t>
-            </a:r>
-          </a:p>
-          <a:p>
-            <a:pPr marL="571500" indent="-571500">
-              <a:buFont typeface="Wingdings" panose="05000000000000000000" pitchFamily="2" charset="2"/>
-              <a:buChar char="q"/>
-            </a:pPr>
-            <a:endParaRPr lang="en-US" sz="3600" dirty="0"/>
-          </a:p>
-          <a:p>
-            <a:pPr marL="571500" indent="-571500">
+            <a:pPr marL="299977" indent="-299977">
               <a:buFont typeface="Wingdings" panose="05000000000000000000" pitchFamily="2" charset="2"/>
               <a:buChar char="q"/>
             </a:pPr>
             <a:r>
               <a:rPr lang="en-US" sz="3600" dirty="0"/>
-              <a:t>each data source has its own features</a:t>
+              <a:t>Final answers are integrated from different data sources</a:t>
+            </a:r>
+          </a:p>
+          <a:p>
+            <a:pPr marL="299977" indent="-299977">
+              <a:buFont typeface="Wingdings" panose="05000000000000000000" pitchFamily="2" charset="2"/>
+              <a:buChar char="q"/>
+            </a:pPr>
+            <a:endParaRPr lang="en-US" sz="3600" dirty="0"/>
+          </a:p>
+          <a:p>
+            <a:pPr marL="299977" indent="-299977">
+              <a:buFont typeface="Wingdings" panose="05000000000000000000" pitchFamily="2" charset="2"/>
+              <a:buChar char="q"/>
+            </a:pPr>
+            <a:r>
+              <a:rPr lang="en-US" sz="3600" dirty="0"/>
+              <a:t>Each data source has its own features</a:t>
             </a:r>
           </a:p>
         </p:txBody>
@@ -10501,8 +10413,8 @@
         </p:nvSpPr>
         <p:spPr bwMode="auto">
           <a:xfrm>
-            <a:off x="18551941" y="9417480"/>
-            <a:ext cx="18914577" cy="5287344"/>
+            <a:off x="558469" y="37471350"/>
+            <a:ext cx="19153228" cy="4646689"/>
           </a:xfrm>
           <a:prstGeom prst="rect">
             <a:avLst/>
@@ -10518,7 +10430,7 @@
           </a:ln>
         </p:spPr>
         <p:txBody>
-          <a:bodyPr lIns="262503" tIns="262503" rIns="262503" bIns="262503">
+          <a:bodyPr lIns="137813" tIns="137813" rIns="137813" bIns="137813">
             <a:prstTxWarp prst="textNoShape">
               <a:avLst/>
             </a:prstTxWarp>
@@ -10531,7 +10443,7 @@
               </a:spcBef>
             </a:pPr>
             <a:r>
-              <a:rPr lang="en-US" altLang="zh-CN" sz="4200" b="1" dirty="0">
+              <a:rPr lang="en-US" altLang="zh-CN" sz="4800" b="1" dirty="0">
                 <a:solidFill>
                   <a:srgbClr val="CC3300"/>
                 </a:solidFill>
@@ -10541,7 +10453,7 @@
           </a:p>
           <a:p>
             <a:r>
-              <a:rPr lang="en-US" sz="2040" dirty="0"/>
+              <a:rPr lang="en-US" sz="4800" dirty="0"/>
               <a:t> </a:t>
             </a:r>
           </a:p>
@@ -10555,8 +10467,8 @@
         </p:nvSpPr>
         <p:spPr>
           <a:xfrm>
-            <a:off x="18897600" y="11276910"/>
-            <a:ext cx="5933795" cy="2534240"/>
+            <a:off x="739948" y="38828898"/>
+            <a:ext cx="7054178" cy="2253752"/>
           </a:xfrm>
           <a:prstGeom prst="roundRect">
             <a:avLst/>
@@ -10578,7 +10490,7 @@
           </a:fontRef>
         </p:style>
         <p:txBody>
-          <a:bodyPr rot="0" spcFirstLastPara="0" vertOverflow="overflow" horzOverflow="overflow" vert="horz" wrap="square" lIns="91440" tIns="45720" rIns="91440" bIns="45720" numCol="1" spcCol="0" rtlCol="0" fromWordArt="0" anchor="ctr" anchorCtr="0" forceAA="0" compatLnSpc="1">
+          <a:bodyPr rot="0" spcFirstLastPara="0" vertOverflow="overflow" horzOverflow="overflow" vert="horz" wrap="square" lIns="48004" tIns="24003" rIns="48004" bIns="24003" numCol="1" spcCol="0" rtlCol="0" fromWordArt="0" anchor="ctr" anchorCtr="0" forceAA="0" compatLnSpc="1">
             <a:prstTxWarp prst="textNoShape">
               <a:avLst/>
             </a:prstTxWarp>
@@ -10590,52 +10502,6 @@
               <a:rPr lang="en-US" sz="3600" dirty="0"/>
               <a:t>      To support efficient heterogeneous keyword search over diverse data sources </a:t>
             </a:r>
-            <a:endParaRPr lang="en-US" sz="3600" dirty="0">
-              <a:solidFill>
-                <a:schemeClr val="dk1"/>
-              </a:solidFill>
-            </a:endParaRPr>
-          </a:p>
-        </p:txBody>
-      </p:sp>
-      <p:sp>
-        <p:nvSpPr>
-          <p:cNvPr id="163" name="Arrow: Right 162"/>
-          <p:cNvSpPr/>
-          <p:nvPr/>
-        </p:nvSpPr>
-        <p:spPr>
-          <a:xfrm>
-            <a:off x="25395885" y="12053595"/>
-            <a:ext cx="969315" cy="762000"/>
-          </a:xfrm>
-          <a:prstGeom prst="rightArrow">
-            <a:avLst/>
-          </a:prstGeom>
-          <a:solidFill>
-            <a:schemeClr val="bg1"/>
-          </a:solidFill>
-        </p:spPr>
-        <p:style>
-          <a:lnRef idx="1">
-            <a:schemeClr val="accent1"/>
-          </a:lnRef>
-          <a:fillRef idx="3">
-            <a:schemeClr val="accent1"/>
-          </a:fillRef>
-          <a:effectRef idx="2">
-            <a:schemeClr val="accent1"/>
-          </a:effectRef>
-          <a:fontRef idx="minor">
-            <a:schemeClr val="lt1"/>
-          </a:fontRef>
-        </p:style>
-        <p:txBody>
-          <a:bodyPr rtlCol="0" anchor="ctr"/>
-          <a:lstStyle/>
-          <a:p>
-            <a:pPr algn="ctr"/>
-            <a:endParaRPr lang="en-US"/>
           </a:p>
         </p:txBody>
       </p:sp>
@@ -10647,8 +10513,8 @@
         </p:nvSpPr>
         <p:spPr>
           <a:xfrm>
-            <a:off x="18931086" y="15964278"/>
-            <a:ext cx="9872514" cy="1948874"/>
+            <a:off x="737954" y="43467929"/>
+            <a:ext cx="10022630" cy="2033484"/>
           </a:xfrm>
           <a:prstGeom prst="roundRect">
             <a:avLst/>
@@ -10670,7 +10536,7 @@
           </a:fontRef>
         </p:style>
         <p:txBody>
-          <a:bodyPr rot="0" spcFirstLastPara="0" vertOverflow="overflow" horzOverflow="overflow" vert="horz" wrap="square" lIns="91440" tIns="45720" rIns="91440" bIns="45720" numCol="1" spcCol="0" rtlCol="0" fromWordArt="0" anchor="ctr" anchorCtr="0" forceAA="0" compatLnSpc="1">
+          <a:bodyPr rot="0" spcFirstLastPara="0" vertOverflow="overflow" horzOverflow="overflow" vert="horz" wrap="square" lIns="48004" tIns="24003" rIns="48004" bIns="24003" numCol="1" spcCol="0" rtlCol="0" fromWordArt="0" anchor="ctr" anchorCtr="0" forceAA="0" compatLnSpc="1">
             <a:prstTxWarp prst="textNoShape">
               <a:avLst/>
             </a:prstTxWarp>
@@ -10686,286 +10552,6 @@
               </a:rPr>
               <a:t>       Existing top-k algorithms, e.g., TA and NRA, cannot be applied for the heterogeneous keyword search problem</a:t>
             </a:r>
-          </a:p>
-        </p:txBody>
-      </p:sp>
-      <p:sp>
-        <p:nvSpPr>
-          <p:cNvPr id="166" name="Arrow: Right 165"/>
-          <p:cNvSpPr/>
-          <p:nvPr/>
-        </p:nvSpPr>
-        <p:spPr>
-          <a:xfrm>
-            <a:off x="29565600" y="16458613"/>
-            <a:ext cx="1358862" cy="762000"/>
-          </a:xfrm>
-          <a:prstGeom prst="rightArrow">
-            <a:avLst/>
-          </a:prstGeom>
-          <a:solidFill>
-            <a:schemeClr val="bg1"/>
-          </a:solidFill>
-        </p:spPr>
-        <p:style>
-          <a:lnRef idx="1">
-            <a:schemeClr val="accent1"/>
-          </a:lnRef>
-          <a:fillRef idx="3">
-            <a:schemeClr val="accent1"/>
-          </a:fillRef>
-          <a:effectRef idx="2">
-            <a:schemeClr val="accent1"/>
-          </a:effectRef>
-          <a:fontRef idx="minor">
-            <a:schemeClr val="lt1"/>
-          </a:fontRef>
-        </p:style>
-        <p:txBody>
-          <a:bodyPr rtlCol="0" anchor="ctr"/>
-          <a:lstStyle/>
-          <a:p>
-            <a:pPr algn="ctr"/>
-            <a:endParaRPr lang="en-US"/>
-          </a:p>
-        </p:txBody>
-      </p:sp>
-      <p:sp>
-        <p:nvSpPr>
-          <p:cNvPr id="168" name="Rectangle: Rounded Corners 167"/>
-          <p:cNvSpPr/>
-          <p:nvPr/>
-        </p:nvSpPr>
-        <p:spPr>
-          <a:xfrm>
-            <a:off x="18957128" y="20737450"/>
-            <a:ext cx="7027072" cy="1948874"/>
-          </a:xfrm>
-          <a:prstGeom prst="roundRect">
-            <a:avLst/>
-          </a:prstGeom>
-          <a:ln/>
-        </p:spPr>
-        <p:style>
-          <a:lnRef idx="2">
-            <a:schemeClr val="accent1"/>
-          </a:lnRef>
-          <a:fillRef idx="1">
-            <a:schemeClr val="lt1"/>
-          </a:fillRef>
-          <a:effectRef idx="0">
-            <a:schemeClr val="accent1"/>
-          </a:effectRef>
-          <a:fontRef idx="minor">
-            <a:schemeClr val="dk1"/>
-          </a:fontRef>
-        </p:style>
-        <p:txBody>
-          <a:bodyPr rot="0" spcFirstLastPara="0" vertOverflow="overflow" horzOverflow="overflow" vert="horz" wrap="square" lIns="91440" tIns="45720" rIns="91440" bIns="45720" numCol="1" spcCol="0" rtlCol="0" fromWordArt="0" anchor="ctr" anchorCtr="0" forceAA="0" compatLnSpc="1">
-            <a:prstTxWarp prst="textNoShape">
-              <a:avLst/>
-            </a:prstTxWarp>
-            <a:noAutofit/>
-          </a:bodyPr>
-          <a:lstStyle/>
-          <a:p>
-            <a:r>
-              <a:rPr lang="en-US" sz="3600" dirty="0"/>
-              <a:t>     Answers from different data sources may contain duplicate attributes and entities</a:t>
-            </a:r>
-            <a:endParaRPr lang="en-US" sz="3600" dirty="0">
-              <a:solidFill>
-                <a:schemeClr val="dk1"/>
-              </a:solidFill>
-            </a:endParaRPr>
-          </a:p>
-        </p:txBody>
-      </p:sp>
-      <p:sp>
-        <p:nvSpPr>
-          <p:cNvPr id="169" name="Rectangle: Rounded Corners 168"/>
-          <p:cNvSpPr/>
-          <p:nvPr/>
-        </p:nvSpPr>
-        <p:spPr>
-          <a:xfrm>
-            <a:off x="27949734" y="19845553"/>
-            <a:ext cx="8626266" cy="1871447"/>
-          </a:xfrm>
-          <a:prstGeom prst="roundRect">
-            <a:avLst/>
-          </a:prstGeom>
-          <a:ln/>
-        </p:spPr>
-        <p:style>
-          <a:lnRef idx="1">
-            <a:schemeClr val="accent3"/>
-          </a:lnRef>
-          <a:fillRef idx="2">
-            <a:schemeClr val="accent3"/>
-          </a:fillRef>
-          <a:effectRef idx="1">
-            <a:schemeClr val="accent3"/>
-          </a:effectRef>
-          <a:fontRef idx="minor">
-            <a:schemeClr val="dk1"/>
-          </a:fontRef>
-        </p:style>
-        <p:txBody>
-          <a:bodyPr rot="0" spcFirstLastPara="0" vertOverflow="overflow" horzOverflow="overflow" vert="horz" wrap="square" lIns="91440" tIns="45720" rIns="91440" bIns="45720" numCol="1" spcCol="0" rtlCol="0" fromWordArt="0" anchor="ctr" anchorCtr="0" forceAA="0" compatLnSpc="1">
-            <a:prstTxWarp prst="textNoShape">
-              <a:avLst/>
-            </a:prstTxWarp>
-            <a:noAutofit/>
-          </a:bodyPr>
-          <a:lstStyle/>
-          <a:p>
-            <a:pPr>
-              <a:spcBef>
-                <a:spcPct val="50000"/>
-              </a:spcBef>
-            </a:pPr>
-            <a:r>
-              <a:rPr lang="en-GB" sz="3600" b="1" u="sng" dirty="0"/>
-              <a:t>Syntactic similarities </a:t>
-            </a:r>
-          </a:p>
-          <a:p>
-            <a:pPr marL="571500" indent="-571500">
-              <a:spcBef>
-                <a:spcPts val="0"/>
-              </a:spcBef>
-              <a:buFont typeface="Wingdings" panose="05000000000000000000" pitchFamily="2" charset="2"/>
-              <a:buChar char="q"/>
-            </a:pPr>
-            <a:r>
-              <a:rPr lang="en-US" sz="3400" dirty="0">
-                <a:solidFill>
-                  <a:schemeClr val="tx1"/>
-                </a:solidFill>
-              </a:rPr>
-              <a:t>Token-based similarity</a:t>
-            </a:r>
-          </a:p>
-          <a:p>
-            <a:pPr marL="571500" indent="-571500">
-              <a:spcBef>
-                <a:spcPts val="0"/>
-              </a:spcBef>
-              <a:buFont typeface="Wingdings" panose="05000000000000000000" pitchFamily="2" charset="2"/>
-              <a:buChar char="q"/>
-            </a:pPr>
-            <a:r>
-              <a:rPr lang="en-US" sz="3400" dirty="0">
-                <a:solidFill>
-                  <a:schemeClr val="tx1"/>
-                </a:solidFill>
-              </a:rPr>
-              <a:t>Character-based similarity</a:t>
-            </a:r>
-            <a:endParaRPr lang="en-GB" sz="3400" dirty="0">
-              <a:solidFill>
-                <a:schemeClr val="tx1"/>
-              </a:solidFill>
-            </a:endParaRPr>
-          </a:p>
-        </p:txBody>
-      </p:sp>
-      <p:sp>
-        <p:nvSpPr>
-          <p:cNvPr id="170" name="Rectangle: Rounded Corners 169"/>
-          <p:cNvSpPr/>
-          <p:nvPr/>
-        </p:nvSpPr>
-        <p:spPr>
-          <a:xfrm>
-            <a:off x="27978138" y="22045555"/>
-            <a:ext cx="8609284" cy="1573505"/>
-          </a:xfrm>
-          <a:prstGeom prst="roundRect">
-            <a:avLst/>
-          </a:prstGeom>
-          <a:ln/>
-        </p:spPr>
-        <p:style>
-          <a:lnRef idx="1">
-            <a:schemeClr val="accent3"/>
-          </a:lnRef>
-          <a:fillRef idx="2">
-            <a:schemeClr val="accent3"/>
-          </a:fillRef>
-          <a:effectRef idx="1">
-            <a:schemeClr val="accent3"/>
-          </a:effectRef>
-          <a:fontRef idx="minor">
-            <a:schemeClr val="dk1"/>
-          </a:fontRef>
-        </p:style>
-        <p:txBody>
-          <a:bodyPr rot="0" spcFirstLastPara="0" vertOverflow="overflow" horzOverflow="overflow" vert="horz" wrap="square" lIns="91440" tIns="45720" rIns="91440" bIns="45720" numCol="1" spcCol="0" rtlCol="0" fromWordArt="0" anchor="ctr" anchorCtr="0" forceAA="0" compatLnSpc="1">
-            <a:prstTxWarp prst="textNoShape">
-              <a:avLst/>
-            </a:prstTxWarp>
-            <a:noAutofit/>
-          </a:bodyPr>
-          <a:lstStyle/>
-          <a:p>
-            <a:r>
-              <a:rPr lang="en-GB" sz="3600" b="1" u="sng" dirty="0"/>
-              <a:t>Semantic similarities </a:t>
-            </a:r>
-          </a:p>
-          <a:p>
-            <a:r>
-              <a:rPr lang="en-US" sz="3400" dirty="0"/>
-              <a:t>Apply synonym rules to evaluate the maximal similarities</a:t>
-            </a:r>
-            <a:endParaRPr lang="en-US" sz="3400" dirty="0">
-              <a:solidFill>
-                <a:schemeClr val="dk1"/>
-              </a:solidFill>
-            </a:endParaRPr>
-          </a:p>
-        </p:txBody>
-      </p:sp>
-      <p:sp>
-        <p:nvSpPr>
-          <p:cNvPr id="171" name="Arrow: Right 170"/>
-          <p:cNvSpPr/>
-          <p:nvPr/>
-        </p:nvSpPr>
-        <p:spPr>
-          <a:xfrm>
-            <a:off x="26301738" y="21379546"/>
-            <a:ext cx="1358862" cy="762000"/>
-          </a:xfrm>
-          <a:prstGeom prst="rightArrow">
-            <a:avLst/>
-          </a:prstGeom>
-          <a:solidFill>
-            <a:schemeClr val="bg1"/>
-          </a:solidFill>
-        </p:spPr>
-        <p:style>
-          <a:lnRef idx="1">
-            <a:schemeClr val="accent1"/>
-          </a:lnRef>
-          <a:fillRef idx="3">
-            <a:schemeClr val="accent1"/>
-          </a:fillRef>
-          <a:effectRef idx="2">
-            <a:schemeClr val="accent1"/>
-          </a:effectRef>
-          <a:fontRef idx="minor">
-            <a:schemeClr val="lt1"/>
-          </a:fontRef>
-        </p:style>
-        <p:txBody>
-          <a:bodyPr rtlCol="0" anchor="ctr"/>
-          <a:lstStyle/>
-          <a:p>
-            <a:pPr algn="ctr"/>
-            <a:endParaRPr lang="en-US"/>
           </a:p>
         </p:txBody>
       </p:sp>
@@ -10977,8 +10563,8 @@
         </p:nvSpPr>
         <p:spPr>
           <a:xfrm>
-            <a:off x="3586101" y="34823349"/>
-            <a:ext cx="27942659" cy="1200329"/>
+            <a:off x="1072278" y="31907968"/>
+            <a:ext cx="17727448" cy="830997"/>
           </a:xfrm>
           <a:prstGeom prst="rect">
             <a:avLst/>
@@ -10991,24 +10577,24 @@
           <a:lstStyle/>
           <a:p>
             <a:r>
-              <a:rPr lang="en-US" sz="3600" dirty="0">
+              <a:rPr lang="en-US" sz="2400" dirty="0">
                 <a:cs typeface="Times New Roman" panose="02020603050405020304" pitchFamily="18" charset="0"/>
               </a:rPr>
               <a:t>An ERP of query “</a:t>
             </a:r>
             <a:r>
-              <a:rPr lang="en-US" sz="3600" dirty="0" err="1">
+              <a:rPr lang="en-US" sz="2400" dirty="0" err="1">
                 <a:cs typeface="Times New Roman" panose="02020603050405020304" pitchFamily="18" charset="0"/>
               </a:rPr>
               <a:t>michael</a:t>
             </a:r>
             <a:r>
-              <a:rPr lang="en-US" sz="3600" dirty="0">
+              <a:rPr lang="en-US" sz="2400" dirty="0">
                 <a:cs typeface="Times New Roman" panose="02020603050405020304" pitchFamily="18" charset="0"/>
               </a:rPr>
               <a:t>, franklin, database”, which is constructed by three ERPs from unstructured data (highlighted in purple), semi-structured data (highlighted in red), and structured data (highlighted in blue)</a:t>
             </a:r>
-            <a:endParaRPr lang="en-US" sz="3600" dirty="0"/>
+            <a:endParaRPr lang="en-US" sz="2400" dirty="0"/>
           </a:p>
         </p:txBody>
       </p:sp>
@@ -11035,8 +10621,8 @@
         </p:blipFill>
         <p:spPr bwMode="auto">
           <a:xfrm>
-            <a:off x="1295400" y="25450800"/>
-            <a:ext cx="714375" cy="672842"/>
+            <a:off x="918985" y="25331599"/>
+            <a:ext cx="601344" cy="566361"/>
           </a:xfrm>
           <a:prstGeom prst="rect">
             <a:avLst/>
@@ -11076,8 +10662,8 @@
         </p:blipFill>
         <p:spPr bwMode="auto">
           <a:xfrm>
-            <a:off x="28956000" y="25811213"/>
-            <a:ext cx="897808" cy="897808"/>
+            <a:off x="14348619" y="25326051"/>
+            <a:ext cx="665699" cy="665699"/>
           </a:xfrm>
           <a:prstGeom prst="rect">
             <a:avLst/>
@@ -11117,49 +10703,8 @@
         </p:blipFill>
         <p:spPr bwMode="auto">
           <a:xfrm>
-            <a:off x="19044006" y="5105556"/>
-            <a:ext cx="714375" cy="672842"/>
-          </a:xfrm>
-          <a:prstGeom prst="rect">
-            <a:avLst/>
-          </a:prstGeom>
-          <a:noFill/>
-          <a:extLst>
-            <a:ext uri="{909E8E84-426E-40DD-AFC4-6F175D3DCCD1}">
-              <a14:hiddenFill xmlns:a14="http://schemas.microsoft.com/office/drawing/2010/main">
-                <a:solidFill>
-                  <a:srgbClr val="FFFFFF"/>
-                </a:solidFill>
-              </a14:hiddenFill>
-            </a:ext>
-          </a:extLst>
-        </p:spPr>
-      </p:pic>
-      <p:pic>
-        <p:nvPicPr>
-          <p:cNvPr id="189" name="Picture 6" descr="Image result for notice icon"/>
-          <p:cNvPicPr>
-            <a:picLocks noChangeAspect="1" noChangeArrowheads="1"/>
-          </p:cNvPicPr>
-          <p:nvPr/>
-        </p:nvPicPr>
-        <p:blipFill>
-          <a:blip r:embed="rId5">
-            <a:extLst>
-              <a:ext uri="{28A0092B-C50C-407E-A947-70E740481C1C}">
-                <a14:useLocalDpi xmlns:a14="http://schemas.microsoft.com/office/drawing/2010/main" val="0"/>
-              </a:ext>
-            </a:extLst>
-          </a:blip>
-          <a:srcRect/>
-          <a:stretch>
-            <a:fillRect/>
-          </a:stretch>
-        </p:blipFill>
-        <p:spPr bwMode="auto">
-          <a:xfrm>
-            <a:off x="19123729" y="11392676"/>
-            <a:ext cx="714375" cy="672842"/>
+            <a:off x="810743" y="34221173"/>
+            <a:ext cx="501178" cy="472022"/>
           </a:xfrm>
           <a:prstGeom prst="rect">
             <a:avLst/>
@@ -11184,8 +10729,8 @@
         </p:nvSpPr>
         <p:spPr>
           <a:xfrm>
-            <a:off x="26904091" y="6553200"/>
-            <a:ext cx="1061309" cy="762000"/>
+            <a:off x="9913214" y="35034698"/>
+            <a:ext cx="764097" cy="548606"/>
           </a:xfrm>
           <a:prstGeom prst="rightArrow">
             <a:avLst/>
@@ -11213,7 +10758,7 @@
           <a:lstStyle/>
           <a:p>
             <a:pPr algn="ctr"/>
-            <a:endParaRPr lang="en-US"/>
+            <a:endParaRPr lang="en-US" sz="2121"/>
           </a:p>
         </p:txBody>
       </p:sp>
@@ -11225,8 +10770,8 @@
         </p:nvSpPr>
         <p:spPr>
           <a:xfrm>
-            <a:off x="28634577" y="4918869"/>
-            <a:ext cx="8313675" cy="3989899"/>
+            <a:off x="11033672" y="33586706"/>
+            <a:ext cx="8122761" cy="3415110"/>
           </a:xfrm>
           <a:prstGeom prst="roundRect">
             <a:avLst>
@@ -11251,7 +10796,7 @@
           </a:fontRef>
         </p:style>
         <p:txBody>
-          <a:bodyPr rot="0" spcFirstLastPara="0" vertOverflow="overflow" horzOverflow="overflow" vert="horz" wrap="square" lIns="91440" tIns="45720" rIns="91440" bIns="45720" numCol="1" spcCol="0" rtlCol="0" fromWordArt="0" anchor="t" anchorCtr="0" forceAA="0" compatLnSpc="1">
+          <a:bodyPr rot="0" spcFirstLastPara="0" vertOverflow="overflow" horzOverflow="overflow" vert="horz" wrap="square" lIns="48004" tIns="24003" rIns="48004" bIns="24003" numCol="1" spcCol="0" rtlCol="0" fromWordArt="0" anchor="t" anchorCtr="0" forceAA="0" compatLnSpc="1">
             <a:prstTxWarp prst="textNoShape">
               <a:avLst/>
             </a:prstTxWarp>
@@ -11274,8 +10819,8 @@
         </p:nvSpPr>
         <p:spPr>
           <a:xfrm>
-            <a:off x="28879800" y="5877525"/>
-            <a:ext cx="7787842" cy="1361475"/>
+            <a:off x="11261928" y="34457184"/>
+            <a:ext cx="7609016" cy="1165338"/>
           </a:xfrm>
           <a:prstGeom prst="roundRect">
             <a:avLst/>
@@ -11297,7 +10842,7 @@
           </a:fontRef>
         </p:style>
         <p:txBody>
-          <a:bodyPr rot="0" spcFirstLastPara="0" vertOverflow="overflow" horzOverflow="overflow" vert="horz" wrap="square" lIns="91440" tIns="45720" rIns="91440" bIns="45720" numCol="1" spcCol="0" rtlCol="0" fromWordArt="0" anchor="ctr" anchorCtr="0" forceAA="0" compatLnSpc="1">
+          <a:bodyPr rot="0" spcFirstLastPara="0" vertOverflow="overflow" horzOverflow="overflow" vert="horz" wrap="square" lIns="48004" tIns="24003" rIns="48004" bIns="24003" numCol="1" spcCol="0" rtlCol="0" fromWordArt="0" anchor="ctr" anchorCtr="0" forceAA="0" compatLnSpc="1">
             <a:prstTxWarp prst="textNoShape">
               <a:avLst/>
             </a:prstTxWarp>
@@ -11317,11 +10862,6 @@
               <a:rPr lang="en-US" sz="3200" dirty="0"/>
               <a:t> for each kind of data source</a:t>
             </a:r>
-            <a:endParaRPr lang="en-US" sz="3200" dirty="0">
-              <a:solidFill>
-                <a:schemeClr val="dk1"/>
-              </a:solidFill>
-            </a:endParaRPr>
           </a:p>
         </p:txBody>
       </p:sp>
@@ -11333,8 +10873,8 @@
         </p:nvSpPr>
         <p:spPr>
           <a:xfrm>
-            <a:off x="28879800" y="7391400"/>
-            <a:ext cx="7787842" cy="1352385"/>
+            <a:off x="11265580" y="35763213"/>
+            <a:ext cx="7609016" cy="1157561"/>
           </a:xfrm>
           <a:prstGeom prst="roundRect">
             <a:avLst/>
@@ -11356,7 +10896,7 @@
           </a:fontRef>
         </p:style>
         <p:txBody>
-          <a:bodyPr rot="0" spcFirstLastPara="0" vertOverflow="overflow" horzOverflow="overflow" vert="horz" wrap="square" lIns="91440" tIns="45720" rIns="91440" bIns="45720" numCol="1" spcCol="0" rtlCol="0" fromWordArt="0" anchor="ctr" anchorCtr="0" forceAA="0" compatLnSpc="1">
+          <a:bodyPr rot="0" spcFirstLastPara="0" vertOverflow="overflow" horzOverflow="overflow" vert="horz" wrap="square" lIns="48004" tIns="24003" rIns="48004" bIns="24003" numCol="1" spcCol="0" rtlCol="0" fromWordArt="0" anchor="ctr" anchorCtr="0" forceAA="0" compatLnSpc="1">
             <a:prstTxWarp prst="textNoShape">
               <a:avLst/>
             </a:prstTxWarp>
@@ -11376,11 +10916,6 @@
               <a:rPr lang="en-US" sz="3200" dirty="0"/>
               <a:t> to compute the scores for final ERPs.</a:t>
             </a:r>
-            <a:endParaRPr lang="en-US" sz="3200" dirty="0">
-              <a:solidFill>
-                <a:schemeClr val="dk1"/>
-              </a:solidFill>
-            </a:endParaRPr>
           </a:p>
         </p:txBody>
       </p:sp>
@@ -11407,8 +10942,8 @@
         </p:blipFill>
         <p:spPr bwMode="auto">
           <a:xfrm>
-            <a:off x="28820192" y="4917869"/>
-            <a:ext cx="897808" cy="897808"/>
+            <a:off x="11228322" y="33629203"/>
+            <a:ext cx="877192" cy="768471"/>
           </a:xfrm>
           <a:prstGeom prst="rect">
             <a:avLst/>
@@ -11433,8 +10968,8 @@
         </p:nvSpPr>
         <p:spPr>
           <a:xfrm>
-            <a:off x="27358517" y="9610405"/>
-            <a:ext cx="9759431" cy="4783989"/>
+            <a:off x="9318149" y="37608270"/>
+            <a:ext cx="9850533" cy="4367421"/>
           </a:xfrm>
           <a:prstGeom prst="roundRect">
             <a:avLst>
@@ -11459,7 +10994,7 @@
           </a:fontRef>
         </p:style>
         <p:txBody>
-          <a:bodyPr rot="0" spcFirstLastPara="0" vertOverflow="overflow" horzOverflow="overflow" vert="horz" wrap="square" lIns="91440" tIns="45720" rIns="91440" bIns="45720" numCol="1" spcCol="0" rtlCol="0" fromWordArt="0" anchor="t" anchorCtr="0" forceAA="0" compatLnSpc="1">
+          <a:bodyPr rot="0" spcFirstLastPara="0" vertOverflow="overflow" horzOverflow="overflow" vert="horz" wrap="square" lIns="48004" tIns="24003" rIns="48004" bIns="24003" numCol="1" spcCol="0" rtlCol="0" fromWordArt="0" anchor="t" anchorCtr="0" forceAA="0" compatLnSpc="1">
             <a:prstTxWarp prst="textNoShape">
               <a:avLst/>
             </a:prstTxWarp>
@@ -11469,7 +11004,7 @@
           <a:p>
             <a:r>
               <a:rPr lang="en-US" sz="3600" dirty="0"/>
-              <a:t>        New index structure</a:t>
+              <a:t>       New index structure</a:t>
             </a:r>
           </a:p>
         </p:txBody>
@@ -11497,8 +11032,8 @@
         </p:blipFill>
         <p:spPr bwMode="auto">
           <a:xfrm>
-            <a:off x="27372392" y="9600613"/>
-            <a:ext cx="897808" cy="897808"/>
+            <a:off x="9500513" y="37662761"/>
+            <a:ext cx="699398" cy="632593"/>
           </a:xfrm>
           <a:prstGeom prst="rect">
             <a:avLst/>
@@ -11523,8 +11058,8 @@
         </p:nvSpPr>
         <p:spPr>
           <a:xfrm>
-            <a:off x="27568825" y="10591213"/>
-            <a:ext cx="9379427" cy="1952203"/>
+            <a:off x="9427303" y="38386042"/>
+            <a:ext cx="9466984" cy="1782208"/>
           </a:xfrm>
           <a:prstGeom prst="roundRect">
             <a:avLst/>
@@ -11546,7 +11081,7 @@
           </a:fontRef>
         </p:style>
         <p:txBody>
-          <a:bodyPr rot="0" spcFirstLastPara="0" vertOverflow="overflow" horzOverflow="overflow" vert="horz" wrap="square" lIns="91440" tIns="45720" rIns="91440" bIns="45720" numCol="1" spcCol="0" rtlCol="0" fromWordArt="0" anchor="ctr" anchorCtr="0" forceAA="0" compatLnSpc="1">
+          <a:bodyPr rot="0" spcFirstLastPara="0" vertOverflow="overflow" horzOverflow="overflow" vert="horz" wrap="square" lIns="48004" tIns="24003" rIns="48004" bIns="24003" numCol="1" spcCol="0" rtlCol="0" fromWordArt="0" anchor="ctr" anchorCtr="0" forceAA="0" compatLnSpc="1">
             <a:prstTxWarp prst="textNoShape">
               <a:avLst/>
             </a:prstTxWarp>
@@ -11586,8 +11121,8 @@
         </p:nvSpPr>
         <p:spPr>
           <a:xfrm>
-            <a:off x="27568825" y="12720169"/>
-            <a:ext cx="9379428" cy="1599656"/>
+            <a:off x="9427303" y="40320650"/>
+            <a:ext cx="9466984" cy="1460378"/>
           </a:xfrm>
           <a:prstGeom prst="roundRect">
             <a:avLst/>
@@ -11609,7 +11144,7 @@
           </a:fontRef>
         </p:style>
         <p:txBody>
-          <a:bodyPr rot="0" spcFirstLastPara="0" vertOverflow="overflow" horzOverflow="overflow" vert="horz" wrap="square" lIns="91440" tIns="45720" rIns="91440" bIns="45720" numCol="1" spcCol="0" rtlCol="0" fromWordArt="0" anchor="ctr" anchorCtr="0" forceAA="0" compatLnSpc="1">
+          <a:bodyPr rot="0" spcFirstLastPara="0" vertOverflow="overflow" horzOverflow="overflow" vert="horz" wrap="square" lIns="48004" tIns="24003" rIns="48004" bIns="24003" numCol="1" spcCol="0" rtlCol="0" fromWordArt="0" anchor="ctr" anchorCtr="0" forceAA="0" compatLnSpc="1">
             <a:prstTxWarp prst="textNoShape">
               <a:avLst/>
             </a:prstTxWarp>
@@ -11629,11 +11164,7 @@
               <a:rPr lang="en-GB" sz="3200" dirty="0"/>
               <a:t>A hash table with keywords as keys and points to local indexes as values.</a:t>
             </a:r>
-            <a:endParaRPr lang="en-US" sz="3200" dirty="0">
-              <a:solidFill>
-                <a:schemeClr val="dk1"/>
-              </a:solidFill>
-            </a:endParaRPr>
+            <a:endParaRPr lang="en-US" sz="3200" dirty="0"/>
           </a:p>
         </p:txBody>
       </p:sp>
@@ -11645,8 +11176,8 @@
         </p:nvSpPr>
         <p:spPr>
           <a:xfrm>
-            <a:off x="31318200" y="15798492"/>
-            <a:ext cx="5577732" cy="2000750"/>
+            <a:off x="13508334" y="43492710"/>
+            <a:ext cx="5662557" cy="1880219"/>
           </a:xfrm>
           <a:prstGeom prst="roundRect">
             <a:avLst>
@@ -11671,7 +11202,7 @@
           </a:fontRef>
         </p:style>
         <p:txBody>
-          <a:bodyPr rot="0" spcFirstLastPara="0" vertOverflow="overflow" horzOverflow="overflow" vert="horz" wrap="square" lIns="91440" tIns="182880" rIns="91440" bIns="45720" numCol="1" spcCol="0" rtlCol="0" fromWordArt="0" anchor="t" anchorCtr="0" forceAA="0" compatLnSpc="1">
+          <a:bodyPr rot="0" spcFirstLastPara="0" vertOverflow="overflow" horzOverflow="overflow" vert="horz" wrap="square" lIns="48004" tIns="96010" rIns="48004" bIns="24003" numCol="1" spcCol="0" rtlCol="0" fromWordArt="0" anchor="t" anchorCtr="0" forceAA="0" compatLnSpc="1">
             <a:prstTxWarp prst="textNoShape">
               <a:avLst/>
             </a:prstTxWarp>
@@ -11695,129 +11226,249 @@
           </a:p>
         </p:txBody>
       </p:sp>
-      <p:pic>
-        <p:nvPicPr>
-          <p:cNvPr id="211" name="Picture 8" descr="Related image"/>
-          <p:cNvPicPr>
-            <a:picLocks noChangeAspect="1" noChangeArrowheads="1"/>
-          </p:cNvPicPr>
+      <p:sp>
+        <p:nvSpPr>
+          <p:cNvPr id="208" name="Rectangle 49 6 1"/>
+          <p:cNvSpPr>
+            <a:spLocks noChangeArrowheads="1"/>
+          </p:cNvSpPr>
           <p:nvPr/>
-        </p:nvPicPr>
-        <p:blipFill>
-          <a:blip r:embed="rId6">
-            <a:extLst>
-              <a:ext uri="{28A0092B-C50C-407E-A947-70E740481C1C}">
-                <a14:useLocalDpi xmlns:a14="http://schemas.microsoft.com/office/drawing/2010/main" val="0"/>
-              </a:ext>
-            </a:extLst>
-          </a:blip>
-          <a:srcRect/>
-          <a:stretch>
-            <a:fillRect/>
-          </a:stretch>
-        </p:blipFill>
+        </p:nvSpPr>
         <p:spPr bwMode="auto">
           <a:xfrm>
-            <a:off x="31462274" y="15954486"/>
-            <a:ext cx="897808" cy="897808"/>
+            <a:off x="552393" y="46237426"/>
+            <a:ext cx="19159303" cy="4035524"/>
           </a:xfrm>
           <a:prstGeom prst="rect">
             <a:avLst/>
           </a:prstGeom>
-          <a:noFill/>
-          <a:extLst>
-            <a:ext uri="{909E8E84-426E-40DD-AFC4-6F175D3DCCD1}">
-              <a14:hiddenFill xmlns:a14="http://schemas.microsoft.com/office/drawing/2010/main">
+          <a:solidFill>
+            <a:schemeClr val="bg1"/>
+          </a:solidFill>
+          <a:ln w="9525">
+            <a:noFill/>
+            <a:miter lim="800000"/>
+            <a:headEnd/>
+            <a:tailEnd/>
+          </a:ln>
+        </p:spPr>
+        <p:txBody>
+          <a:bodyPr lIns="137813" tIns="137813" rIns="137813" bIns="137813">
+            <a:prstTxWarp prst="textNoShape">
+              <a:avLst/>
+            </a:prstTxWarp>
+          </a:bodyPr>
+          <a:lstStyle/>
+          <a:p>
+            <a:pPr>
+              <a:spcBef>
+                <a:spcPct val="50000"/>
+              </a:spcBef>
+            </a:pPr>
+            <a:r>
+              <a:rPr lang="en-US" altLang="zh-CN" sz="4800" b="1" dirty="0">
                 <a:solidFill>
-                  <a:srgbClr val="FFFFFF"/>
+                  <a:srgbClr val="CC3300"/>
                 </a:solidFill>
-              </a14:hiddenFill>
-            </a:ext>
-          </a:extLst>
-        </p:spPr>
-      </p:pic>
-      <p:pic>
-        <p:nvPicPr>
-          <p:cNvPr id="212" name="Picture 6" descr="Image result for notice icon"/>
-          <p:cNvPicPr>
-            <a:picLocks noChangeAspect="1" noChangeArrowheads="1"/>
-          </p:cNvPicPr>
+              </a:rPr>
+              <a:t>Challenge 5 : Fuzzy Mapping</a:t>
+            </a:r>
+            <a:r>
+              <a:rPr lang="en-US" sz="4800" b="1" dirty="0"/>
+              <a:t> </a:t>
+            </a:r>
+            <a:endParaRPr lang="en-US" sz="4800" dirty="0"/>
+          </a:p>
+        </p:txBody>
+      </p:sp>
+      <p:sp>
+        <p:nvSpPr>
+          <p:cNvPr id="168" name="Rectangle: Rounded Corners 167"/>
+          <p:cNvSpPr/>
           <p:nvPr/>
-        </p:nvPicPr>
-        <p:blipFill>
-          <a:blip r:embed="rId5">
-            <a:extLst>
-              <a:ext uri="{28A0092B-C50C-407E-A947-70E740481C1C}">
-                <a14:useLocalDpi xmlns:a14="http://schemas.microsoft.com/office/drawing/2010/main" val="0"/>
-              </a:ext>
-            </a:extLst>
-          </a:blip>
-          <a:srcRect/>
-          <a:stretch>
-            <a:fillRect/>
-          </a:stretch>
-        </p:blipFill>
-        <p:spPr bwMode="auto">
+        </p:nvSpPr>
+        <p:spPr>
           <a:xfrm>
-            <a:off x="19108653" y="16058588"/>
-            <a:ext cx="714375" cy="672842"/>
+            <a:off x="969257" y="47548262"/>
+            <a:ext cx="7133922" cy="2115088"/>
           </a:xfrm>
-          <a:prstGeom prst="rect">
+          <a:prstGeom prst="roundRect">
             <a:avLst/>
           </a:prstGeom>
-          <a:noFill/>
-          <a:extLst>
-            <a:ext uri="{909E8E84-426E-40DD-AFC4-6F175D3DCCD1}">
-              <a14:hiddenFill xmlns:a14="http://schemas.microsoft.com/office/drawing/2010/main">
-                <a:solidFill>
-                  <a:srgbClr val="FFFFFF"/>
-                </a:solidFill>
-              </a14:hiddenFill>
-            </a:ext>
-          </a:extLst>
+          <a:ln/>
         </p:spPr>
-      </p:pic>
-      <p:pic>
-        <p:nvPicPr>
-          <p:cNvPr id="213" name="Picture 6" descr="Image result for notice icon"/>
-          <p:cNvPicPr>
-            <a:picLocks noChangeAspect="1" noChangeArrowheads="1"/>
-          </p:cNvPicPr>
+        <p:style>
+          <a:lnRef idx="2">
+            <a:schemeClr val="accent1"/>
+          </a:lnRef>
+          <a:fillRef idx="1">
+            <a:schemeClr val="lt1"/>
+          </a:fillRef>
+          <a:effectRef idx="0">
+            <a:schemeClr val="accent1"/>
+          </a:effectRef>
+          <a:fontRef idx="minor">
+            <a:schemeClr val="dk1"/>
+          </a:fontRef>
+        </p:style>
+        <p:txBody>
+          <a:bodyPr rot="0" spcFirstLastPara="0" vertOverflow="overflow" horzOverflow="overflow" vert="horz" wrap="square" lIns="48004" tIns="24003" rIns="48004" bIns="24003" numCol="1" spcCol="0" rtlCol="0" fromWordArt="0" anchor="ctr" anchorCtr="0" forceAA="0" compatLnSpc="1">
+            <a:prstTxWarp prst="textNoShape">
+              <a:avLst/>
+            </a:prstTxWarp>
+            <a:noAutofit/>
+          </a:bodyPr>
+          <a:lstStyle/>
+          <a:p>
+            <a:r>
+              <a:rPr lang="en-US" sz="3600" dirty="0"/>
+              <a:t>     Answers from different data sources may contain duplicate attributes and entities</a:t>
+            </a:r>
+          </a:p>
+        </p:txBody>
+      </p:sp>
+      <p:sp>
+        <p:nvSpPr>
+          <p:cNvPr id="169" name="Rectangle: Rounded Corners 168"/>
+          <p:cNvSpPr/>
           <p:nvPr/>
-        </p:nvPicPr>
-        <p:blipFill>
-          <a:blip r:embed="rId5">
-            <a:extLst>
-              <a:ext uri="{28A0092B-C50C-407E-A947-70E740481C1C}">
-                <a14:useLocalDpi xmlns:a14="http://schemas.microsoft.com/office/drawing/2010/main" val="0"/>
-              </a:ext>
-            </a:extLst>
-          </a:blip>
-          <a:srcRect/>
-          <a:stretch>
-            <a:fillRect/>
-          </a:stretch>
-        </p:blipFill>
-        <p:spPr bwMode="auto">
+        </p:nvSpPr>
+        <p:spPr>
           <a:xfrm>
-            <a:off x="19013048" y="20817958"/>
-            <a:ext cx="714375" cy="672842"/>
+            <a:off x="10098603" y="47099041"/>
+            <a:ext cx="8757450" cy="1393359"/>
           </a:xfrm>
-          <a:prstGeom prst="rect">
+          <a:prstGeom prst="roundRect">
             <a:avLst/>
           </a:prstGeom>
-          <a:noFill/>
-          <a:extLst>
-            <a:ext uri="{909E8E84-426E-40DD-AFC4-6F175D3DCCD1}">
-              <a14:hiddenFill xmlns:a14="http://schemas.microsoft.com/office/drawing/2010/main">
+          <a:ln/>
+        </p:spPr>
+        <p:style>
+          <a:lnRef idx="1">
+            <a:schemeClr val="accent3"/>
+          </a:lnRef>
+          <a:fillRef idx="2">
+            <a:schemeClr val="accent3"/>
+          </a:fillRef>
+          <a:effectRef idx="1">
+            <a:schemeClr val="accent3"/>
+          </a:effectRef>
+          <a:fontRef idx="minor">
+            <a:schemeClr val="dk1"/>
+          </a:fontRef>
+        </p:style>
+        <p:txBody>
+          <a:bodyPr rot="0" spcFirstLastPara="0" vertOverflow="overflow" horzOverflow="overflow" vert="horz" wrap="square" lIns="48004" tIns="24003" rIns="48004" bIns="24003" numCol="1" spcCol="0" rtlCol="0" fromWordArt="0" anchor="ctr" anchorCtr="0" forceAA="0" compatLnSpc="1">
+            <a:prstTxWarp prst="textNoShape">
+              <a:avLst/>
+            </a:prstTxWarp>
+            <a:noAutofit/>
+          </a:bodyPr>
+          <a:lstStyle/>
+          <a:p>
+            <a:pPr>
+              <a:spcBef>
+                <a:spcPct val="50000"/>
+              </a:spcBef>
+            </a:pPr>
+            <a:r>
+              <a:rPr lang="en-GB" sz="3200" b="1" u="sng" dirty="0"/>
+              <a:t>Syntactic similarities </a:t>
+            </a:r>
+          </a:p>
+          <a:p>
+            <a:pPr marL="299977" indent="-299977">
+              <a:spcBef>
+                <a:spcPts val="0"/>
+              </a:spcBef>
+              <a:buFont typeface="Wingdings" panose="05000000000000000000" pitchFamily="2" charset="2"/>
+              <a:buChar char="q"/>
+            </a:pPr>
+            <a:r>
+              <a:rPr lang="en-US" sz="2800" dirty="0">
                 <a:solidFill>
-                  <a:srgbClr val="FFFFFF"/>
+                  <a:schemeClr val="tx1"/>
                 </a:solidFill>
-              </a14:hiddenFill>
-            </a:ext>
-          </a:extLst>
+              </a:rPr>
+              <a:t>Token-based similarity</a:t>
+            </a:r>
+          </a:p>
+          <a:p>
+            <a:pPr marL="299977" indent="-299977">
+              <a:spcBef>
+                <a:spcPts val="0"/>
+              </a:spcBef>
+              <a:buFont typeface="Wingdings" panose="05000000000000000000" pitchFamily="2" charset="2"/>
+              <a:buChar char="q"/>
+            </a:pPr>
+            <a:r>
+              <a:rPr lang="en-US" sz="2800" dirty="0">
+                <a:solidFill>
+                  <a:schemeClr val="tx1"/>
+                </a:solidFill>
+              </a:rPr>
+              <a:t>Character-based similarity</a:t>
+            </a:r>
+            <a:endParaRPr lang="en-GB" sz="2800" dirty="0">
+              <a:solidFill>
+                <a:schemeClr val="tx1"/>
+              </a:solidFill>
+            </a:endParaRPr>
+          </a:p>
+        </p:txBody>
+      </p:sp>
+      <p:sp>
+        <p:nvSpPr>
+          <p:cNvPr id="170" name="Rectangle: Rounded Corners 169"/>
+          <p:cNvSpPr/>
+          <p:nvPr/>
+        </p:nvSpPr>
+        <p:spPr>
+          <a:xfrm>
+            <a:off x="10127417" y="48581349"/>
+            <a:ext cx="8740209" cy="1327221"/>
+          </a:xfrm>
+          <a:prstGeom prst="roundRect">
+            <a:avLst/>
+          </a:prstGeom>
+          <a:ln/>
         </p:spPr>
-      </p:pic>
+        <p:style>
+          <a:lnRef idx="1">
+            <a:schemeClr val="accent3"/>
+          </a:lnRef>
+          <a:fillRef idx="2">
+            <a:schemeClr val="accent3"/>
+          </a:fillRef>
+          <a:effectRef idx="1">
+            <a:schemeClr val="accent3"/>
+          </a:effectRef>
+          <a:fontRef idx="minor">
+            <a:schemeClr val="dk1"/>
+          </a:fontRef>
+        </p:style>
+        <p:txBody>
+          <a:bodyPr rot="0" spcFirstLastPara="0" vertOverflow="overflow" horzOverflow="overflow" vert="horz" wrap="square" lIns="48004" tIns="24003" rIns="48004" bIns="24003" numCol="1" spcCol="0" rtlCol="0" fromWordArt="0" anchor="ctr" anchorCtr="0" forceAA="0" compatLnSpc="1">
+            <a:prstTxWarp prst="textNoShape">
+              <a:avLst/>
+            </a:prstTxWarp>
+            <a:noAutofit/>
+          </a:bodyPr>
+          <a:lstStyle/>
+          <a:p>
+            <a:r>
+              <a:rPr lang="en-GB" sz="3200" b="1" u="sng" dirty="0"/>
+              <a:t>Semantic similarities </a:t>
+            </a:r>
+          </a:p>
+          <a:p>
+            <a:r>
+              <a:rPr lang="en-US" sz="2800" dirty="0"/>
+              <a:t>Apply synonym rules to evaluate the maximal similarities</a:t>
+            </a:r>
+          </a:p>
+        </p:txBody>
+      </p:sp>
       <p:sp>
         <p:nvSpPr>
           <p:cNvPr id="214" name="Rectangle: Rounded Corners 213"/>
@@ -11826,8 +11477,8 @@
         </p:nvSpPr>
         <p:spPr>
           <a:xfrm>
-            <a:off x="27818197" y="18876465"/>
-            <a:ext cx="9077736" cy="4783989"/>
+            <a:off x="9965029" y="46377499"/>
+            <a:ext cx="9215773" cy="3720618"/>
           </a:xfrm>
           <a:prstGeom prst="roundRect">
             <a:avLst>
@@ -11852,7 +11503,7 @@
           </a:fontRef>
         </p:style>
         <p:txBody>
-          <a:bodyPr rot="0" spcFirstLastPara="0" vertOverflow="overflow" horzOverflow="overflow" vert="horz" wrap="square" lIns="91440" tIns="45720" rIns="91440" bIns="45720" numCol="1" spcCol="0" rtlCol="0" fromWordArt="0" anchor="t" anchorCtr="0" forceAA="0" compatLnSpc="1">
+          <a:bodyPr rot="0" spcFirstLastPara="0" vertOverflow="overflow" horzOverflow="overflow" vert="horz" wrap="square" lIns="48004" tIns="24003" rIns="48004" bIns="24003" numCol="1" spcCol="0" rtlCol="0" fromWordArt="0" anchor="t" anchorCtr="0" forceAA="0" compatLnSpc="1">
             <a:prstTxWarp prst="textNoShape">
               <a:avLst/>
             </a:prstTxWarp>
@@ -11861,15 +11512,97 @@
           <a:lstStyle/>
           <a:p>
             <a:r>
-              <a:rPr lang="en-US" sz="3600" dirty="0"/>
-              <a:t>        String similarity measure</a:t>
+              <a:rPr lang="en-US" sz="3200" dirty="0"/>
+              <a:t>       String similarity measures</a:t>
             </a:r>
+          </a:p>
+        </p:txBody>
+      </p:sp>
+      <p:sp>
+        <p:nvSpPr>
+          <p:cNvPr id="149" name="Arrow: Right 148"/>
+          <p:cNvSpPr/>
+          <p:nvPr/>
+        </p:nvSpPr>
+        <p:spPr>
+          <a:xfrm>
+            <a:off x="8044497" y="39831377"/>
+            <a:ext cx="764097" cy="548606"/>
+          </a:xfrm>
+          <a:prstGeom prst="rightArrow">
+            <a:avLst/>
+          </a:prstGeom>
+          <a:solidFill>
+            <a:schemeClr val="bg1"/>
+          </a:solidFill>
+        </p:spPr>
+        <p:style>
+          <a:lnRef idx="1">
+            <a:schemeClr val="accent1"/>
+          </a:lnRef>
+          <a:fillRef idx="3">
+            <a:schemeClr val="accent1"/>
+          </a:fillRef>
+          <a:effectRef idx="2">
+            <a:schemeClr val="accent1"/>
+          </a:effectRef>
+          <a:fontRef idx="minor">
+            <a:schemeClr val="lt1"/>
+          </a:fontRef>
+        </p:style>
+        <p:txBody>
+          <a:bodyPr rtlCol="0" anchor="ctr"/>
+          <a:lstStyle/>
+          <a:p>
+            <a:pPr algn="ctr"/>
+            <a:endParaRPr lang="en-US" sz="2121"/>
           </a:p>
         </p:txBody>
       </p:sp>
       <p:pic>
         <p:nvPicPr>
-          <p:cNvPr id="215" name="Picture 8" descr="Related image"/>
+          <p:cNvPr id="150" name="Picture 6" descr="Image result for notice icon"/>
+          <p:cNvPicPr>
+            <a:picLocks noChangeAspect="1" noChangeArrowheads="1"/>
+          </p:cNvPicPr>
+          <p:nvPr/>
+        </p:nvPicPr>
+        <p:blipFill>
+          <a:blip r:embed="rId5">
+            <a:extLst>
+              <a:ext uri="{28A0092B-C50C-407E-A947-70E740481C1C}">
+                <a14:useLocalDpi xmlns:a14="http://schemas.microsoft.com/office/drawing/2010/main" val="0"/>
+              </a:ext>
+            </a:extLst>
+          </a:blip>
+          <a:srcRect/>
+          <a:stretch>
+            <a:fillRect/>
+          </a:stretch>
+        </p:blipFill>
+        <p:spPr bwMode="auto">
+          <a:xfrm>
+            <a:off x="1042170" y="39177650"/>
+            <a:ext cx="501178" cy="472022"/>
+          </a:xfrm>
+          <a:prstGeom prst="rect">
+            <a:avLst/>
+          </a:prstGeom>
+          <a:noFill/>
+          <a:extLst>
+            <a:ext uri="{909E8E84-426E-40DD-AFC4-6F175D3DCCD1}">
+              <a14:hiddenFill xmlns:a14="http://schemas.microsoft.com/office/drawing/2010/main">
+                <a:solidFill>
+                  <a:srgbClr val="FFFFFF"/>
+                </a:solidFill>
+              </a14:hiddenFill>
+            </a:ext>
+          </a:extLst>
+        </p:spPr>
+      </p:pic>
+      <p:pic>
+        <p:nvPicPr>
+          <p:cNvPr id="151" name="Picture 8" descr="Related image"/>
           <p:cNvPicPr>
             <a:picLocks noChangeAspect="1" noChangeArrowheads="1"/>
           </p:cNvPicPr>
@@ -11890,8 +11623,213 @@
         </p:blipFill>
         <p:spPr bwMode="auto">
           <a:xfrm>
-            <a:off x="27832071" y="18866673"/>
-            <a:ext cx="897808" cy="897808"/>
+            <a:off x="13891419" y="43761556"/>
+            <a:ext cx="699398" cy="632593"/>
+          </a:xfrm>
+          <a:prstGeom prst="rect">
+            <a:avLst/>
+          </a:prstGeom>
+          <a:noFill/>
+          <a:extLst>
+            <a:ext uri="{909E8E84-426E-40DD-AFC4-6F175D3DCCD1}">
+              <a14:hiddenFill xmlns:a14="http://schemas.microsoft.com/office/drawing/2010/main">
+                <a:solidFill>
+                  <a:srgbClr val="FFFFFF"/>
+                </a:solidFill>
+              </a14:hiddenFill>
+            </a:ext>
+          </a:extLst>
+        </p:spPr>
+      </p:pic>
+      <p:pic>
+        <p:nvPicPr>
+          <p:cNvPr id="152" name="Picture 6" descr="Image result for notice icon"/>
+          <p:cNvPicPr>
+            <a:picLocks noChangeAspect="1" noChangeArrowheads="1"/>
+          </p:cNvPicPr>
+          <p:nvPr/>
+        </p:nvPicPr>
+        <p:blipFill>
+          <a:blip r:embed="rId5">
+            <a:extLst>
+              <a:ext uri="{28A0092B-C50C-407E-A947-70E740481C1C}">
+                <a14:useLocalDpi xmlns:a14="http://schemas.microsoft.com/office/drawing/2010/main" val="0"/>
+              </a:ext>
+            </a:extLst>
+          </a:blip>
+          <a:srcRect/>
+          <a:stretch>
+            <a:fillRect/>
+          </a:stretch>
+        </p:blipFill>
+        <p:spPr bwMode="auto">
+          <a:xfrm>
+            <a:off x="991514" y="43681707"/>
+            <a:ext cx="501178" cy="472022"/>
+          </a:xfrm>
+          <a:prstGeom prst="rect">
+            <a:avLst/>
+          </a:prstGeom>
+          <a:noFill/>
+          <a:extLst>
+            <a:ext uri="{909E8E84-426E-40DD-AFC4-6F175D3DCCD1}">
+              <a14:hiddenFill xmlns:a14="http://schemas.microsoft.com/office/drawing/2010/main">
+                <a:solidFill>
+                  <a:srgbClr val="FFFFFF"/>
+                </a:solidFill>
+              </a14:hiddenFill>
+            </a:ext>
+          </a:extLst>
+        </p:spPr>
+      </p:pic>
+      <p:sp>
+        <p:nvSpPr>
+          <p:cNvPr id="153" name="Arrow: Right 152"/>
+          <p:cNvSpPr/>
+          <p:nvPr/>
+        </p:nvSpPr>
+        <p:spPr>
+          <a:xfrm>
+            <a:off x="11793960" y="44113376"/>
+            <a:ext cx="764097" cy="548606"/>
+          </a:xfrm>
+          <a:prstGeom prst="rightArrow">
+            <a:avLst/>
+          </a:prstGeom>
+          <a:solidFill>
+            <a:schemeClr val="bg1"/>
+          </a:solidFill>
+        </p:spPr>
+        <p:style>
+          <a:lnRef idx="1">
+            <a:schemeClr val="accent1"/>
+          </a:lnRef>
+          <a:fillRef idx="3">
+            <a:schemeClr val="accent1"/>
+          </a:fillRef>
+          <a:effectRef idx="2">
+            <a:schemeClr val="accent1"/>
+          </a:effectRef>
+          <a:fontRef idx="minor">
+            <a:schemeClr val="lt1"/>
+          </a:fontRef>
+        </p:style>
+        <p:txBody>
+          <a:bodyPr rtlCol="0" anchor="ctr"/>
+          <a:lstStyle/>
+          <a:p>
+            <a:pPr algn="ctr"/>
+            <a:endParaRPr lang="en-US" sz="2121"/>
+          </a:p>
+        </p:txBody>
+      </p:sp>
+      <p:pic>
+        <p:nvPicPr>
+          <p:cNvPr id="157" name="Picture 6" descr="Image result for notice icon"/>
+          <p:cNvPicPr>
+            <a:picLocks noChangeAspect="1" noChangeArrowheads="1"/>
+          </p:cNvPicPr>
+          <p:nvPr/>
+        </p:nvPicPr>
+        <p:blipFill>
+          <a:blip r:embed="rId5">
+            <a:extLst>
+              <a:ext uri="{28A0092B-C50C-407E-A947-70E740481C1C}">
+                <a14:useLocalDpi xmlns:a14="http://schemas.microsoft.com/office/drawing/2010/main" val="0"/>
+              </a:ext>
+            </a:extLst>
+          </a:blip>
+          <a:srcRect/>
+          <a:stretch>
+            <a:fillRect/>
+          </a:stretch>
+        </p:blipFill>
+        <p:spPr bwMode="auto">
+          <a:xfrm>
+            <a:off x="1143914" y="47795720"/>
+            <a:ext cx="501178" cy="472022"/>
+          </a:xfrm>
+          <a:prstGeom prst="rect">
+            <a:avLst/>
+          </a:prstGeom>
+          <a:noFill/>
+          <a:extLst>
+            <a:ext uri="{909E8E84-426E-40DD-AFC4-6F175D3DCCD1}">
+              <a14:hiddenFill xmlns:a14="http://schemas.microsoft.com/office/drawing/2010/main">
+                <a:solidFill>
+                  <a:srgbClr val="FFFFFF"/>
+                </a:solidFill>
+              </a14:hiddenFill>
+            </a:ext>
+          </a:extLst>
+        </p:spPr>
+      </p:pic>
+      <p:sp>
+        <p:nvSpPr>
+          <p:cNvPr id="158" name="Arrow: Right 157"/>
+          <p:cNvSpPr/>
+          <p:nvPr/>
+        </p:nvSpPr>
+        <p:spPr>
+          <a:xfrm>
+            <a:off x="8603879" y="48218097"/>
+            <a:ext cx="764097" cy="548606"/>
+          </a:xfrm>
+          <a:prstGeom prst="rightArrow">
+            <a:avLst/>
+          </a:prstGeom>
+          <a:solidFill>
+            <a:schemeClr val="bg1"/>
+          </a:solidFill>
+        </p:spPr>
+        <p:style>
+          <a:lnRef idx="1">
+            <a:schemeClr val="accent1"/>
+          </a:lnRef>
+          <a:fillRef idx="3">
+            <a:schemeClr val="accent1"/>
+          </a:fillRef>
+          <a:effectRef idx="2">
+            <a:schemeClr val="accent1"/>
+          </a:effectRef>
+          <a:fontRef idx="minor">
+            <a:schemeClr val="lt1"/>
+          </a:fontRef>
+        </p:style>
+        <p:txBody>
+          <a:bodyPr rtlCol="0" anchor="ctr"/>
+          <a:lstStyle/>
+          <a:p>
+            <a:pPr algn="ctr"/>
+            <a:endParaRPr lang="en-US" sz="2121"/>
+          </a:p>
+        </p:txBody>
+      </p:sp>
+      <p:pic>
+        <p:nvPicPr>
+          <p:cNvPr id="159" name="Picture 8" descr="Related image"/>
+          <p:cNvPicPr>
+            <a:picLocks noChangeAspect="1" noChangeArrowheads="1"/>
+          </p:cNvPicPr>
+          <p:nvPr/>
+        </p:nvPicPr>
+        <p:blipFill>
+          <a:blip r:embed="rId6">
+            <a:extLst>
+              <a:ext uri="{28A0092B-C50C-407E-A947-70E740481C1C}">
+                <a14:useLocalDpi xmlns:a14="http://schemas.microsoft.com/office/drawing/2010/main" val="0"/>
+              </a:ext>
+            </a:extLst>
+          </a:blip>
+          <a:srcRect/>
+          <a:stretch>
+            <a:fillRect/>
+          </a:stretch>
+        </p:blipFill>
+        <p:spPr bwMode="auto">
+          <a:xfrm>
+            <a:off x="9993511" y="46377499"/>
+            <a:ext cx="699398" cy="632593"/>
           </a:xfrm>
           <a:prstGeom prst="rect">
             <a:avLst/>
